--- a/docs/rascunho_aula_distancia.pptx
+++ b/docs/rascunho_aula_distancia.pptx
@@ -7,6 +7,11 @@
   <p:sldIdLst>
     <p:sldId id="256" r:id="rId2"/>
     <p:sldId id="257" r:id="rId3"/>
+    <p:sldId id="258" r:id="rId4"/>
+    <p:sldId id="259" r:id="rId5"/>
+    <p:sldId id="262" r:id="rId6"/>
+    <p:sldId id="260" r:id="rId7"/>
+    <p:sldId id="261" r:id="rId8"/>
   </p:sldIdLst>
   <p:sldSz cx="12192000" cy="6858000"/>
   <p:notesSz cx="6858000" cy="9144000"/>
@@ -105,6 +110,11 @@
       </a:defRPr>
     </a:lvl9pPr>
   </p:defaultTextStyle>
+  <p:extLst>
+    <p:ext uri="{EFAFB233-063F-42B5-8137-9DF3F51BA10A}">
+      <p15:sldGuideLst xmlns:p15="http://schemas.microsoft.com/office/powerpoint/2012/main"/>
+    </p:ext>
+  </p:extLst>
 </p:presentation>
 </file>
 
@@ -257,7 +267,7 @@
           <a:p>
             <a:fld id="{881F5C84-7F6C-8D42-A9BB-148FCD039667}" type="datetimeFigureOut">
               <a:rPr lang="en-BR" smtClean="0"/>
-              <a:t>25/03/20</a:t>
+              <a:t>01/04/20</a:t>
             </a:fld>
             <a:endParaRPr lang="en-BR"/>
           </a:p>
@@ -457,7 +467,7 @@
           <a:p>
             <a:fld id="{881F5C84-7F6C-8D42-A9BB-148FCD039667}" type="datetimeFigureOut">
               <a:rPr lang="en-BR" smtClean="0"/>
-              <a:t>25/03/20</a:t>
+              <a:t>01/04/20</a:t>
             </a:fld>
             <a:endParaRPr lang="en-BR"/>
           </a:p>
@@ -667,7 +677,7 @@
           <a:p>
             <a:fld id="{881F5C84-7F6C-8D42-A9BB-148FCD039667}" type="datetimeFigureOut">
               <a:rPr lang="en-BR" smtClean="0"/>
-              <a:t>25/03/20</a:t>
+              <a:t>01/04/20</a:t>
             </a:fld>
             <a:endParaRPr lang="en-BR"/>
           </a:p>
@@ -867,7 +877,7 @@
           <a:p>
             <a:fld id="{881F5C84-7F6C-8D42-A9BB-148FCD039667}" type="datetimeFigureOut">
               <a:rPr lang="en-BR" smtClean="0"/>
-              <a:t>25/03/20</a:t>
+              <a:t>01/04/20</a:t>
             </a:fld>
             <a:endParaRPr lang="en-BR"/>
           </a:p>
@@ -1143,7 +1153,7 @@
           <a:p>
             <a:fld id="{881F5C84-7F6C-8D42-A9BB-148FCD039667}" type="datetimeFigureOut">
               <a:rPr lang="en-BR" smtClean="0"/>
-              <a:t>25/03/20</a:t>
+              <a:t>01/04/20</a:t>
             </a:fld>
             <a:endParaRPr lang="en-BR"/>
           </a:p>
@@ -1411,7 +1421,7 @@
           <a:p>
             <a:fld id="{881F5C84-7F6C-8D42-A9BB-148FCD039667}" type="datetimeFigureOut">
               <a:rPr lang="en-BR" smtClean="0"/>
-              <a:t>25/03/20</a:t>
+              <a:t>01/04/20</a:t>
             </a:fld>
             <a:endParaRPr lang="en-BR"/>
           </a:p>
@@ -1826,7 +1836,7 @@
           <a:p>
             <a:fld id="{881F5C84-7F6C-8D42-A9BB-148FCD039667}" type="datetimeFigureOut">
               <a:rPr lang="en-BR" smtClean="0"/>
-              <a:t>25/03/20</a:t>
+              <a:t>01/04/20</a:t>
             </a:fld>
             <a:endParaRPr lang="en-BR"/>
           </a:p>
@@ -1968,7 +1978,7 @@
           <a:p>
             <a:fld id="{881F5C84-7F6C-8D42-A9BB-148FCD039667}" type="datetimeFigureOut">
               <a:rPr lang="en-BR" smtClean="0"/>
-              <a:t>25/03/20</a:t>
+              <a:t>01/04/20</a:t>
             </a:fld>
             <a:endParaRPr lang="en-BR"/>
           </a:p>
@@ -2081,7 +2091,7 @@
           <a:p>
             <a:fld id="{881F5C84-7F6C-8D42-A9BB-148FCD039667}" type="datetimeFigureOut">
               <a:rPr lang="en-BR" smtClean="0"/>
-              <a:t>25/03/20</a:t>
+              <a:t>01/04/20</a:t>
             </a:fld>
             <a:endParaRPr lang="en-BR"/>
           </a:p>
@@ -2394,7 +2404,7 @@
           <a:p>
             <a:fld id="{881F5C84-7F6C-8D42-A9BB-148FCD039667}" type="datetimeFigureOut">
               <a:rPr lang="en-BR" smtClean="0"/>
-              <a:t>25/03/20</a:t>
+              <a:t>01/04/20</a:t>
             </a:fld>
             <a:endParaRPr lang="en-BR"/>
           </a:p>
@@ -2683,7 +2693,7 @@
           <a:p>
             <a:fld id="{881F5C84-7F6C-8D42-A9BB-148FCD039667}" type="datetimeFigureOut">
               <a:rPr lang="en-BR" smtClean="0"/>
-              <a:t>25/03/20</a:t>
+              <a:t>01/04/20</a:t>
             </a:fld>
             <a:endParaRPr lang="en-BR"/>
           </a:p>
@@ -2926,7 +2936,7 @@
           <a:p>
             <a:fld id="{881F5C84-7F6C-8D42-A9BB-148FCD039667}" type="datetimeFigureOut">
               <a:rPr lang="en-BR" smtClean="0"/>
-              <a:t>25/03/20</a:t>
+              <a:t>01/04/20</a:t>
             </a:fld>
             <a:endParaRPr lang="en-BR"/>
           </a:p>
@@ -8587,6 +8597,9060 @@
 </p:sld>
 </file>
 
+<file path=ppt/slides/slide3.xml><?xml version="1.0" encoding="utf-8"?>
+<p:sld xmlns:a="http://schemas.openxmlformats.org/drawingml/2006/main" xmlns:r="http://schemas.openxmlformats.org/officeDocument/2006/relationships" xmlns:p="http://schemas.openxmlformats.org/presentationml/2006/main">
+  <p:cSld>
+    <p:spTree>
+      <p:nvGrpSpPr>
+        <p:cNvPr id="1" name=""/>
+        <p:cNvGrpSpPr/>
+        <p:nvPr/>
+      </p:nvGrpSpPr>
+      <p:grpSpPr>
+        <a:xfrm>
+          <a:off x="0" y="0"/>
+          <a:ext cx="0" cy="0"/>
+          <a:chOff x="0" y="0"/>
+          <a:chExt cx="0" cy="0"/>
+        </a:xfrm>
+      </p:grpSpPr>
+      <p:sp>
+        <p:nvSpPr>
+          <p:cNvPr id="4" name="Oval 3">
+            <a:extLst>
+              <a:ext uri="{FF2B5EF4-FFF2-40B4-BE49-F238E27FC236}">
+                <a16:creationId xmlns:a16="http://schemas.microsoft.com/office/drawing/2014/main" id="{AEFECB89-08A6-E944-85D6-13711426EB6A}"/>
+              </a:ext>
+            </a:extLst>
+          </p:cNvPr>
+          <p:cNvSpPr/>
+          <p:nvPr/>
+        </p:nvSpPr>
+        <p:spPr>
+          <a:xfrm>
+            <a:off x="3483316" y="0"/>
+            <a:ext cx="504497" cy="493986"/>
+          </a:xfrm>
+          <a:prstGeom prst="ellipse">
+            <a:avLst/>
+          </a:prstGeom>
+          <a:solidFill>
+            <a:schemeClr val="accent2"/>
+          </a:solidFill>
+        </p:spPr>
+        <p:style>
+          <a:lnRef idx="2">
+            <a:schemeClr val="accent1">
+              <a:shade val="50000"/>
+            </a:schemeClr>
+          </a:lnRef>
+          <a:fillRef idx="1">
+            <a:schemeClr val="accent1"/>
+          </a:fillRef>
+          <a:effectRef idx="0">
+            <a:schemeClr val="accent1"/>
+          </a:effectRef>
+          <a:fontRef idx="minor">
+            <a:schemeClr val="lt1"/>
+          </a:fontRef>
+        </p:style>
+        <p:txBody>
+          <a:bodyPr rtlCol="0" anchor="ctr"/>
+          <a:lstStyle/>
+          <a:p>
+            <a:pPr algn="ctr"/>
+            <a:r>
+              <a:rPr lang="en-BR" dirty="0"/>
+              <a:t>i</a:t>
+            </a:r>
+          </a:p>
+        </p:txBody>
+      </p:sp>
+      <p:sp>
+        <p:nvSpPr>
+          <p:cNvPr id="7" name="Oval 6">
+            <a:extLst>
+              <a:ext uri="{FF2B5EF4-FFF2-40B4-BE49-F238E27FC236}">
+                <a16:creationId xmlns:a16="http://schemas.microsoft.com/office/drawing/2014/main" id="{A5E11397-6516-384F-BB36-E054C9404C42}"/>
+              </a:ext>
+            </a:extLst>
+          </p:cNvPr>
+          <p:cNvSpPr/>
+          <p:nvPr/>
+        </p:nvSpPr>
+        <p:spPr>
+          <a:xfrm>
+            <a:off x="6296090" y="2317588"/>
+            <a:ext cx="504497" cy="493986"/>
+          </a:xfrm>
+          <a:prstGeom prst="ellipse">
+            <a:avLst/>
+          </a:prstGeom>
+          <a:solidFill>
+            <a:schemeClr val="accent1"/>
+          </a:solidFill>
+        </p:spPr>
+        <p:style>
+          <a:lnRef idx="2">
+            <a:schemeClr val="accent1">
+              <a:shade val="50000"/>
+            </a:schemeClr>
+          </a:lnRef>
+          <a:fillRef idx="1">
+            <a:schemeClr val="accent1"/>
+          </a:fillRef>
+          <a:effectRef idx="0">
+            <a:schemeClr val="accent1"/>
+          </a:effectRef>
+          <a:fontRef idx="minor">
+            <a:schemeClr val="lt1"/>
+          </a:fontRef>
+        </p:style>
+        <p:txBody>
+          <a:bodyPr rtlCol="0" anchor="ctr"/>
+          <a:lstStyle/>
+          <a:p>
+            <a:pPr algn="ctr"/>
+            <a:r>
+              <a:rPr lang="en-BR" dirty="0"/>
+              <a:t>n</a:t>
+            </a:r>
+          </a:p>
+        </p:txBody>
+      </p:sp>
+      <p:sp>
+        <p:nvSpPr>
+          <p:cNvPr id="10" name="Oval 9">
+            <a:extLst>
+              <a:ext uri="{FF2B5EF4-FFF2-40B4-BE49-F238E27FC236}">
+                <a16:creationId xmlns:a16="http://schemas.microsoft.com/office/drawing/2014/main" id="{4D9BFFCB-F601-3140-8E0F-EAE40AF42686}"/>
+              </a:ext>
+            </a:extLst>
+          </p:cNvPr>
+          <p:cNvSpPr/>
+          <p:nvPr/>
+        </p:nvSpPr>
+        <p:spPr>
+          <a:xfrm>
+            <a:off x="1581201" y="813630"/>
+            <a:ext cx="504497" cy="493986"/>
+          </a:xfrm>
+          <a:prstGeom prst="ellipse">
+            <a:avLst/>
+          </a:prstGeom>
+          <a:solidFill>
+            <a:schemeClr val="accent5"/>
+          </a:solidFill>
+        </p:spPr>
+        <p:style>
+          <a:lnRef idx="2">
+            <a:schemeClr val="accent1">
+              <a:shade val="50000"/>
+            </a:schemeClr>
+          </a:lnRef>
+          <a:fillRef idx="1">
+            <a:schemeClr val="accent1"/>
+          </a:fillRef>
+          <a:effectRef idx="0">
+            <a:schemeClr val="accent1"/>
+          </a:effectRef>
+          <a:fontRef idx="minor">
+            <a:schemeClr val="lt1"/>
+          </a:fontRef>
+        </p:style>
+        <p:txBody>
+          <a:bodyPr rtlCol="0" anchor="ctr"/>
+          <a:lstStyle/>
+          <a:p>
+            <a:pPr algn="ctr"/>
+            <a:r>
+              <a:rPr lang="en-BR" dirty="0"/>
+              <a:t>h</a:t>
+            </a:r>
+          </a:p>
+        </p:txBody>
+      </p:sp>
+      <p:sp>
+        <p:nvSpPr>
+          <p:cNvPr id="11" name="Oval 10">
+            <a:extLst>
+              <a:ext uri="{FF2B5EF4-FFF2-40B4-BE49-F238E27FC236}">
+                <a16:creationId xmlns:a16="http://schemas.microsoft.com/office/drawing/2014/main" id="{A68C230D-6D64-AD4D-BA3A-E38A1B6FD7B3}"/>
+              </a:ext>
+            </a:extLst>
+          </p:cNvPr>
+          <p:cNvSpPr/>
+          <p:nvPr/>
+        </p:nvSpPr>
+        <p:spPr>
+          <a:xfrm>
+            <a:off x="5236871" y="824447"/>
+            <a:ext cx="504497" cy="493986"/>
+          </a:xfrm>
+          <a:prstGeom prst="ellipse">
+            <a:avLst/>
+          </a:prstGeom>
+          <a:solidFill>
+            <a:schemeClr val="accent2"/>
+          </a:solidFill>
+        </p:spPr>
+        <p:style>
+          <a:lnRef idx="2">
+            <a:schemeClr val="accent1">
+              <a:shade val="50000"/>
+            </a:schemeClr>
+          </a:lnRef>
+          <a:fillRef idx="1">
+            <a:schemeClr val="accent1"/>
+          </a:fillRef>
+          <a:effectRef idx="0">
+            <a:schemeClr val="accent1"/>
+          </a:effectRef>
+          <a:fontRef idx="minor">
+            <a:schemeClr val="lt1"/>
+          </a:fontRef>
+        </p:style>
+        <p:txBody>
+          <a:bodyPr rtlCol="0" anchor="ctr"/>
+          <a:lstStyle/>
+          <a:p>
+            <a:pPr algn="ctr"/>
+            <a:r>
+              <a:rPr lang="en-BR" dirty="0"/>
+              <a:t>e</a:t>
+            </a:r>
+          </a:p>
+        </p:txBody>
+      </p:sp>
+      <p:sp>
+        <p:nvSpPr>
+          <p:cNvPr id="12" name="Oval 11">
+            <a:extLst>
+              <a:ext uri="{FF2B5EF4-FFF2-40B4-BE49-F238E27FC236}">
+                <a16:creationId xmlns:a16="http://schemas.microsoft.com/office/drawing/2014/main" id="{87F93EFA-B1D1-D244-9101-257056D59DEF}"/>
+              </a:ext>
+            </a:extLst>
+          </p:cNvPr>
+          <p:cNvSpPr/>
+          <p:nvPr/>
+        </p:nvSpPr>
+        <p:spPr>
+          <a:xfrm>
+            <a:off x="3881544" y="1621228"/>
+            <a:ext cx="504497" cy="493986"/>
+          </a:xfrm>
+          <a:prstGeom prst="ellipse">
+            <a:avLst/>
+          </a:prstGeom>
+          <a:solidFill>
+            <a:schemeClr val="accent1"/>
+          </a:solidFill>
+        </p:spPr>
+        <p:style>
+          <a:lnRef idx="2">
+            <a:schemeClr val="accent1">
+              <a:shade val="50000"/>
+            </a:schemeClr>
+          </a:lnRef>
+          <a:fillRef idx="1">
+            <a:schemeClr val="accent1"/>
+          </a:fillRef>
+          <a:effectRef idx="0">
+            <a:schemeClr val="accent1"/>
+          </a:effectRef>
+          <a:fontRef idx="minor">
+            <a:schemeClr val="lt1"/>
+          </a:fontRef>
+        </p:style>
+        <p:txBody>
+          <a:bodyPr rtlCol="0" anchor="ctr"/>
+          <a:lstStyle/>
+          <a:p>
+            <a:pPr algn="ctr"/>
+            <a:r>
+              <a:rPr lang="en-BR" dirty="0"/>
+              <a:t>f</a:t>
+            </a:r>
+          </a:p>
+        </p:txBody>
+      </p:sp>
+      <p:cxnSp>
+        <p:nvCxnSpPr>
+          <p:cNvPr id="13" name="Straight Arrow Connector 12">
+            <a:extLst>
+              <a:ext uri="{FF2B5EF4-FFF2-40B4-BE49-F238E27FC236}">
+                <a16:creationId xmlns:a16="http://schemas.microsoft.com/office/drawing/2014/main" id="{F66729EE-14C5-AC45-A94E-6159A4E5D3E7}"/>
+              </a:ext>
+            </a:extLst>
+          </p:cNvPr>
+          <p:cNvCxnSpPr>
+            <a:cxnSpLocks/>
+            <a:stCxn id="4" idx="3"/>
+            <a:endCxn id="10" idx="0"/>
+          </p:cNvCxnSpPr>
+          <p:nvPr/>
+        </p:nvCxnSpPr>
+        <p:spPr>
+          <a:xfrm flipH="1">
+            <a:off x="1833450" y="421643"/>
+            <a:ext cx="1723748" cy="391987"/>
+          </a:xfrm>
+          <a:prstGeom prst="straightConnector1">
+            <a:avLst/>
+          </a:prstGeom>
+          <a:ln>
+            <a:tailEnd type="triangle"/>
+          </a:ln>
+        </p:spPr>
+        <p:style>
+          <a:lnRef idx="1">
+            <a:schemeClr val="accent1"/>
+          </a:lnRef>
+          <a:fillRef idx="0">
+            <a:schemeClr val="accent1"/>
+          </a:fillRef>
+          <a:effectRef idx="0">
+            <a:schemeClr val="accent1"/>
+          </a:effectRef>
+          <a:fontRef idx="minor">
+            <a:schemeClr val="tx1"/>
+          </a:fontRef>
+        </p:style>
+      </p:cxnSp>
+      <p:cxnSp>
+        <p:nvCxnSpPr>
+          <p:cNvPr id="17" name="Straight Arrow Connector 16">
+            <a:extLst>
+              <a:ext uri="{FF2B5EF4-FFF2-40B4-BE49-F238E27FC236}">
+                <a16:creationId xmlns:a16="http://schemas.microsoft.com/office/drawing/2014/main" id="{11CF50D5-5063-4043-A012-CF0DEA2B981F}"/>
+              </a:ext>
+            </a:extLst>
+          </p:cNvPr>
+          <p:cNvCxnSpPr>
+            <a:cxnSpLocks/>
+            <a:stCxn id="4" idx="4"/>
+            <a:endCxn id="11" idx="1"/>
+          </p:cNvCxnSpPr>
+          <p:nvPr/>
+        </p:nvCxnSpPr>
+        <p:spPr>
+          <a:xfrm>
+            <a:off x="3735565" y="493986"/>
+            <a:ext cx="1575188" cy="402804"/>
+          </a:xfrm>
+          <a:prstGeom prst="straightConnector1">
+            <a:avLst/>
+          </a:prstGeom>
+          <a:ln>
+            <a:tailEnd type="triangle"/>
+          </a:ln>
+        </p:spPr>
+        <p:style>
+          <a:lnRef idx="1">
+            <a:schemeClr val="accent1"/>
+          </a:lnRef>
+          <a:fillRef idx="0">
+            <a:schemeClr val="accent1"/>
+          </a:fillRef>
+          <a:effectRef idx="0">
+            <a:schemeClr val="accent1"/>
+          </a:effectRef>
+          <a:fontRef idx="minor">
+            <a:schemeClr val="tx1"/>
+          </a:fontRef>
+        </p:style>
+      </p:cxnSp>
+      <p:cxnSp>
+        <p:nvCxnSpPr>
+          <p:cNvPr id="25" name="Straight Arrow Connector 24">
+            <a:extLst>
+              <a:ext uri="{FF2B5EF4-FFF2-40B4-BE49-F238E27FC236}">
+                <a16:creationId xmlns:a16="http://schemas.microsoft.com/office/drawing/2014/main" id="{39880B52-D5F1-BF47-B072-00B9BB558B16}"/>
+              </a:ext>
+            </a:extLst>
+          </p:cNvPr>
+          <p:cNvCxnSpPr>
+            <a:cxnSpLocks/>
+            <a:stCxn id="11" idx="4"/>
+            <a:endCxn id="48" idx="0"/>
+          </p:cNvCxnSpPr>
+          <p:nvPr/>
+        </p:nvCxnSpPr>
+        <p:spPr>
+          <a:xfrm flipH="1">
+            <a:off x="5096951" y="1318433"/>
+            <a:ext cx="392169" cy="349300"/>
+          </a:xfrm>
+          <a:prstGeom prst="straightConnector1">
+            <a:avLst/>
+          </a:prstGeom>
+          <a:ln>
+            <a:tailEnd type="triangle"/>
+          </a:ln>
+        </p:spPr>
+        <p:style>
+          <a:lnRef idx="1">
+            <a:schemeClr val="accent1"/>
+          </a:lnRef>
+          <a:fillRef idx="0">
+            <a:schemeClr val="accent1"/>
+          </a:fillRef>
+          <a:effectRef idx="0">
+            <a:schemeClr val="accent1"/>
+          </a:effectRef>
+          <a:fontRef idx="minor">
+            <a:schemeClr val="tx1"/>
+          </a:fontRef>
+        </p:style>
+      </p:cxnSp>
+      <p:cxnSp>
+        <p:nvCxnSpPr>
+          <p:cNvPr id="28" name="Straight Arrow Connector 27">
+            <a:extLst>
+              <a:ext uri="{FF2B5EF4-FFF2-40B4-BE49-F238E27FC236}">
+                <a16:creationId xmlns:a16="http://schemas.microsoft.com/office/drawing/2014/main" id="{6293028D-D2AB-F446-9EF7-70925B27F232}"/>
+              </a:ext>
+            </a:extLst>
+          </p:cNvPr>
+          <p:cNvCxnSpPr>
+            <a:cxnSpLocks/>
+            <a:stCxn id="55" idx="5"/>
+            <a:endCxn id="7" idx="0"/>
+          </p:cNvCxnSpPr>
+          <p:nvPr/>
+        </p:nvCxnSpPr>
+        <p:spPr>
+          <a:xfrm>
+            <a:off x="6135769" y="2129260"/>
+            <a:ext cx="412570" cy="188328"/>
+          </a:xfrm>
+          <a:prstGeom prst="straightConnector1">
+            <a:avLst/>
+          </a:prstGeom>
+          <a:ln>
+            <a:tailEnd type="triangle"/>
+          </a:ln>
+        </p:spPr>
+        <p:style>
+          <a:lnRef idx="1">
+            <a:schemeClr val="accent1"/>
+          </a:lnRef>
+          <a:fillRef idx="0">
+            <a:schemeClr val="accent1"/>
+          </a:fillRef>
+          <a:effectRef idx="0">
+            <a:schemeClr val="accent1"/>
+          </a:effectRef>
+          <a:fontRef idx="minor">
+            <a:schemeClr val="tx1"/>
+          </a:fontRef>
+        </p:style>
+      </p:cxnSp>
+      <p:graphicFrame>
+        <p:nvGraphicFramePr>
+          <p:cNvPr id="45" name="Table 44">
+            <a:extLst>
+              <a:ext uri="{FF2B5EF4-FFF2-40B4-BE49-F238E27FC236}">
+                <a16:creationId xmlns:a16="http://schemas.microsoft.com/office/drawing/2014/main" id="{211E5944-9DEC-A04D-8083-39C5B2973109}"/>
+              </a:ext>
+            </a:extLst>
+          </p:cNvPr>
+          <p:cNvGraphicFramePr>
+            <a:graphicFrameLocks noGrp="1"/>
+          </p:cNvGraphicFramePr>
+          <p:nvPr>
+            <p:extLst>
+              <p:ext uri="{D42A27DB-BD31-4B8C-83A1-F6EECF244321}">
+                <p14:modId xmlns:p14="http://schemas.microsoft.com/office/powerpoint/2010/main" val="2529637659"/>
+              </p:ext>
+            </p:extLst>
+          </p:nvPr>
+        </p:nvGraphicFramePr>
+        <p:xfrm>
+          <a:off x="9092350" y="153440"/>
+          <a:ext cx="2524686" cy="6304280"/>
+        </p:xfrm>
+        <a:graphic>
+          <a:graphicData uri="http://schemas.openxmlformats.org/drawingml/2006/table">
+            <a:tbl>
+              <a:tblPr firstRow="1" bandRow="1">
+                <a:tableStyleId>{5C22544A-7EE6-4342-B048-85BDC9FD1C3A}</a:tableStyleId>
+              </a:tblPr>
+              <a:tblGrid>
+                <a:gridCol w="841562">
+                  <a:extLst>
+                    <a:ext uri="{9D8B030D-6E8A-4147-A177-3AD203B41FA5}">
+                      <a16:colId xmlns:a16="http://schemas.microsoft.com/office/drawing/2014/main" val="4193389325"/>
+                    </a:ext>
+                  </a:extLst>
+                </a:gridCol>
+                <a:gridCol w="841562">
+                  <a:extLst>
+                    <a:ext uri="{9D8B030D-6E8A-4147-A177-3AD203B41FA5}">
+                      <a16:colId xmlns:a16="http://schemas.microsoft.com/office/drawing/2014/main" val="306294187"/>
+                    </a:ext>
+                  </a:extLst>
+                </a:gridCol>
+                <a:gridCol w="841562">
+                  <a:extLst>
+                    <a:ext uri="{9D8B030D-6E8A-4147-A177-3AD203B41FA5}">
+                      <a16:colId xmlns:a16="http://schemas.microsoft.com/office/drawing/2014/main" val="3977336545"/>
+                    </a:ext>
+                  </a:extLst>
+                </a:gridCol>
+              </a:tblGrid>
+              <a:tr h="370840">
+                <a:tc>
+                  <a:txBody>
+                    <a:bodyPr/>
+                    <a:lstStyle/>
+                    <a:p>
+                      <a:r>
+                        <a:rPr lang="en-US" dirty="0"/>
+                        <a:t>C</a:t>
+                      </a:r>
+                      <a:r>
+                        <a:rPr lang="en-BR" dirty="0"/>
+                        <a:t>idade</a:t>
+                      </a:r>
+                    </a:p>
+                  </a:txBody>
+                  <a:tcPr/>
+                </a:tc>
+                <a:tc>
+                  <a:txBody>
+                    <a:bodyPr/>
+                    <a:lstStyle/>
+                    <a:p>
+                      <a:r>
+                        <a:rPr lang="en-BR" dirty="0"/>
+                        <a:t>H - o</a:t>
+                      </a:r>
+                    </a:p>
+                  </a:txBody>
+                  <a:tcPr/>
+                </a:tc>
+                <a:tc>
+                  <a:txBody>
+                    <a:bodyPr/>
+                    <a:lstStyle/>
+                    <a:p>
+                      <a:r>
+                        <a:rPr lang="en-BR" dirty="0"/>
+                        <a:t>H - x</a:t>
+                      </a:r>
+                    </a:p>
+                  </a:txBody>
+                  <a:tcPr/>
+                </a:tc>
+                <a:extLst>
+                  <a:ext uri="{0D108BD9-81ED-4DB2-BD59-A6C34878D82A}">
+                    <a16:rowId xmlns:a16="http://schemas.microsoft.com/office/drawing/2014/main" val="1484854906"/>
+                  </a:ext>
+                </a:extLst>
+              </a:tr>
+              <a:tr h="370840">
+                <a:tc>
+                  <a:txBody>
+                    <a:bodyPr/>
+                    <a:lstStyle/>
+                    <a:p>
+                      <a:r>
+                        <a:rPr lang="en-BR" b="0" dirty="0"/>
+                        <a:t>a</a:t>
+                      </a:r>
+                    </a:p>
+                  </a:txBody>
+                  <a:tcPr/>
+                </a:tc>
+                <a:tc>
+                  <a:txBody>
+                    <a:bodyPr/>
+                    <a:lstStyle/>
+                    <a:p>
+                      <a:r>
+                        <a:rPr lang="en-BR" b="0" dirty="0"/>
+                        <a:t>8</a:t>
+                      </a:r>
+                    </a:p>
+                  </a:txBody>
+                  <a:tcPr/>
+                </a:tc>
+                <a:tc>
+                  <a:txBody>
+                    <a:bodyPr/>
+                    <a:lstStyle/>
+                    <a:p>
+                      <a:r>
+                        <a:rPr lang="en-BR" b="0" dirty="0"/>
+                        <a:t>150</a:t>
+                      </a:r>
+                    </a:p>
+                  </a:txBody>
+                  <a:tcPr/>
+                </a:tc>
+                <a:extLst>
+                  <a:ext uri="{0D108BD9-81ED-4DB2-BD59-A6C34878D82A}">
+                    <a16:rowId xmlns:a16="http://schemas.microsoft.com/office/drawing/2014/main" val="1294405551"/>
+                  </a:ext>
+                </a:extLst>
+              </a:tr>
+              <a:tr h="370840">
+                <a:tc>
+                  <a:txBody>
+                    <a:bodyPr/>
+                    <a:lstStyle/>
+                    <a:p>
+                      <a:r>
+                        <a:rPr lang="en-BR" b="0" dirty="0"/>
+                        <a:t>b</a:t>
+                      </a:r>
+                    </a:p>
+                  </a:txBody>
+                  <a:tcPr/>
+                </a:tc>
+                <a:tc>
+                  <a:txBody>
+                    <a:bodyPr/>
+                    <a:lstStyle/>
+                    <a:p>
+                      <a:r>
+                        <a:rPr lang="en-BR" b="0" dirty="0"/>
+                        <a:t>9</a:t>
+                      </a:r>
+                    </a:p>
+                  </a:txBody>
+                  <a:tcPr/>
+                </a:tc>
+                <a:tc>
+                  <a:txBody>
+                    <a:bodyPr/>
+                    <a:lstStyle/>
+                    <a:p>
+                      <a:r>
+                        <a:rPr lang="en-BR" b="0" dirty="0"/>
+                        <a:t>140</a:t>
+                      </a:r>
+                    </a:p>
+                  </a:txBody>
+                  <a:tcPr/>
+                </a:tc>
+                <a:extLst>
+                  <a:ext uri="{0D108BD9-81ED-4DB2-BD59-A6C34878D82A}">
+                    <a16:rowId xmlns:a16="http://schemas.microsoft.com/office/drawing/2014/main" val="1729186277"/>
+                  </a:ext>
+                </a:extLst>
+              </a:tr>
+              <a:tr h="370840">
+                <a:tc>
+                  <a:txBody>
+                    <a:bodyPr/>
+                    <a:lstStyle/>
+                    <a:p>
+                      <a:r>
+                        <a:rPr lang="en-BR" b="0" dirty="0"/>
+                        <a:t>c</a:t>
+                      </a:r>
+                    </a:p>
+                  </a:txBody>
+                  <a:tcPr/>
+                </a:tc>
+                <a:tc>
+                  <a:txBody>
+                    <a:bodyPr/>
+                    <a:lstStyle/>
+                    <a:p>
+                      <a:r>
+                        <a:rPr lang="en-BR" b="0" dirty="0"/>
+                        <a:t>2</a:t>
+                      </a:r>
+                    </a:p>
+                  </a:txBody>
+                  <a:tcPr/>
+                </a:tc>
+                <a:tc>
+                  <a:txBody>
+                    <a:bodyPr/>
+                    <a:lstStyle/>
+                    <a:p>
+                      <a:r>
+                        <a:rPr lang="en-BR" b="0" dirty="0"/>
+                        <a:t>140</a:t>
+                      </a:r>
+                    </a:p>
+                  </a:txBody>
+                  <a:tcPr/>
+                </a:tc>
+                <a:extLst>
+                  <a:ext uri="{0D108BD9-81ED-4DB2-BD59-A6C34878D82A}">
+                    <a16:rowId xmlns:a16="http://schemas.microsoft.com/office/drawing/2014/main" val="1854225904"/>
+                  </a:ext>
+                </a:extLst>
+              </a:tr>
+              <a:tr h="370840">
+                <a:tc>
+                  <a:txBody>
+                    <a:bodyPr/>
+                    <a:lstStyle/>
+                    <a:p>
+                      <a:r>
+                        <a:rPr lang="en-BR" b="0" dirty="0"/>
+                        <a:t>d</a:t>
+                      </a:r>
+                    </a:p>
+                  </a:txBody>
+                  <a:tcPr/>
+                </a:tc>
+                <a:tc>
+                  <a:txBody>
+                    <a:bodyPr/>
+                    <a:lstStyle/>
+                    <a:p>
+                      <a:r>
+                        <a:rPr lang="en-BR" b="0" dirty="0"/>
+                        <a:t>3</a:t>
+                      </a:r>
+                    </a:p>
+                  </a:txBody>
+                  <a:tcPr/>
+                </a:tc>
+                <a:tc>
+                  <a:txBody>
+                    <a:bodyPr/>
+                    <a:lstStyle/>
+                    <a:p>
+                      <a:r>
+                        <a:rPr lang="en-BR" b="0" dirty="0"/>
+                        <a:t>60</a:t>
+                      </a:r>
+                    </a:p>
+                  </a:txBody>
+                  <a:tcPr/>
+                </a:tc>
+                <a:extLst>
+                  <a:ext uri="{0D108BD9-81ED-4DB2-BD59-A6C34878D82A}">
+                    <a16:rowId xmlns:a16="http://schemas.microsoft.com/office/drawing/2014/main" val="3322015776"/>
+                  </a:ext>
+                </a:extLst>
+              </a:tr>
+              <a:tr h="370840">
+                <a:tc>
+                  <a:txBody>
+                    <a:bodyPr/>
+                    <a:lstStyle/>
+                    <a:p>
+                      <a:r>
+                        <a:rPr lang="en-BR" b="0" dirty="0"/>
+                        <a:t>e</a:t>
+                      </a:r>
+                    </a:p>
+                  </a:txBody>
+                  <a:tcPr/>
+                </a:tc>
+                <a:tc>
+                  <a:txBody>
+                    <a:bodyPr/>
+                    <a:lstStyle/>
+                    <a:p>
+                      <a:r>
+                        <a:rPr lang="en-BR" b="0" dirty="0"/>
+                        <a:t>4</a:t>
+                      </a:r>
+                    </a:p>
+                  </a:txBody>
+                  <a:tcPr/>
+                </a:tc>
+                <a:tc>
+                  <a:txBody>
+                    <a:bodyPr/>
+                    <a:lstStyle/>
+                    <a:p>
+                      <a:r>
+                        <a:rPr lang="en-BR" b="1" dirty="0"/>
+                        <a:t>40</a:t>
+                      </a:r>
+                    </a:p>
+                  </a:txBody>
+                  <a:tcPr/>
+                </a:tc>
+                <a:extLst>
+                  <a:ext uri="{0D108BD9-81ED-4DB2-BD59-A6C34878D82A}">
+                    <a16:rowId xmlns:a16="http://schemas.microsoft.com/office/drawing/2014/main" val="1632581636"/>
+                  </a:ext>
+                </a:extLst>
+              </a:tr>
+              <a:tr h="370840">
+                <a:tc>
+                  <a:txBody>
+                    <a:bodyPr/>
+                    <a:lstStyle/>
+                    <a:p>
+                      <a:r>
+                        <a:rPr lang="en-BR" b="0" dirty="0"/>
+                        <a:t>f</a:t>
+                      </a:r>
+                    </a:p>
+                  </a:txBody>
+                  <a:tcPr/>
+                </a:tc>
+                <a:tc>
+                  <a:txBody>
+                    <a:bodyPr/>
+                    <a:lstStyle/>
+                    <a:p>
+                      <a:r>
+                        <a:rPr lang="en-BR" b="0" dirty="0"/>
+                        <a:t>4</a:t>
+                      </a:r>
+                    </a:p>
+                  </a:txBody>
+                  <a:tcPr/>
+                </a:tc>
+                <a:tc>
+                  <a:txBody>
+                    <a:bodyPr/>
+                    <a:lstStyle/>
+                    <a:p>
+                      <a:r>
+                        <a:rPr lang="en-BR" b="0" dirty="0"/>
+                        <a:t>70</a:t>
+                      </a:r>
+                    </a:p>
+                  </a:txBody>
+                  <a:tcPr/>
+                </a:tc>
+                <a:extLst>
+                  <a:ext uri="{0D108BD9-81ED-4DB2-BD59-A6C34878D82A}">
+                    <a16:rowId xmlns:a16="http://schemas.microsoft.com/office/drawing/2014/main" val="3162846787"/>
+                  </a:ext>
+                </a:extLst>
+              </a:tr>
+              <a:tr h="370840">
+                <a:tc>
+                  <a:txBody>
+                    <a:bodyPr/>
+                    <a:lstStyle/>
+                    <a:p>
+                      <a:r>
+                        <a:rPr lang="en-BR" b="0" dirty="0"/>
+                        <a:t>g</a:t>
+                      </a:r>
+                    </a:p>
+                  </a:txBody>
+                  <a:tcPr/>
+                </a:tc>
+                <a:tc>
+                  <a:txBody>
+                    <a:bodyPr/>
+                    <a:lstStyle/>
+                    <a:p>
+                      <a:r>
+                        <a:rPr lang="en-BR" b="0" dirty="0"/>
+                        <a:t>5</a:t>
+                      </a:r>
+                    </a:p>
+                  </a:txBody>
+                  <a:tcPr/>
+                </a:tc>
+                <a:tc>
+                  <a:txBody>
+                    <a:bodyPr/>
+                    <a:lstStyle/>
+                    <a:p>
+                      <a:r>
+                        <a:rPr lang="en-BR" b="0" dirty="0"/>
+                        <a:t>80</a:t>
+                      </a:r>
+                    </a:p>
+                  </a:txBody>
+                  <a:tcPr/>
+                </a:tc>
+                <a:extLst>
+                  <a:ext uri="{0D108BD9-81ED-4DB2-BD59-A6C34878D82A}">
+                    <a16:rowId xmlns:a16="http://schemas.microsoft.com/office/drawing/2014/main" val="3523399562"/>
+                  </a:ext>
+                </a:extLst>
+              </a:tr>
+              <a:tr h="370840">
+                <a:tc>
+                  <a:txBody>
+                    <a:bodyPr/>
+                    <a:lstStyle/>
+                    <a:p>
+                      <a:r>
+                        <a:rPr lang="en-BR" b="0" dirty="0"/>
+                        <a:t>h</a:t>
+                      </a:r>
+                    </a:p>
+                  </a:txBody>
+                  <a:tcPr/>
+                </a:tc>
+                <a:tc>
+                  <a:txBody>
+                    <a:bodyPr/>
+                    <a:lstStyle/>
+                    <a:p>
+                      <a:r>
+                        <a:rPr lang="en-BR" b="0" dirty="0"/>
+                        <a:t>7</a:t>
+                      </a:r>
+                    </a:p>
+                  </a:txBody>
+                  <a:tcPr/>
+                </a:tc>
+                <a:tc>
+                  <a:txBody>
+                    <a:bodyPr/>
+                    <a:lstStyle/>
+                    <a:p>
+                      <a:r>
+                        <a:rPr lang="en-BR" b="1" dirty="0"/>
+                        <a:t>90</a:t>
+                      </a:r>
+                    </a:p>
+                  </a:txBody>
+                  <a:tcPr/>
+                </a:tc>
+                <a:extLst>
+                  <a:ext uri="{0D108BD9-81ED-4DB2-BD59-A6C34878D82A}">
+                    <a16:rowId xmlns:a16="http://schemas.microsoft.com/office/drawing/2014/main" val="747672596"/>
+                  </a:ext>
+                </a:extLst>
+              </a:tr>
+              <a:tr h="370840">
+                <a:tc>
+                  <a:txBody>
+                    <a:bodyPr/>
+                    <a:lstStyle/>
+                    <a:p>
+                      <a:r>
+                        <a:rPr lang="en-BR" b="0" dirty="0"/>
+                        <a:t>i</a:t>
+                      </a:r>
+                    </a:p>
+                  </a:txBody>
+                  <a:tcPr/>
+                </a:tc>
+                <a:tc>
+                  <a:txBody>
+                    <a:bodyPr/>
+                    <a:lstStyle/>
+                    <a:p>
+                      <a:r>
+                        <a:rPr lang="en-BR" b="0" dirty="0"/>
+                        <a:t>6</a:t>
+                      </a:r>
+                    </a:p>
+                  </a:txBody>
+                  <a:tcPr/>
+                </a:tc>
+                <a:tc>
+                  <a:txBody>
+                    <a:bodyPr/>
+                    <a:lstStyle/>
+                    <a:p>
+                      <a:r>
+                        <a:rPr lang="en-BR" b="0" dirty="0"/>
+                        <a:t>40</a:t>
+                      </a:r>
+                    </a:p>
+                  </a:txBody>
+                  <a:tcPr/>
+                </a:tc>
+                <a:extLst>
+                  <a:ext uri="{0D108BD9-81ED-4DB2-BD59-A6C34878D82A}">
+                    <a16:rowId xmlns:a16="http://schemas.microsoft.com/office/drawing/2014/main" val="542882818"/>
+                  </a:ext>
+                </a:extLst>
+              </a:tr>
+              <a:tr h="370840">
+                <a:tc>
+                  <a:txBody>
+                    <a:bodyPr/>
+                    <a:lstStyle/>
+                    <a:p>
+                      <a:r>
+                        <a:rPr lang="en-BR" b="0" dirty="0"/>
+                        <a:t>k</a:t>
+                      </a:r>
+                    </a:p>
+                  </a:txBody>
+                  <a:tcPr/>
+                </a:tc>
+                <a:tc>
+                  <a:txBody>
+                    <a:bodyPr/>
+                    <a:lstStyle/>
+                    <a:p>
+                      <a:r>
+                        <a:rPr lang="en-BR" b="0" dirty="0"/>
+                        <a:t>10</a:t>
+                      </a:r>
+                    </a:p>
+                  </a:txBody>
+                  <a:tcPr/>
+                </a:tc>
+                <a:tc>
+                  <a:txBody>
+                    <a:bodyPr/>
+                    <a:lstStyle/>
+                    <a:p>
+                      <a:r>
+                        <a:rPr lang="en-BR" b="0" dirty="0"/>
+                        <a:t>40</a:t>
+                      </a:r>
+                    </a:p>
+                  </a:txBody>
+                  <a:tcPr/>
+                </a:tc>
+                <a:extLst>
+                  <a:ext uri="{0D108BD9-81ED-4DB2-BD59-A6C34878D82A}">
+                    <a16:rowId xmlns:a16="http://schemas.microsoft.com/office/drawing/2014/main" val="3252911884"/>
+                  </a:ext>
+                </a:extLst>
+              </a:tr>
+              <a:tr h="370840">
+                <a:tc>
+                  <a:txBody>
+                    <a:bodyPr/>
+                    <a:lstStyle/>
+                    <a:p>
+                      <a:r>
+                        <a:rPr lang="en-BR" b="0" dirty="0"/>
+                        <a:t>l</a:t>
+                      </a:r>
+                    </a:p>
+                  </a:txBody>
+                  <a:tcPr/>
+                </a:tc>
+                <a:tc>
+                  <a:txBody>
+                    <a:bodyPr/>
+                    <a:lstStyle/>
+                    <a:p>
+                      <a:r>
+                        <a:rPr lang="en-BR" b="0" dirty="0"/>
+                        <a:t>11</a:t>
+                      </a:r>
+                    </a:p>
+                  </a:txBody>
+                  <a:tcPr/>
+                </a:tc>
+                <a:tc>
+                  <a:txBody>
+                    <a:bodyPr/>
+                    <a:lstStyle/>
+                    <a:p>
+                      <a:r>
+                        <a:rPr lang="en-BR" b="0" dirty="0"/>
+                        <a:t>50</a:t>
+                      </a:r>
+                    </a:p>
+                  </a:txBody>
+                  <a:tcPr/>
+                </a:tc>
+                <a:extLst>
+                  <a:ext uri="{0D108BD9-81ED-4DB2-BD59-A6C34878D82A}">
+                    <a16:rowId xmlns:a16="http://schemas.microsoft.com/office/drawing/2014/main" val="3651373415"/>
+                  </a:ext>
+                </a:extLst>
+              </a:tr>
+              <a:tr h="370840">
+                <a:tc>
+                  <a:txBody>
+                    <a:bodyPr/>
+                    <a:lstStyle/>
+                    <a:p>
+                      <a:r>
+                        <a:rPr lang="en-BR" b="0" dirty="0"/>
+                        <a:t>m</a:t>
+                      </a:r>
+                    </a:p>
+                  </a:txBody>
+                  <a:tcPr/>
+                </a:tc>
+                <a:tc>
+                  <a:txBody>
+                    <a:bodyPr/>
+                    <a:lstStyle/>
+                    <a:p>
+                      <a:r>
+                        <a:rPr lang="en-BR" b="0" dirty="0"/>
+                        <a:t>13</a:t>
+                      </a:r>
+                    </a:p>
+                  </a:txBody>
+                  <a:tcPr/>
+                </a:tc>
+                <a:tc>
+                  <a:txBody>
+                    <a:bodyPr/>
+                    <a:lstStyle/>
+                    <a:p>
+                      <a:r>
+                        <a:rPr lang="en-BR" b="0" dirty="0"/>
+                        <a:t>10</a:t>
+                      </a:r>
+                    </a:p>
+                  </a:txBody>
+                  <a:tcPr/>
+                </a:tc>
+                <a:extLst>
+                  <a:ext uri="{0D108BD9-81ED-4DB2-BD59-A6C34878D82A}">
+                    <a16:rowId xmlns:a16="http://schemas.microsoft.com/office/drawing/2014/main" val="3703256701"/>
+                  </a:ext>
+                </a:extLst>
+              </a:tr>
+              <a:tr h="370840">
+                <a:tc>
+                  <a:txBody>
+                    <a:bodyPr/>
+                    <a:lstStyle/>
+                    <a:p>
+                      <a:r>
+                        <a:rPr lang="en-BR" b="0" dirty="0"/>
+                        <a:t>n</a:t>
+                      </a:r>
+                    </a:p>
+                  </a:txBody>
+                  <a:tcPr/>
+                </a:tc>
+                <a:tc>
+                  <a:txBody>
+                    <a:bodyPr/>
+                    <a:lstStyle/>
+                    <a:p>
+                      <a:r>
+                        <a:rPr lang="en-BR" b="0" dirty="0"/>
+                        <a:t>14</a:t>
+                      </a:r>
+                    </a:p>
+                  </a:txBody>
+                  <a:tcPr/>
+                </a:tc>
+                <a:tc>
+                  <a:txBody>
+                    <a:bodyPr/>
+                    <a:lstStyle/>
+                    <a:p>
+                      <a:r>
+                        <a:rPr lang="en-BR" b="0" dirty="0"/>
+                        <a:t>20</a:t>
+                      </a:r>
+                    </a:p>
+                  </a:txBody>
+                  <a:tcPr/>
+                </a:tc>
+                <a:extLst>
+                  <a:ext uri="{0D108BD9-81ED-4DB2-BD59-A6C34878D82A}">
+                    <a16:rowId xmlns:a16="http://schemas.microsoft.com/office/drawing/2014/main" val="2382767953"/>
+                  </a:ext>
+                </a:extLst>
+              </a:tr>
+              <a:tr h="370840">
+                <a:tc>
+                  <a:txBody>
+                    <a:bodyPr/>
+                    <a:lstStyle/>
+                    <a:p>
+                      <a:r>
+                        <a:rPr lang="en-BR" b="0" dirty="0"/>
+                        <a:t>o</a:t>
+                      </a:r>
+                    </a:p>
+                  </a:txBody>
+                  <a:tcPr/>
+                </a:tc>
+                <a:tc>
+                  <a:txBody>
+                    <a:bodyPr/>
+                    <a:lstStyle/>
+                    <a:p>
+                      <a:r>
+                        <a:rPr lang="en-BR" b="0" dirty="0"/>
+                        <a:t>0</a:t>
+                      </a:r>
+                    </a:p>
+                  </a:txBody>
+                  <a:tcPr/>
+                </a:tc>
+                <a:tc>
+                  <a:txBody>
+                    <a:bodyPr/>
+                    <a:lstStyle/>
+                    <a:p>
+                      <a:r>
+                        <a:rPr lang="en-BR" b="0" dirty="0"/>
+                        <a:t>150</a:t>
+                      </a:r>
+                    </a:p>
+                  </a:txBody>
+                  <a:tcPr/>
+                </a:tc>
+                <a:extLst>
+                  <a:ext uri="{0D108BD9-81ED-4DB2-BD59-A6C34878D82A}">
+                    <a16:rowId xmlns:a16="http://schemas.microsoft.com/office/drawing/2014/main" val="58844377"/>
+                  </a:ext>
+                </a:extLst>
+              </a:tr>
+              <a:tr h="370840">
+                <a:tc>
+                  <a:txBody>
+                    <a:bodyPr/>
+                    <a:lstStyle/>
+                    <a:p>
+                      <a:r>
+                        <a:rPr lang="en-BR" b="0" dirty="0"/>
+                        <a:t>p</a:t>
+                      </a:r>
+                    </a:p>
+                  </a:txBody>
+                  <a:tcPr/>
+                </a:tc>
+                <a:tc>
+                  <a:txBody>
+                    <a:bodyPr/>
+                    <a:lstStyle/>
+                    <a:p>
+                      <a:r>
+                        <a:rPr lang="en-BR" b="0" dirty="0"/>
+                        <a:t>3</a:t>
+                      </a:r>
+                    </a:p>
+                  </a:txBody>
+                  <a:tcPr/>
+                </a:tc>
+                <a:tc>
+                  <a:txBody>
+                    <a:bodyPr/>
+                    <a:lstStyle/>
+                    <a:p>
+                      <a:r>
+                        <a:rPr lang="en-BR" b="0" dirty="0"/>
+                        <a:t>160</a:t>
+                      </a:r>
+                    </a:p>
+                  </a:txBody>
+                  <a:tcPr/>
+                </a:tc>
+                <a:extLst>
+                  <a:ext uri="{0D108BD9-81ED-4DB2-BD59-A6C34878D82A}">
+                    <a16:rowId xmlns:a16="http://schemas.microsoft.com/office/drawing/2014/main" val="3352831417"/>
+                  </a:ext>
+                </a:extLst>
+              </a:tr>
+              <a:tr h="370840">
+                <a:tc>
+                  <a:txBody>
+                    <a:bodyPr/>
+                    <a:lstStyle/>
+                    <a:p>
+                      <a:r>
+                        <a:rPr lang="en-BR" b="0" dirty="0"/>
+                        <a:t>x</a:t>
+                      </a:r>
+                    </a:p>
+                  </a:txBody>
+                  <a:tcPr/>
+                </a:tc>
+                <a:tc>
+                  <a:txBody>
+                    <a:bodyPr/>
+                    <a:lstStyle/>
+                    <a:p>
+                      <a:r>
+                        <a:rPr lang="en-BR" b="0" dirty="0"/>
+                        <a:t>15</a:t>
+                      </a:r>
+                    </a:p>
+                  </a:txBody>
+                  <a:tcPr/>
+                </a:tc>
+                <a:tc>
+                  <a:txBody>
+                    <a:bodyPr/>
+                    <a:lstStyle/>
+                    <a:p>
+                      <a:r>
+                        <a:rPr lang="en-BR" b="1" dirty="0"/>
+                        <a:t>00</a:t>
+                      </a:r>
+                    </a:p>
+                  </a:txBody>
+                  <a:tcPr/>
+                </a:tc>
+                <a:extLst>
+                  <a:ext uri="{0D108BD9-81ED-4DB2-BD59-A6C34878D82A}">
+                    <a16:rowId xmlns:a16="http://schemas.microsoft.com/office/drawing/2014/main" val="1099026100"/>
+                  </a:ext>
+                </a:extLst>
+              </a:tr>
+            </a:tbl>
+          </a:graphicData>
+        </a:graphic>
+      </p:graphicFrame>
+      <p:sp>
+        <p:nvSpPr>
+          <p:cNvPr id="47" name="Oval 46">
+            <a:extLst>
+              <a:ext uri="{FF2B5EF4-FFF2-40B4-BE49-F238E27FC236}">
+                <a16:creationId xmlns:a16="http://schemas.microsoft.com/office/drawing/2014/main" id="{CF4FCB13-8D61-F84A-8B30-525F374D928A}"/>
+              </a:ext>
+            </a:extLst>
+          </p:cNvPr>
+          <p:cNvSpPr/>
+          <p:nvPr/>
+        </p:nvSpPr>
+        <p:spPr>
+          <a:xfrm>
+            <a:off x="4984983" y="4983374"/>
+            <a:ext cx="504497" cy="493986"/>
+          </a:xfrm>
+          <a:prstGeom prst="ellipse">
+            <a:avLst/>
+          </a:prstGeom>
+          <a:solidFill>
+            <a:schemeClr val="accent2"/>
+          </a:solidFill>
+        </p:spPr>
+        <p:style>
+          <a:lnRef idx="2">
+            <a:schemeClr val="accent1">
+              <a:shade val="50000"/>
+            </a:schemeClr>
+          </a:lnRef>
+          <a:fillRef idx="1">
+            <a:schemeClr val="accent1"/>
+          </a:fillRef>
+          <a:effectRef idx="0">
+            <a:schemeClr val="accent1"/>
+          </a:effectRef>
+          <a:fontRef idx="minor">
+            <a:schemeClr val="lt1"/>
+          </a:fontRef>
+        </p:style>
+        <p:txBody>
+          <a:bodyPr rtlCol="0" anchor="ctr"/>
+          <a:lstStyle/>
+          <a:p>
+            <a:pPr algn="ctr"/>
+            <a:r>
+              <a:rPr lang="en-BR" dirty="0"/>
+              <a:t>e</a:t>
+            </a:r>
+          </a:p>
+        </p:txBody>
+      </p:sp>
+      <p:sp>
+        <p:nvSpPr>
+          <p:cNvPr id="48" name="Oval 47">
+            <a:extLst>
+              <a:ext uri="{FF2B5EF4-FFF2-40B4-BE49-F238E27FC236}">
+                <a16:creationId xmlns:a16="http://schemas.microsoft.com/office/drawing/2014/main" id="{49E3CEDF-C0F4-BC4F-BD9B-0983E880A003}"/>
+              </a:ext>
+            </a:extLst>
+          </p:cNvPr>
+          <p:cNvSpPr/>
+          <p:nvPr/>
+        </p:nvSpPr>
+        <p:spPr>
+          <a:xfrm>
+            <a:off x="4844702" y="1667733"/>
+            <a:ext cx="504497" cy="493986"/>
+          </a:xfrm>
+          <a:prstGeom prst="ellipse">
+            <a:avLst/>
+          </a:prstGeom>
+          <a:solidFill>
+            <a:schemeClr val="accent1"/>
+          </a:solidFill>
+        </p:spPr>
+        <p:style>
+          <a:lnRef idx="2">
+            <a:schemeClr val="accent1">
+              <a:shade val="50000"/>
+            </a:schemeClr>
+          </a:lnRef>
+          <a:fillRef idx="1">
+            <a:schemeClr val="accent1"/>
+          </a:fillRef>
+          <a:effectRef idx="0">
+            <a:schemeClr val="accent1"/>
+          </a:effectRef>
+          <a:fontRef idx="minor">
+            <a:schemeClr val="lt1"/>
+          </a:fontRef>
+        </p:style>
+        <p:txBody>
+          <a:bodyPr rtlCol="0" anchor="ctr"/>
+          <a:lstStyle/>
+          <a:p>
+            <a:pPr algn="ctr"/>
+            <a:r>
+              <a:rPr lang="en-BR" dirty="0"/>
+              <a:t>d</a:t>
+            </a:r>
+          </a:p>
+        </p:txBody>
+      </p:sp>
+      <p:cxnSp>
+        <p:nvCxnSpPr>
+          <p:cNvPr id="51" name="Straight Arrow Connector 50">
+            <a:extLst>
+              <a:ext uri="{FF2B5EF4-FFF2-40B4-BE49-F238E27FC236}">
+                <a16:creationId xmlns:a16="http://schemas.microsoft.com/office/drawing/2014/main" id="{1F3F9942-1669-C942-8378-3DC6D5BFE7BB}"/>
+              </a:ext>
+            </a:extLst>
+          </p:cNvPr>
+          <p:cNvCxnSpPr>
+            <a:cxnSpLocks/>
+            <a:stCxn id="11" idx="3"/>
+            <a:endCxn id="12" idx="0"/>
+          </p:cNvCxnSpPr>
+          <p:nvPr/>
+        </p:nvCxnSpPr>
+        <p:spPr>
+          <a:xfrm flipH="1">
+            <a:off x="4133793" y="1246090"/>
+            <a:ext cx="1176960" cy="375138"/>
+          </a:xfrm>
+          <a:prstGeom prst="straightConnector1">
+            <a:avLst/>
+          </a:prstGeom>
+          <a:ln>
+            <a:tailEnd type="triangle"/>
+          </a:ln>
+        </p:spPr>
+        <p:style>
+          <a:lnRef idx="1">
+            <a:schemeClr val="accent1"/>
+          </a:lnRef>
+          <a:fillRef idx="0">
+            <a:schemeClr val="accent1"/>
+          </a:fillRef>
+          <a:effectRef idx="0">
+            <a:schemeClr val="accent1"/>
+          </a:effectRef>
+          <a:fontRef idx="minor">
+            <a:schemeClr val="tx1"/>
+          </a:fontRef>
+        </p:style>
+      </p:cxnSp>
+      <p:sp>
+        <p:nvSpPr>
+          <p:cNvPr id="55" name="Oval 54">
+            <a:extLst>
+              <a:ext uri="{FF2B5EF4-FFF2-40B4-BE49-F238E27FC236}">
+                <a16:creationId xmlns:a16="http://schemas.microsoft.com/office/drawing/2014/main" id="{BD6BFEAE-11BC-D343-9C8F-73005A83F33D}"/>
+              </a:ext>
+            </a:extLst>
+          </p:cNvPr>
+          <p:cNvSpPr/>
+          <p:nvPr/>
+        </p:nvSpPr>
+        <p:spPr>
+          <a:xfrm>
+            <a:off x="5705154" y="1707617"/>
+            <a:ext cx="504497" cy="493986"/>
+          </a:xfrm>
+          <a:prstGeom prst="ellipse">
+            <a:avLst/>
+          </a:prstGeom>
+          <a:solidFill>
+            <a:schemeClr val="accent2"/>
+          </a:solidFill>
+        </p:spPr>
+        <p:style>
+          <a:lnRef idx="2">
+            <a:schemeClr val="accent1">
+              <a:shade val="50000"/>
+            </a:schemeClr>
+          </a:lnRef>
+          <a:fillRef idx="1">
+            <a:schemeClr val="accent1"/>
+          </a:fillRef>
+          <a:effectRef idx="0">
+            <a:schemeClr val="accent1"/>
+          </a:effectRef>
+          <a:fontRef idx="minor">
+            <a:schemeClr val="lt1"/>
+          </a:fontRef>
+        </p:style>
+        <p:txBody>
+          <a:bodyPr rtlCol="0" anchor="ctr"/>
+          <a:lstStyle/>
+          <a:p>
+            <a:pPr algn="ctr"/>
+            <a:r>
+              <a:rPr lang="en-BR" dirty="0"/>
+              <a:t>m</a:t>
+            </a:r>
+          </a:p>
+        </p:txBody>
+      </p:sp>
+      <p:sp>
+        <p:nvSpPr>
+          <p:cNvPr id="56" name="Oval 55">
+            <a:extLst>
+              <a:ext uri="{FF2B5EF4-FFF2-40B4-BE49-F238E27FC236}">
+                <a16:creationId xmlns:a16="http://schemas.microsoft.com/office/drawing/2014/main" id="{EFDCC2C8-BB5D-6944-BED4-D353B34F9FD6}"/>
+              </a:ext>
+            </a:extLst>
+          </p:cNvPr>
+          <p:cNvSpPr/>
+          <p:nvPr/>
+        </p:nvSpPr>
+        <p:spPr>
+          <a:xfrm>
+            <a:off x="5351215" y="2297845"/>
+            <a:ext cx="504497" cy="493986"/>
+          </a:xfrm>
+          <a:prstGeom prst="ellipse">
+            <a:avLst/>
+          </a:prstGeom>
+          <a:solidFill>
+            <a:schemeClr val="accent2"/>
+          </a:solidFill>
+        </p:spPr>
+        <p:style>
+          <a:lnRef idx="2">
+            <a:schemeClr val="accent1">
+              <a:shade val="50000"/>
+            </a:schemeClr>
+          </a:lnRef>
+          <a:fillRef idx="1">
+            <a:schemeClr val="accent1"/>
+          </a:fillRef>
+          <a:effectRef idx="0">
+            <a:schemeClr val="accent1"/>
+          </a:effectRef>
+          <a:fontRef idx="minor">
+            <a:schemeClr val="lt1"/>
+          </a:fontRef>
+        </p:style>
+        <p:txBody>
+          <a:bodyPr rtlCol="0" anchor="ctr"/>
+          <a:lstStyle/>
+          <a:p>
+            <a:pPr algn="ctr"/>
+            <a:r>
+              <a:rPr lang="en-BR" dirty="0"/>
+              <a:t>x</a:t>
+            </a:r>
+          </a:p>
+        </p:txBody>
+      </p:sp>
+      <p:sp>
+        <p:nvSpPr>
+          <p:cNvPr id="57" name="Oval 56">
+            <a:extLst>
+              <a:ext uri="{FF2B5EF4-FFF2-40B4-BE49-F238E27FC236}">
+                <a16:creationId xmlns:a16="http://schemas.microsoft.com/office/drawing/2014/main" id="{1BA2F544-A0AA-E14E-A8DF-C3321A6A0981}"/>
+              </a:ext>
+            </a:extLst>
+          </p:cNvPr>
+          <p:cNvSpPr/>
+          <p:nvPr/>
+        </p:nvSpPr>
+        <p:spPr>
+          <a:xfrm>
+            <a:off x="5372404" y="4192849"/>
+            <a:ext cx="504497" cy="493986"/>
+          </a:xfrm>
+          <a:prstGeom prst="ellipse">
+            <a:avLst/>
+          </a:prstGeom>
+          <a:solidFill>
+            <a:schemeClr val="accent2"/>
+          </a:solidFill>
+        </p:spPr>
+        <p:style>
+          <a:lnRef idx="2">
+            <a:schemeClr val="accent1">
+              <a:shade val="50000"/>
+            </a:schemeClr>
+          </a:lnRef>
+          <a:fillRef idx="1">
+            <a:schemeClr val="accent1"/>
+          </a:fillRef>
+          <a:effectRef idx="0">
+            <a:schemeClr val="accent1"/>
+          </a:effectRef>
+          <a:fontRef idx="minor">
+            <a:schemeClr val="lt1"/>
+          </a:fontRef>
+        </p:style>
+        <p:txBody>
+          <a:bodyPr rtlCol="0" anchor="ctr"/>
+          <a:lstStyle/>
+          <a:p>
+            <a:pPr algn="ctr"/>
+            <a:r>
+              <a:rPr lang="en-BR" dirty="0"/>
+              <a:t>d</a:t>
+            </a:r>
+          </a:p>
+        </p:txBody>
+      </p:sp>
+      <p:sp>
+        <p:nvSpPr>
+          <p:cNvPr id="58" name="Oval 57">
+            <a:extLst>
+              <a:ext uri="{FF2B5EF4-FFF2-40B4-BE49-F238E27FC236}">
+                <a16:creationId xmlns:a16="http://schemas.microsoft.com/office/drawing/2014/main" id="{34EDA3B7-EA9B-9B42-983D-2D8827E9458B}"/>
+              </a:ext>
+            </a:extLst>
+          </p:cNvPr>
+          <p:cNvSpPr/>
+          <p:nvPr/>
+        </p:nvSpPr>
+        <p:spPr>
+          <a:xfrm>
+            <a:off x="4437292" y="4177431"/>
+            <a:ext cx="504497" cy="493986"/>
+          </a:xfrm>
+          <a:prstGeom prst="ellipse">
+            <a:avLst/>
+          </a:prstGeom>
+          <a:solidFill>
+            <a:schemeClr val="accent1"/>
+          </a:solidFill>
+        </p:spPr>
+        <p:style>
+          <a:lnRef idx="2">
+            <a:schemeClr val="accent1">
+              <a:shade val="50000"/>
+            </a:schemeClr>
+          </a:lnRef>
+          <a:fillRef idx="1">
+            <a:schemeClr val="accent1"/>
+          </a:fillRef>
+          <a:effectRef idx="0">
+            <a:schemeClr val="accent1"/>
+          </a:effectRef>
+          <a:fontRef idx="minor">
+            <a:schemeClr val="lt1"/>
+          </a:fontRef>
+        </p:style>
+        <p:txBody>
+          <a:bodyPr rtlCol="0" anchor="ctr"/>
+          <a:lstStyle/>
+          <a:p>
+            <a:pPr algn="ctr"/>
+            <a:r>
+              <a:rPr lang="en-BR" dirty="0"/>
+              <a:t>g</a:t>
+            </a:r>
+          </a:p>
+        </p:txBody>
+      </p:sp>
+      <p:cxnSp>
+        <p:nvCxnSpPr>
+          <p:cNvPr id="59" name="Straight Arrow Connector 58">
+            <a:extLst>
+              <a:ext uri="{FF2B5EF4-FFF2-40B4-BE49-F238E27FC236}">
+                <a16:creationId xmlns:a16="http://schemas.microsoft.com/office/drawing/2014/main" id="{595FEA3F-50B2-5C44-9A0E-5D7A8CD87322}"/>
+              </a:ext>
+            </a:extLst>
+          </p:cNvPr>
+          <p:cNvCxnSpPr>
+            <a:cxnSpLocks/>
+            <a:endCxn id="58" idx="0"/>
+          </p:cNvCxnSpPr>
+          <p:nvPr/>
+        </p:nvCxnSpPr>
+        <p:spPr>
+          <a:xfrm flipH="1">
+            <a:off x="4689541" y="4157688"/>
+            <a:ext cx="264087" cy="19743"/>
+          </a:xfrm>
+          <a:prstGeom prst="straightConnector1">
+            <a:avLst/>
+          </a:prstGeom>
+          <a:ln>
+            <a:tailEnd type="triangle"/>
+          </a:ln>
+        </p:spPr>
+        <p:style>
+          <a:lnRef idx="1">
+            <a:schemeClr val="accent1"/>
+          </a:lnRef>
+          <a:fillRef idx="0">
+            <a:schemeClr val="accent1"/>
+          </a:fillRef>
+          <a:effectRef idx="0">
+            <a:schemeClr val="accent1"/>
+          </a:effectRef>
+          <a:fontRef idx="minor">
+            <a:schemeClr val="tx1"/>
+          </a:fontRef>
+        </p:style>
+      </p:cxnSp>
+      <p:cxnSp>
+        <p:nvCxnSpPr>
+          <p:cNvPr id="62" name="Straight Arrow Connector 61">
+            <a:extLst>
+              <a:ext uri="{FF2B5EF4-FFF2-40B4-BE49-F238E27FC236}">
+                <a16:creationId xmlns:a16="http://schemas.microsoft.com/office/drawing/2014/main" id="{B852A668-DF73-8A46-870D-64C5E510AC9D}"/>
+              </a:ext>
+            </a:extLst>
+          </p:cNvPr>
+          <p:cNvCxnSpPr>
+            <a:cxnSpLocks/>
+            <a:endCxn id="57" idx="0"/>
+          </p:cNvCxnSpPr>
+          <p:nvPr/>
+        </p:nvCxnSpPr>
+        <p:spPr>
+          <a:xfrm>
+            <a:off x="5340765" y="4036331"/>
+            <a:ext cx="283888" cy="156518"/>
+          </a:xfrm>
+          <a:prstGeom prst="straightConnector1">
+            <a:avLst/>
+          </a:prstGeom>
+          <a:ln>
+            <a:tailEnd type="triangle"/>
+          </a:ln>
+        </p:spPr>
+        <p:style>
+          <a:lnRef idx="1">
+            <a:schemeClr val="accent1"/>
+          </a:lnRef>
+          <a:fillRef idx="0">
+            <a:schemeClr val="accent1"/>
+          </a:fillRef>
+          <a:effectRef idx="0">
+            <a:schemeClr val="accent1"/>
+          </a:effectRef>
+          <a:fontRef idx="minor">
+            <a:schemeClr val="tx1"/>
+          </a:fontRef>
+        </p:style>
+      </p:cxnSp>
+      <p:cxnSp>
+        <p:nvCxnSpPr>
+          <p:cNvPr id="65" name="Straight Arrow Connector 64">
+            <a:extLst>
+              <a:ext uri="{FF2B5EF4-FFF2-40B4-BE49-F238E27FC236}">
+                <a16:creationId xmlns:a16="http://schemas.microsoft.com/office/drawing/2014/main" id="{72F17E80-F84F-AC45-AAF6-63BA07E0062A}"/>
+              </a:ext>
+            </a:extLst>
+          </p:cNvPr>
+          <p:cNvCxnSpPr>
+            <a:cxnSpLocks/>
+            <a:endCxn id="56" idx="0"/>
+          </p:cNvCxnSpPr>
+          <p:nvPr/>
+        </p:nvCxnSpPr>
+        <p:spPr>
+          <a:xfrm flipH="1">
+            <a:off x="5603464" y="2141327"/>
+            <a:ext cx="220609" cy="156518"/>
+          </a:xfrm>
+          <a:prstGeom prst="straightConnector1">
+            <a:avLst/>
+          </a:prstGeom>
+          <a:ln>
+            <a:tailEnd type="triangle"/>
+          </a:ln>
+        </p:spPr>
+        <p:style>
+          <a:lnRef idx="1">
+            <a:schemeClr val="accent1"/>
+          </a:lnRef>
+          <a:fillRef idx="0">
+            <a:schemeClr val="accent1"/>
+          </a:fillRef>
+          <a:effectRef idx="0">
+            <a:schemeClr val="accent1"/>
+          </a:effectRef>
+          <a:fontRef idx="minor">
+            <a:schemeClr val="tx1"/>
+          </a:fontRef>
+        </p:style>
+      </p:cxnSp>
+      <p:cxnSp>
+        <p:nvCxnSpPr>
+          <p:cNvPr id="68" name="Straight Arrow Connector 67">
+            <a:extLst>
+              <a:ext uri="{FF2B5EF4-FFF2-40B4-BE49-F238E27FC236}">
+                <a16:creationId xmlns:a16="http://schemas.microsoft.com/office/drawing/2014/main" id="{939843EF-4393-9744-8E0C-43593DCF0D57}"/>
+              </a:ext>
+            </a:extLst>
+          </p:cNvPr>
+          <p:cNvCxnSpPr>
+            <a:cxnSpLocks/>
+            <a:stCxn id="11" idx="5"/>
+            <a:endCxn id="55" idx="1"/>
+          </p:cNvCxnSpPr>
+          <p:nvPr/>
+        </p:nvCxnSpPr>
+        <p:spPr>
+          <a:xfrm>
+            <a:off x="5667486" y="1246090"/>
+            <a:ext cx="111550" cy="533870"/>
+          </a:xfrm>
+          <a:prstGeom prst="straightConnector1">
+            <a:avLst/>
+          </a:prstGeom>
+          <a:ln>
+            <a:tailEnd type="triangle"/>
+          </a:ln>
+        </p:spPr>
+        <p:style>
+          <a:lnRef idx="1">
+            <a:schemeClr val="accent1"/>
+          </a:lnRef>
+          <a:fillRef idx="0">
+            <a:schemeClr val="accent1"/>
+          </a:fillRef>
+          <a:effectRef idx="0">
+            <a:schemeClr val="accent1"/>
+          </a:effectRef>
+          <a:fontRef idx="minor">
+            <a:schemeClr val="tx1"/>
+          </a:fontRef>
+        </p:style>
+      </p:cxnSp>
+      <p:sp>
+        <p:nvSpPr>
+          <p:cNvPr id="49" name="Oval 48">
+            <a:extLst>
+              <a:ext uri="{FF2B5EF4-FFF2-40B4-BE49-F238E27FC236}">
+                <a16:creationId xmlns:a16="http://schemas.microsoft.com/office/drawing/2014/main" id="{E769299B-FEE4-B746-96A4-72F145595F93}"/>
+              </a:ext>
+            </a:extLst>
+          </p:cNvPr>
+          <p:cNvSpPr/>
+          <p:nvPr/>
+        </p:nvSpPr>
+        <p:spPr>
+          <a:xfrm>
+            <a:off x="5819135" y="4998792"/>
+            <a:ext cx="504497" cy="493986"/>
+          </a:xfrm>
+          <a:prstGeom prst="ellipse">
+            <a:avLst/>
+          </a:prstGeom>
+          <a:solidFill>
+            <a:schemeClr val="accent1"/>
+          </a:solidFill>
+        </p:spPr>
+        <p:style>
+          <a:lnRef idx="2">
+            <a:schemeClr val="accent1">
+              <a:shade val="50000"/>
+            </a:schemeClr>
+          </a:lnRef>
+          <a:fillRef idx="1">
+            <a:schemeClr val="accent1"/>
+          </a:fillRef>
+          <a:effectRef idx="0">
+            <a:schemeClr val="accent1"/>
+          </a:effectRef>
+          <a:fontRef idx="minor">
+            <a:schemeClr val="lt1"/>
+          </a:fontRef>
+        </p:style>
+        <p:txBody>
+          <a:bodyPr rtlCol="0" anchor="ctr"/>
+          <a:lstStyle/>
+          <a:p>
+            <a:pPr algn="ctr"/>
+            <a:r>
+              <a:rPr lang="en-BR" dirty="0"/>
+              <a:t>c’</a:t>
+            </a:r>
+          </a:p>
+        </p:txBody>
+      </p:sp>
+      <p:cxnSp>
+        <p:nvCxnSpPr>
+          <p:cNvPr id="50" name="Straight Arrow Connector 49">
+            <a:extLst>
+              <a:ext uri="{FF2B5EF4-FFF2-40B4-BE49-F238E27FC236}">
+                <a16:creationId xmlns:a16="http://schemas.microsoft.com/office/drawing/2014/main" id="{6EC907A5-2D92-4E45-A055-46DFE69FCA33}"/>
+              </a:ext>
+            </a:extLst>
+          </p:cNvPr>
+          <p:cNvCxnSpPr>
+            <a:cxnSpLocks/>
+            <a:stCxn id="57" idx="3"/>
+            <a:endCxn id="47" idx="0"/>
+          </p:cNvCxnSpPr>
+          <p:nvPr/>
+        </p:nvCxnSpPr>
+        <p:spPr>
+          <a:xfrm flipH="1">
+            <a:off x="5237232" y="4614492"/>
+            <a:ext cx="209054" cy="368882"/>
+          </a:xfrm>
+          <a:prstGeom prst="straightConnector1">
+            <a:avLst/>
+          </a:prstGeom>
+          <a:ln>
+            <a:tailEnd type="triangle"/>
+          </a:ln>
+        </p:spPr>
+        <p:style>
+          <a:lnRef idx="1">
+            <a:schemeClr val="accent1"/>
+          </a:lnRef>
+          <a:fillRef idx="0">
+            <a:schemeClr val="accent1"/>
+          </a:fillRef>
+          <a:effectRef idx="0">
+            <a:schemeClr val="accent1"/>
+          </a:effectRef>
+          <a:fontRef idx="minor">
+            <a:schemeClr val="tx1"/>
+          </a:fontRef>
+        </p:style>
+      </p:cxnSp>
+      <p:cxnSp>
+        <p:nvCxnSpPr>
+          <p:cNvPr id="53" name="Straight Arrow Connector 52">
+            <a:extLst>
+              <a:ext uri="{FF2B5EF4-FFF2-40B4-BE49-F238E27FC236}">
+                <a16:creationId xmlns:a16="http://schemas.microsoft.com/office/drawing/2014/main" id="{1D4D17BB-A959-1044-A2AF-35CB43FC4C04}"/>
+              </a:ext>
+            </a:extLst>
+          </p:cNvPr>
+          <p:cNvCxnSpPr>
+            <a:cxnSpLocks/>
+            <a:stCxn id="57" idx="5"/>
+            <a:endCxn id="49" idx="0"/>
+          </p:cNvCxnSpPr>
+          <p:nvPr/>
+        </p:nvCxnSpPr>
+        <p:spPr>
+          <a:xfrm>
+            <a:off x="5803019" y="4614492"/>
+            <a:ext cx="268365" cy="384300"/>
+          </a:xfrm>
+          <a:prstGeom prst="straightConnector1">
+            <a:avLst/>
+          </a:prstGeom>
+          <a:ln>
+            <a:tailEnd type="triangle"/>
+          </a:ln>
+        </p:spPr>
+        <p:style>
+          <a:lnRef idx="1">
+            <a:schemeClr val="accent1"/>
+          </a:lnRef>
+          <a:fillRef idx="0">
+            <a:schemeClr val="accent1"/>
+          </a:fillRef>
+          <a:effectRef idx="0">
+            <a:schemeClr val="accent1"/>
+          </a:effectRef>
+          <a:fontRef idx="minor">
+            <a:schemeClr val="tx1"/>
+          </a:fontRef>
+        </p:style>
+      </p:cxnSp>
+      <p:sp>
+        <p:nvSpPr>
+          <p:cNvPr id="61" name="Oval 60">
+            <a:extLst>
+              <a:ext uri="{FF2B5EF4-FFF2-40B4-BE49-F238E27FC236}">
+                <a16:creationId xmlns:a16="http://schemas.microsoft.com/office/drawing/2014/main" id="{223B4FDE-0C3E-EC40-9A2E-C74813E3405B}"/>
+              </a:ext>
+            </a:extLst>
+          </p:cNvPr>
+          <p:cNvSpPr/>
+          <p:nvPr/>
+        </p:nvSpPr>
+        <p:spPr>
+          <a:xfrm>
+            <a:off x="4177031" y="5754424"/>
+            <a:ext cx="504497" cy="493986"/>
+          </a:xfrm>
+          <a:prstGeom prst="ellipse">
+            <a:avLst/>
+          </a:prstGeom>
+          <a:solidFill>
+            <a:schemeClr val="accent1"/>
+          </a:solidFill>
+        </p:spPr>
+        <p:style>
+          <a:lnRef idx="2">
+            <a:schemeClr val="accent1">
+              <a:shade val="50000"/>
+            </a:schemeClr>
+          </a:lnRef>
+          <a:fillRef idx="1">
+            <a:schemeClr val="accent1"/>
+          </a:fillRef>
+          <a:effectRef idx="0">
+            <a:schemeClr val="accent1"/>
+          </a:effectRef>
+          <a:fontRef idx="minor">
+            <a:schemeClr val="lt1"/>
+          </a:fontRef>
+        </p:style>
+        <p:txBody>
+          <a:bodyPr rtlCol="0" anchor="ctr"/>
+          <a:lstStyle/>
+          <a:p>
+            <a:pPr algn="ctr"/>
+            <a:r>
+              <a:rPr lang="en-BR" sz="1200" dirty="0"/>
+              <a:t>f’’</a:t>
+            </a:r>
+          </a:p>
+        </p:txBody>
+      </p:sp>
+      <p:sp>
+        <p:nvSpPr>
+          <p:cNvPr id="63" name="Oval 62">
+            <a:extLst>
+              <a:ext uri="{FF2B5EF4-FFF2-40B4-BE49-F238E27FC236}">
+                <a16:creationId xmlns:a16="http://schemas.microsoft.com/office/drawing/2014/main" id="{13860F92-EAE8-3F40-B150-30F90890DAD0}"/>
+              </a:ext>
+            </a:extLst>
+          </p:cNvPr>
+          <p:cNvSpPr/>
+          <p:nvPr/>
+        </p:nvSpPr>
+        <p:spPr>
+          <a:xfrm>
+            <a:off x="4891188" y="5763051"/>
+            <a:ext cx="504497" cy="493986"/>
+          </a:xfrm>
+          <a:prstGeom prst="ellipse">
+            <a:avLst/>
+          </a:prstGeom>
+          <a:solidFill>
+            <a:schemeClr val="accent1"/>
+          </a:solidFill>
+        </p:spPr>
+        <p:style>
+          <a:lnRef idx="2">
+            <a:schemeClr val="accent1">
+              <a:shade val="50000"/>
+            </a:schemeClr>
+          </a:lnRef>
+          <a:fillRef idx="1">
+            <a:schemeClr val="accent1"/>
+          </a:fillRef>
+          <a:effectRef idx="0">
+            <a:schemeClr val="accent1"/>
+          </a:effectRef>
+          <a:fontRef idx="minor">
+            <a:schemeClr val="lt1"/>
+          </a:fontRef>
+        </p:style>
+        <p:txBody>
+          <a:bodyPr rtlCol="0" anchor="ctr"/>
+          <a:lstStyle/>
+          <a:p>
+            <a:pPr algn="ctr"/>
+            <a:r>
+              <a:rPr lang="en-BR" sz="1200" dirty="0"/>
+              <a:t>m</a:t>
+            </a:r>
+          </a:p>
+        </p:txBody>
+      </p:sp>
+      <p:sp>
+        <p:nvSpPr>
+          <p:cNvPr id="64" name="Oval 63">
+            <a:extLst>
+              <a:ext uri="{FF2B5EF4-FFF2-40B4-BE49-F238E27FC236}">
+                <a16:creationId xmlns:a16="http://schemas.microsoft.com/office/drawing/2014/main" id="{84705C60-E158-A74D-A001-459234438427}"/>
+              </a:ext>
+            </a:extLst>
+          </p:cNvPr>
+          <p:cNvSpPr/>
+          <p:nvPr/>
+        </p:nvSpPr>
+        <p:spPr>
+          <a:xfrm>
+            <a:off x="5631853" y="5763051"/>
+            <a:ext cx="504497" cy="493986"/>
+          </a:xfrm>
+          <a:prstGeom prst="ellipse">
+            <a:avLst/>
+          </a:prstGeom>
+          <a:solidFill>
+            <a:schemeClr val="accent2"/>
+          </a:solidFill>
+        </p:spPr>
+        <p:style>
+          <a:lnRef idx="2">
+            <a:schemeClr val="accent1">
+              <a:shade val="50000"/>
+            </a:schemeClr>
+          </a:lnRef>
+          <a:fillRef idx="1">
+            <a:schemeClr val="accent1"/>
+          </a:fillRef>
+          <a:effectRef idx="0">
+            <a:schemeClr val="accent1"/>
+          </a:effectRef>
+          <a:fontRef idx="minor">
+            <a:schemeClr val="lt1"/>
+          </a:fontRef>
+        </p:style>
+        <p:txBody>
+          <a:bodyPr rtlCol="0" anchor="ctr"/>
+          <a:lstStyle/>
+          <a:p>
+            <a:pPr algn="ctr"/>
+            <a:r>
+              <a:rPr lang="en-BR" sz="1200" dirty="0"/>
+              <a:t>i</a:t>
+            </a:r>
+          </a:p>
+        </p:txBody>
+      </p:sp>
+      <p:cxnSp>
+        <p:nvCxnSpPr>
+          <p:cNvPr id="66" name="Straight Arrow Connector 65">
+            <a:extLst>
+              <a:ext uri="{FF2B5EF4-FFF2-40B4-BE49-F238E27FC236}">
+                <a16:creationId xmlns:a16="http://schemas.microsoft.com/office/drawing/2014/main" id="{A4928102-6F8C-FA48-A310-2240773E7E74}"/>
+              </a:ext>
+            </a:extLst>
+          </p:cNvPr>
+          <p:cNvCxnSpPr>
+            <a:cxnSpLocks/>
+            <a:stCxn id="47" idx="2"/>
+            <a:endCxn id="61" idx="0"/>
+          </p:cNvCxnSpPr>
+          <p:nvPr/>
+        </p:nvCxnSpPr>
+        <p:spPr>
+          <a:xfrm flipH="1">
+            <a:off x="4429280" y="5230367"/>
+            <a:ext cx="555703" cy="524057"/>
+          </a:xfrm>
+          <a:prstGeom prst="straightConnector1">
+            <a:avLst/>
+          </a:prstGeom>
+          <a:ln>
+            <a:tailEnd type="triangle"/>
+          </a:ln>
+        </p:spPr>
+        <p:style>
+          <a:lnRef idx="1">
+            <a:schemeClr val="accent1"/>
+          </a:lnRef>
+          <a:fillRef idx="0">
+            <a:schemeClr val="accent1"/>
+          </a:fillRef>
+          <a:effectRef idx="0">
+            <a:schemeClr val="accent1"/>
+          </a:effectRef>
+          <a:fontRef idx="minor">
+            <a:schemeClr val="tx1"/>
+          </a:fontRef>
+        </p:style>
+      </p:cxnSp>
+      <p:cxnSp>
+        <p:nvCxnSpPr>
+          <p:cNvPr id="67" name="Straight Arrow Connector 66">
+            <a:extLst>
+              <a:ext uri="{FF2B5EF4-FFF2-40B4-BE49-F238E27FC236}">
+                <a16:creationId xmlns:a16="http://schemas.microsoft.com/office/drawing/2014/main" id="{2C103032-7A9D-984D-B4E9-FE6A9F18D683}"/>
+              </a:ext>
+            </a:extLst>
+          </p:cNvPr>
+          <p:cNvCxnSpPr>
+            <a:cxnSpLocks/>
+            <a:stCxn id="47" idx="3"/>
+            <a:endCxn id="63" idx="0"/>
+          </p:cNvCxnSpPr>
+          <p:nvPr/>
+        </p:nvCxnSpPr>
+        <p:spPr>
+          <a:xfrm>
+            <a:off x="5058865" y="5405017"/>
+            <a:ext cx="84572" cy="358034"/>
+          </a:xfrm>
+          <a:prstGeom prst="straightConnector1">
+            <a:avLst/>
+          </a:prstGeom>
+          <a:ln>
+            <a:tailEnd type="triangle"/>
+          </a:ln>
+        </p:spPr>
+        <p:style>
+          <a:lnRef idx="1">
+            <a:schemeClr val="accent1"/>
+          </a:lnRef>
+          <a:fillRef idx="0">
+            <a:schemeClr val="accent1"/>
+          </a:fillRef>
+          <a:effectRef idx="0">
+            <a:schemeClr val="accent1"/>
+          </a:effectRef>
+          <a:fontRef idx="minor">
+            <a:schemeClr val="tx1"/>
+          </a:fontRef>
+        </p:style>
+      </p:cxnSp>
+      <p:cxnSp>
+        <p:nvCxnSpPr>
+          <p:cNvPr id="69" name="Straight Arrow Connector 68">
+            <a:extLst>
+              <a:ext uri="{FF2B5EF4-FFF2-40B4-BE49-F238E27FC236}">
+                <a16:creationId xmlns:a16="http://schemas.microsoft.com/office/drawing/2014/main" id="{0CAE4E76-F432-6142-94EF-149F3BD281B4}"/>
+              </a:ext>
+            </a:extLst>
+          </p:cNvPr>
+          <p:cNvCxnSpPr>
+            <a:cxnSpLocks/>
+            <a:stCxn id="47" idx="5"/>
+            <a:endCxn id="64" idx="0"/>
+          </p:cNvCxnSpPr>
+          <p:nvPr/>
+        </p:nvCxnSpPr>
+        <p:spPr>
+          <a:xfrm>
+            <a:off x="5415598" y="5405017"/>
+            <a:ext cx="468504" cy="358034"/>
+          </a:xfrm>
+          <a:prstGeom prst="straightConnector1">
+            <a:avLst/>
+          </a:prstGeom>
+          <a:ln>
+            <a:tailEnd type="triangle"/>
+          </a:ln>
+        </p:spPr>
+        <p:style>
+          <a:lnRef idx="1">
+            <a:schemeClr val="accent1"/>
+          </a:lnRef>
+          <a:fillRef idx="0">
+            <a:schemeClr val="accent1"/>
+          </a:fillRef>
+          <a:effectRef idx="0">
+            <a:schemeClr val="accent1"/>
+          </a:effectRef>
+          <a:fontRef idx="minor">
+            <a:schemeClr val="tx1"/>
+          </a:fontRef>
+        </p:style>
+      </p:cxnSp>
+      <p:sp>
+        <p:nvSpPr>
+          <p:cNvPr id="70" name="Oval 69">
+            <a:extLst>
+              <a:ext uri="{FF2B5EF4-FFF2-40B4-BE49-F238E27FC236}">
+                <a16:creationId xmlns:a16="http://schemas.microsoft.com/office/drawing/2014/main" id="{BDB92B99-DAFE-FC46-9890-E9D7E966AEE9}"/>
+              </a:ext>
+            </a:extLst>
+          </p:cNvPr>
+          <p:cNvSpPr/>
+          <p:nvPr/>
+        </p:nvSpPr>
+        <p:spPr>
+          <a:xfrm>
+            <a:off x="2151835" y="3393652"/>
+            <a:ext cx="504497" cy="493986"/>
+          </a:xfrm>
+          <a:prstGeom prst="ellipse">
+            <a:avLst/>
+          </a:prstGeom>
+          <a:solidFill>
+            <a:schemeClr val="accent1"/>
+          </a:solidFill>
+        </p:spPr>
+        <p:style>
+          <a:lnRef idx="2">
+            <a:schemeClr val="accent1">
+              <a:shade val="50000"/>
+            </a:schemeClr>
+          </a:lnRef>
+          <a:fillRef idx="1">
+            <a:schemeClr val="accent1"/>
+          </a:fillRef>
+          <a:effectRef idx="0">
+            <a:schemeClr val="accent1"/>
+          </a:effectRef>
+          <a:fontRef idx="minor">
+            <a:schemeClr val="lt1"/>
+          </a:fontRef>
+        </p:style>
+        <p:txBody>
+          <a:bodyPr rtlCol="0" anchor="ctr"/>
+          <a:lstStyle/>
+          <a:p>
+            <a:pPr algn="ctr"/>
+            <a:r>
+              <a:rPr lang="en-BR" sz="1200" dirty="0"/>
+              <a:t>g’</a:t>
+            </a:r>
+          </a:p>
+        </p:txBody>
+      </p:sp>
+      <p:sp>
+        <p:nvSpPr>
+          <p:cNvPr id="72" name="Oval 71">
+            <a:extLst>
+              <a:ext uri="{FF2B5EF4-FFF2-40B4-BE49-F238E27FC236}">
+                <a16:creationId xmlns:a16="http://schemas.microsoft.com/office/drawing/2014/main" id="{1F278691-C73F-0242-970C-F33444B0D7A6}"/>
+              </a:ext>
+            </a:extLst>
+          </p:cNvPr>
+          <p:cNvSpPr/>
+          <p:nvPr/>
+        </p:nvSpPr>
+        <p:spPr>
+          <a:xfrm>
+            <a:off x="2865992" y="3402279"/>
+            <a:ext cx="504497" cy="493986"/>
+          </a:xfrm>
+          <a:prstGeom prst="ellipse">
+            <a:avLst/>
+          </a:prstGeom>
+          <a:solidFill>
+            <a:schemeClr val="accent1"/>
+          </a:solidFill>
+        </p:spPr>
+        <p:style>
+          <a:lnRef idx="2">
+            <a:schemeClr val="accent1">
+              <a:shade val="50000"/>
+            </a:schemeClr>
+          </a:lnRef>
+          <a:fillRef idx="1">
+            <a:schemeClr val="accent1"/>
+          </a:fillRef>
+          <a:effectRef idx="0">
+            <a:schemeClr val="accent1"/>
+          </a:effectRef>
+          <a:fontRef idx="minor">
+            <a:schemeClr val="lt1"/>
+          </a:fontRef>
+        </p:style>
+        <p:txBody>
+          <a:bodyPr rtlCol="0" anchor="ctr"/>
+          <a:lstStyle/>
+          <a:p>
+            <a:pPr algn="ctr"/>
+            <a:r>
+              <a:rPr lang="en-BR" sz="1200" dirty="0"/>
+              <a:t>b</a:t>
+            </a:r>
+          </a:p>
+        </p:txBody>
+      </p:sp>
+      <p:sp>
+        <p:nvSpPr>
+          <p:cNvPr id="73" name="Oval 72">
+            <a:extLst>
+              <a:ext uri="{FF2B5EF4-FFF2-40B4-BE49-F238E27FC236}">
+                <a16:creationId xmlns:a16="http://schemas.microsoft.com/office/drawing/2014/main" id="{D60B9A0F-1D66-EE42-A8A4-10820CA47EB8}"/>
+              </a:ext>
+            </a:extLst>
+          </p:cNvPr>
+          <p:cNvSpPr/>
+          <p:nvPr/>
+        </p:nvSpPr>
+        <p:spPr>
+          <a:xfrm>
+            <a:off x="3606657" y="3402279"/>
+            <a:ext cx="504497" cy="493986"/>
+          </a:xfrm>
+          <a:prstGeom prst="ellipse">
+            <a:avLst/>
+          </a:prstGeom>
+          <a:solidFill>
+            <a:schemeClr val="accent2"/>
+          </a:solidFill>
+        </p:spPr>
+        <p:style>
+          <a:lnRef idx="2">
+            <a:schemeClr val="accent1">
+              <a:shade val="50000"/>
+            </a:schemeClr>
+          </a:lnRef>
+          <a:fillRef idx="1">
+            <a:schemeClr val="accent1"/>
+          </a:fillRef>
+          <a:effectRef idx="0">
+            <a:schemeClr val="accent1"/>
+          </a:effectRef>
+          <a:fontRef idx="minor">
+            <a:schemeClr val="lt1"/>
+          </a:fontRef>
+        </p:style>
+        <p:txBody>
+          <a:bodyPr rtlCol="0" anchor="ctr"/>
+          <a:lstStyle/>
+          <a:p>
+            <a:pPr algn="ctr"/>
+            <a:r>
+              <a:rPr lang="en-BR" sz="1200" dirty="0"/>
+              <a:t>k</a:t>
+            </a:r>
+          </a:p>
+        </p:txBody>
+      </p:sp>
+      <p:cxnSp>
+        <p:nvCxnSpPr>
+          <p:cNvPr id="74" name="Straight Arrow Connector 73">
+            <a:extLst>
+              <a:ext uri="{FF2B5EF4-FFF2-40B4-BE49-F238E27FC236}">
+                <a16:creationId xmlns:a16="http://schemas.microsoft.com/office/drawing/2014/main" id="{E1767BD8-E457-8C4D-AC95-953E07097F95}"/>
+              </a:ext>
+            </a:extLst>
+          </p:cNvPr>
+          <p:cNvCxnSpPr>
+            <a:cxnSpLocks/>
+            <a:endCxn id="70" idx="0"/>
+          </p:cNvCxnSpPr>
+          <p:nvPr/>
+        </p:nvCxnSpPr>
+        <p:spPr>
+          <a:xfrm flipH="1">
+            <a:off x="2404084" y="3165084"/>
+            <a:ext cx="391001" cy="228568"/>
+          </a:xfrm>
+          <a:prstGeom prst="straightConnector1">
+            <a:avLst/>
+          </a:prstGeom>
+          <a:ln>
+            <a:tailEnd type="triangle"/>
+          </a:ln>
+        </p:spPr>
+        <p:style>
+          <a:lnRef idx="1">
+            <a:schemeClr val="accent1"/>
+          </a:lnRef>
+          <a:fillRef idx="0">
+            <a:schemeClr val="accent1"/>
+          </a:fillRef>
+          <a:effectRef idx="0">
+            <a:schemeClr val="accent1"/>
+          </a:effectRef>
+          <a:fontRef idx="minor">
+            <a:schemeClr val="tx1"/>
+          </a:fontRef>
+        </p:style>
+      </p:cxnSp>
+      <p:cxnSp>
+        <p:nvCxnSpPr>
+          <p:cNvPr id="75" name="Straight Arrow Connector 74">
+            <a:extLst>
+              <a:ext uri="{FF2B5EF4-FFF2-40B4-BE49-F238E27FC236}">
+                <a16:creationId xmlns:a16="http://schemas.microsoft.com/office/drawing/2014/main" id="{BCA6ED6C-1719-7C49-B03F-33A3CE6AEBB6}"/>
+              </a:ext>
+            </a:extLst>
+          </p:cNvPr>
+          <p:cNvCxnSpPr>
+            <a:cxnSpLocks/>
+            <a:endCxn id="72" idx="0"/>
+          </p:cNvCxnSpPr>
+          <p:nvPr/>
+        </p:nvCxnSpPr>
+        <p:spPr>
+          <a:xfrm flipH="1">
+            <a:off x="3118241" y="3221113"/>
+            <a:ext cx="95050" cy="181166"/>
+          </a:xfrm>
+          <a:prstGeom prst="straightConnector1">
+            <a:avLst/>
+          </a:prstGeom>
+          <a:ln>
+            <a:tailEnd type="triangle"/>
+          </a:ln>
+        </p:spPr>
+        <p:style>
+          <a:lnRef idx="1">
+            <a:schemeClr val="accent1"/>
+          </a:lnRef>
+          <a:fillRef idx="0">
+            <a:schemeClr val="accent1"/>
+          </a:fillRef>
+          <a:effectRef idx="0">
+            <a:schemeClr val="accent1"/>
+          </a:effectRef>
+          <a:fontRef idx="minor">
+            <a:schemeClr val="tx1"/>
+          </a:fontRef>
+        </p:style>
+      </p:cxnSp>
+      <p:cxnSp>
+        <p:nvCxnSpPr>
+          <p:cNvPr id="78" name="Straight Arrow Connector 77">
+            <a:extLst>
+              <a:ext uri="{FF2B5EF4-FFF2-40B4-BE49-F238E27FC236}">
+                <a16:creationId xmlns:a16="http://schemas.microsoft.com/office/drawing/2014/main" id="{7DA9530E-2B7B-134B-8D61-A7B9ED9BBFAD}"/>
+              </a:ext>
+            </a:extLst>
+          </p:cNvPr>
+          <p:cNvCxnSpPr>
+            <a:cxnSpLocks/>
+            <a:endCxn id="73" idx="0"/>
+          </p:cNvCxnSpPr>
+          <p:nvPr/>
+        </p:nvCxnSpPr>
+        <p:spPr>
+          <a:xfrm>
+            <a:off x="3616651" y="3279368"/>
+            <a:ext cx="242255" cy="122911"/>
+          </a:xfrm>
+          <a:prstGeom prst="straightConnector1">
+            <a:avLst/>
+          </a:prstGeom>
+          <a:ln>
+            <a:tailEnd type="triangle"/>
+          </a:ln>
+        </p:spPr>
+        <p:style>
+          <a:lnRef idx="1">
+            <a:schemeClr val="accent1"/>
+          </a:lnRef>
+          <a:fillRef idx="0">
+            <a:schemeClr val="accent1"/>
+          </a:fillRef>
+          <a:effectRef idx="0">
+            <a:schemeClr val="accent1"/>
+          </a:effectRef>
+          <a:fontRef idx="minor">
+            <a:schemeClr val="tx1"/>
+          </a:fontRef>
+        </p:style>
+      </p:cxnSp>
+      <p:sp>
+        <p:nvSpPr>
+          <p:cNvPr id="81" name="Oval 80">
+            <a:extLst>
+              <a:ext uri="{FF2B5EF4-FFF2-40B4-BE49-F238E27FC236}">
+                <a16:creationId xmlns:a16="http://schemas.microsoft.com/office/drawing/2014/main" id="{B86117E4-5563-1E4F-8A7B-3124E9A266B6}"/>
+              </a:ext>
+            </a:extLst>
+          </p:cNvPr>
+          <p:cNvSpPr/>
+          <p:nvPr/>
+        </p:nvSpPr>
+        <p:spPr>
+          <a:xfrm>
+            <a:off x="2161829" y="4511245"/>
+            <a:ext cx="504497" cy="493986"/>
+          </a:xfrm>
+          <a:prstGeom prst="ellipse">
+            <a:avLst/>
+          </a:prstGeom>
+          <a:solidFill>
+            <a:schemeClr val="accent1"/>
+          </a:solidFill>
+        </p:spPr>
+        <p:style>
+          <a:lnRef idx="2">
+            <a:schemeClr val="accent1">
+              <a:shade val="50000"/>
+            </a:schemeClr>
+          </a:lnRef>
+          <a:fillRef idx="1">
+            <a:schemeClr val="accent1"/>
+          </a:fillRef>
+          <a:effectRef idx="0">
+            <a:schemeClr val="accent1"/>
+          </a:effectRef>
+          <a:fontRef idx="minor">
+            <a:schemeClr val="lt1"/>
+          </a:fontRef>
+        </p:style>
+        <p:txBody>
+          <a:bodyPr rtlCol="0" anchor="ctr"/>
+          <a:lstStyle/>
+          <a:p>
+            <a:pPr algn="ctr"/>
+            <a:r>
+              <a:rPr lang="en-BR" sz="1200" dirty="0"/>
+              <a:t>l</a:t>
+            </a:r>
+          </a:p>
+        </p:txBody>
+      </p:sp>
+      <p:sp>
+        <p:nvSpPr>
+          <p:cNvPr id="82" name="Oval 81">
+            <a:extLst>
+              <a:ext uri="{FF2B5EF4-FFF2-40B4-BE49-F238E27FC236}">
+                <a16:creationId xmlns:a16="http://schemas.microsoft.com/office/drawing/2014/main" id="{27EB01D3-7CC4-9D48-BF1F-50A89ACC8EFF}"/>
+              </a:ext>
+            </a:extLst>
+          </p:cNvPr>
+          <p:cNvSpPr/>
+          <p:nvPr/>
+        </p:nvSpPr>
+        <p:spPr>
+          <a:xfrm>
+            <a:off x="2875986" y="4519872"/>
+            <a:ext cx="504497" cy="493986"/>
+          </a:xfrm>
+          <a:prstGeom prst="ellipse">
+            <a:avLst/>
+          </a:prstGeom>
+          <a:solidFill>
+            <a:schemeClr val="accent1"/>
+          </a:solidFill>
+        </p:spPr>
+        <p:style>
+          <a:lnRef idx="2">
+            <a:schemeClr val="accent1">
+              <a:shade val="50000"/>
+            </a:schemeClr>
+          </a:lnRef>
+          <a:fillRef idx="1">
+            <a:schemeClr val="accent1"/>
+          </a:fillRef>
+          <a:effectRef idx="0">
+            <a:schemeClr val="accent1"/>
+          </a:effectRef>
+          <a:fontRef idx="minor">
+            <a:schemeClr val="lt1"/>
+          </a:fontRef>
+        </p:style>
+        <p:txBody>
+          <a:bodyPr rtlCol="0" anchor="ctr"/>
+          <a:lstStyle/>
+          <a:p>
+            <a:pPr algn="ctr"/>
+            <a:r>
+              <a:rPr lang="en-BR" sz="1200" dirty="0"/>
+              <a:t>b</a:t>
+            </a:r>
+          </a:p>
+        </p:txBody>
+      </p:sp>
+      <p:sp>
+        <p:nvSpPr>
+          <p:cNvPr id="83" name="Oval 82">
+            <a:extLst>
+              <a:ext uri="{FF2B5EF4-FFF2-40B4-BE49-F238E27FC236}">
+                <a16:creationId xmlns:a16="http://schemas.microsoft.com/office/drawing/2014/main" id="{B3090B98-9109-A240-BA69-D8345B251770}"/>
+              </a:ext>
+            </a:extLst>
+          </p:cNvPr>
+          <p:cNvSpPr/>
+          <p:nvPr/>
+        </p:nvSpPr>
+        <p:spPr>
+          <a:xfrm>
+            <a:off x="3616651" y="4519872"/>
+            <a:ext cx="504497" cy="493986"/>
+          </a:xfrm>
+          <a:prstGeom prst="ellipse">
+            <a:avLst/>
+          </a:prstGeom>
+          <a:solidFill>
+            <a:schemeClr val="accent2"/>
+          </a:solidFill>
+        </p:spPr>
+        <p:style>
+          <a:lnRef idx="2">
+            <a:schemeClr val="accent1">
+              <a:shade val="50000"/>
+            </a:schemeClr>
+          </a:lnRef>
+          <a:fillRef idx="1">
+            <a:schemeClr val="accent1"/>
+          </a:fillRef>
+          <a:effectRef idx="0">
+            <a:schemeClr val="accent1"/>
+          </a:effectRef>
+          <a:fontRef idx="minor">
+            <a:schemeClr val="lt1"/>
+          </a:fontRef>
+        </p:style>
+        <p:txBody>
+          <a:bodyPr rtlCol="0" anchor="ctr"/>
+          <a:lstStyle/>
+          <a:p>
+            <a:pPr algn="ctr"/>
+            <a:r>
+              <a:rPr lang="en-BR" sz="1200" dirty="0"/>
+              <a:t>n</a:t>
+            </a:r>
+          </a:p>
+        </p:txBody>
+      </p:sp>
+      <p:cxnSp>
+        <p:nvCxnSpPr>
+          <p:cNvPr id="84" name="Straight Arrow Connector 83">
+            <a:extLst>
+              <a:ext uri="{FF2B5EF4-FFF2-40B4-BE49-F238E27FC236}">
+                <a16:creationId xmlns:a16="http://schemas.microsoft.com/office/drawing/2014/main" id="{D940EC12-7981-7E40-824B-91C84443ECBB}"/>
+              </a:ext>
+            </a:extLst>
+          </p:cNvPr>
+          <p:cNvCxnSpPr>
+            <a:cxnSpLocks/>
+            <a:stCxn id="73" idx="3"/>
+            <a:endCxn id="81" idx="0"/>
+          </p:cNvCxnSpPr>
+          <p:nvPr/>
+        </p:nvCxnSpPr>
+        <p:spPr>
+          <a:xfrm flipH="1">
+            <a:off x="2414078" y="3823922"/>
+            <a:ext cx="1266461" cy="687323"/>
+          </a:xfrm>
+          <a:prstGeom prst="straightConnector1">
+            <a:avLst/>
+          </a:prstGeom>
+          <a:ln>
+            <a:tailEnd type="triangle"/>
+          </a:ln>
+        </p:spPr>
+        <p:style>
+          <a:lnRef idx="1">
+            <a:schemeClr val="accent1"/>
+          </a:lnRef>
+          <a:fillRef idx="0">
+            <a:schemeClr val="accent1"/>
+          </a:fillRef>
+          <a:effectRef idx="0">
+            <a:schemeClr val="accent1"/>
+          </a:effectRef>
+          <a:fontRef idx="minor">
+            <a:schemeClr val="tx1"/>
+          </a:fontRef>
+        </p:style>
+      </p:cxnSp>
+      <p:cxnSp>
+        <p:nvCxnSpPr>
+          <p:cNvPr id="85" name="Straight Arrow Connector 84">
+            <a:extLst>
+              <a:ext uri="{FF2B5EF4-FFF2-40B4-BE49-F238E27FC236}">
+                <a16:creationId xmlns:a16="http://schemas.microsoft.com/office/drawing/2014/main" id="{6E3BB60F-FC7C-B34F-AF63-32D98297AA5B}"/>
+              </a:ext>
+            </a:extLst>
+          </p:cNvPr>
+          <p:cNvCxnSpPr>
+            <a:cxnSpLocks/>
+            <a:stCxn id="73" idx="4"/>
+            <a:endCxn id="82" idx="0"/>
+          </p:cNvCxnSpPr>
+          <p:nvPr/>
+        </p:nvCxnSpPr>
+        <p:spPr>
+          <a:xfrm flipH="1">
+            <a:off x="3128235" y="3896265"/>
+            <a:ext cx="730671" cy="623607"/>
+          </a:xfrm>
+          <a:prstGeom prst="straightConnector1">
+            <a:avLst/>
+          </a:prstGeom>
+          <a:ln>
+            <a:tailEnd type="triangle"/>
+          </a:ln>
+        </p:spPr>
+        <p:style>
+          <a:lnRef idx="1">
+            <a:schemeClr val="accent1"/>
+          </a:lnRef>
+          <a:fillRef idx="0">
+            <a:schemeClr val="accent1"/>
+          </a:fillRef>
+          <a:effectRef idx="0">
+            <a:schemeClr val="accent1"/>
+          </a:effectRef>
+          <a:fontRef idx="minor">
+            <a:schemeClr val="tx1"/>
+          </a:fontRef>
+        </p:style>
+      </p:cxnSp>
+      <p:cxnSp>
+        <p:nvCxnSpPr>
+          <p:cNvPr id="86" name="Straight Arrow Connector 85">
+            <a:extLst>
+              <a:ext uri="{FF2B5EF4-FFF2-40B4-BE49-F238E27FC236}">
+                <a16:creationId xmlns:a16="http://schemas.microsoft.com/office/drawing/2014/main" id="{BD21921D-BD8A-2841-8B31-614BE2D00D13}"/>
+              </a:ext>
+            </a:extLst>
+          </p:cNvPr>
+          <p:cNvCxnSpPr>
+            <a:cxnSpLocks/>
+            <a:stCxn id="73" idx="5"/>
+            <a:endCxn id="83" idx="0"/>
+          </p:cNvCxnSpPr>
+          <p:nvPr/>
+        </p:nvCxnSpPr>
+        <p:spPr>
+          <a:xfrm flipH="1">
+            <a:off x="3868900" y="3823922"/>
+            <a:ext cx="168372" cy="695950"/>
+          </a:xfrm>
+          <a:prstGeom prst="straightConnector1">
+            <a:avLst/>
+          </a:prstGeom>
+          <a:ln>
+            <a:tailEnd type="triangle"/>
+          </a:ln>
+        </p:spPr>
+        <p:style>
+          <a:lnRef idx="1">
+            <a:schemeClr val="accent1"/>
+          </a:lnRef>
+          <a:fillRef idx="0">
+            <a:schemeClr val="accent1"/>
+          </a:fillRef>
+          <a:effectRef idx="0">
+            <a:schemeClr val="accent1"/>
+          </a:effectRef>
+          <a:fontRef idx="minor">
+            <a:schemeClr val="tx1"/>
+          </a:fontRef>
+        </p:style>
+      </p:cxnSp>
+      <p:sp>
+        <p:nvSpPr>
+          <p:cNvPr id="94" name="Oval 93">
+            <a:extLst>
+              <a:ext uri="{FF2B5EF4-FFF2-40B4-BE49-F238E27FC236}">
+                <a16:creationId xmlns:a16="http://schemas.microsoft.com/office/drawing/2014/main" id="{DC943467-1BC7-2143-8F0A-8A3B1322787A}"/>
+              </a:ext>
+            </a:extLst>
+          </p:cNvPr>
+          <p:cNvSpPr/>
+          <p:nvPr/>
+        </p:nvSpPr>
+        <p:spPr>
+          <a:xfrm>
+            <a:off x="3236670" y="5390472"/>
+            <a:ext cx="504497" cy="493986"/>
+          </a:xfrm>
+          <a:prstGeom prst="ellipse">
+            <a:avLst/>
+          </a:prstGeom>
+          <a:solidFill>
+            <a:schemeClr val="accent2"/>
+          </a:solidFill>
+        </p:spPr>
+        <p:style>
+          <a:lnRef idx="2">
+            <a:schemeClr val="accent1">
+              <a:shade val="50000"/>
+            </a:schemeClr>
+          </a:lnRef>
+          <a:fillRef idx="1">
+            <a:schemeClr val="accent1"/>
+          </a:fillRef>
+          <a:effectRef idx="0">
+            <a:schemeClr val="accent1"/>
+          </a:effectRef>
+          <a:fontRef idx="minor">
+            <a:schemeClr val="lt1"/>
+          </a:fontRef>
+        </p:style>
+        <p:txBody>
+          <a:bodyPr rtlCol="0" anchor="ctr"/>
+          <a:lstStyle/>
+          <a:p>
+            <a:pPr algn="ctr"/>
+            <a:r>
+              <a:rPr lang="en-BR" sz="1200" dirty="0"/>
+              <a:t>m’</a:t>
+            </a:r>
+          </a:p>
+        </p:txBody>
+      </p:sp>
+      <p:cxnSp>
+        <p:nvCxnSpPr>
+          <p:cNvPr id="95" name="Straight Arrow Connector 94">
+            <a:extLst>
+              <a:ext uri="{FF2B5EF4-FFF2-40B4-BE49-F238E27FC236}">
+                <a16:creationId xmlns:a16="http://schemas.microsoft.com/office/drawing/2014/main" id="{A1A76F76-E5F5-1A41-8732-C598A0EC5B45}"/>
+              </a:ext>
+            </a:extLst>
+          </p:cNvPr>
+          <p:cNvCxnSpPr>
+            <a:cxnSpLocks/>
+            <a:stCxn id="83" idx="3"/>
+            <a:endCxn id="94" idx="0"/>
+          </p:cNvCxnSpPr>
+          <p:nvPr/>
+        </p:nvCxnSpPr>
+        <p:spPr>
+          <a:xfrm flipH="1">
+            <a:off x="3488919" y="4941515"/>
+            <a:ext cx="201614" cy="448957"/>
+          </a:xfrm>
+          <a:prstGeom prst="straightConnector1">
+            <a:avLst/>
+          </a:prstGeom>
+          <a:ln>
+            <a:tailEnd type="triangle"/>
+          </a:ln>
+        </p:spPr>
+        <p:style>
+          <a:lnRef idx="1">
+            <a:schemeClr val="accent1"/>
+          </a:lnRef>
+          <a:fillRef idx="0">
+            <a:schemeClr val="accent1"/>
+          </a:fillRef>
+          <a:effectRef idx="0">
+            <a:schemeClr val="accent1"/>
+          </a:effectRef>
+          <a:fontRef idx="minor">
+            <a:schemeClr val="tx1"/>
+          </a:fontRef>
+        </p:style>
+      </p:cxnSp>
+      <p:sp>
+        <p:nvSpPr>
+          <p:cNvPr id="98" name="Oval 97">
+            <a:extLst>
+              <a:ext uri="{FF2B5EF4-FFF2-40B4-BE49-F238E27FC236}">
+                <a16:creationId xmlns:a16="http://schemas.microsoft.com/office/drawing/2014/main" id="{DBB1433E-1119-6043-A897-CA37E3BD2661}"/>
+              </a:ext>
+            </a:extLst>
+          </p:cNvPr>
+          <p:cNvSpPr/>
+          <p:nvPr/>
+        </p:nvSpPr>
+        <p:spPr>
+          <a:xfrm>
+            <a:off x="2407282" y="6239783"/>
+            <a:ext cx="504497" cy="493986"/>
+          </a:xfrm>
+          <a:prstGeom prst="ellipse">
+            <a:avLst/>
+          </a:prstGeom>
+          <a:solidFill>
+            <a:schemeClr val="accent2"/>
+          </a:solidFill>
+        </p:spPr>
+        <p:style>
+          <a:lnRef idx="2">
+            <a:schemeClr val="accent1">
+              <a:shade val="50000"/>
+            </a:schemeClr>
+          </a:lnRef>
+          <a:fillRef idx="1">
+            <a:schemeClr val="accent1"/>
+          </a:fillRef>
+          <a:effectRef idx="0">
+            <a:schemeClr val="accent1"/>
+          </a:effectRef>
+          <a:fontRef idx="minor">
+            <a:schemeClr val="lt1"/>
+          </a:fontRef>
+        </p:style>
+        <p:txBody>
+          <a:bodyPr rtlCol="0" anchor="ctr"/>
+          <a:lstStyle/>
+          <a:p>
+            <a:pPr algn="ctr"/>
+            <a:r>
+              <a:rPr lang="en-BR" sz="1200" dirty="0"/>
+              <a:t>x</a:t>
+            </a:r>
+          </a:p>
+        </p:txBody>
+      </p:sp>
+      <p:sp>
+        <p:nvSpPr>
+          <p:cNvPr id="99" name="Oval 98">
+            <a:extLst>
+              <a:ext uri="{FF2B5EF4-FFF2-40B4-BE49-F238E27FC236}">
+                <a16:creationId xmlns:a16="http://schemas.microsoft.com/office/drawing/2014/main" id="{6B51593B-6C5B-0E4A-860F-0BA211B7885B}"/>
+              </a:ext>
+            </a:extLst>
+          </p:cNvPr>
+          <p:cNvSpPr/>
+          <p:nvPr/>
+        </p:nvSpPr>
+        <p:spPr>
+          <a:xfrm>
+            <a:off x="3121439" y="6248410"/>
+            <a:ext cx="504497" cy="493986"/>
+          </a:xfrm>
+          <a:prstGeom prst="ellipse">
+            <a:avLst/>
+          </a:prstGeom>
+          <a:solidFill>
+            <a:schemeClr val="accent1"/>
+          </a:solidFill>
+        </p:spPr>
+        <p:style>
+          <a:lnRef idx="2">
+            <a:schemeClr val="accent1">
+              <a:shade val="50000"/>
+            </a:schemeClr>
+          </a:lnRef>
+          <a:fillRef idx="1">
+            <a:schemeClr val="accent1"/>
+          </a:fillRef>
+          <a:effectRef idx="0">
+            <a:schemeClr val="accent1"/>
+          </a:effectRef>
+          <a:fontRef idx="minor">
+            <a:schemeClr val="lt1"/>
+          </a:fontRef>
+        </p:style>
+        <p:txBody>
+          <a:bodyPr rtlCol="0" anchor="ctr"/>
+          <a:lstStyle/>
+          <a:p>
+            <a:pPr algn="ctr"/>
+            <a:r>
+              <a:rPr lang="en-BR" sz="1200" dirty="0"/>
+              <a:t>e</a:t>
+            </a:r>
+          </a:p>
+        </p:txBody>
+      </p:sp>
+      <p:cxnSp>
+        <p:nvCxnSpPr>
+          <p:cNvPr id="100" name="Straight Arrow Connector 99">
+            <a:extLst>
+              <a:ext uri="{FF2B5EF4-FFF2-40B4-BE49-F238E27FC236}">
+                <a16:creationId xmlns:a16="http://schemas.microsoft.com/office/drawing/2014/main" id="{97D559C4-E5FD-DE47-8B44-CDA1C848084A}"/>
+              </a:ext>
+            </a:extLst>
+          </p:cNvPr>
+          <p:cNvCxnSpPr>
+            <a:cxnSpLocks/>
+            <a:stCxn id="94" idx="2"/>
+            <a:endCxn id="98" idx="0"/>
+          </p:cNvCxnSpPr>
+          <p:nvPr/>
+        </p:nvCxnSpPr>
+        <p:spPr>
+          <a:xfrm flipH="1">
+            <a:off x="2659531" y="5637465"/>
+            <a:ext cx="577139" cy="602318"/>
+          </a:xfrm>
+          <a:prstGeom prst="straightConnector1">
+            <a:avLst/>
+          </a:prstGeom>
+          <a:ln>
+            <a:tailEnd type="triangle"/>
+          </a:ln>
+        </p:spPr>
+        <p:style>
+          <a:lnRef idx="1">
+            <a:schemeClr val="accent1"/>
+          </a:lnRef>
+          <a:fillRef idx="0">
+            <a:schemeClr val="accent1"/>
+          </a:fillRef>
+          <a:effectRef idx="0">
+            <a:schemeClr val="accent1"/>
+          </a:effectRef>
+          <a:fontRef idx="minor">
+            <a:schemeClr val="tx1"/>
+          </a:fontRef>
+        </p:style>
+      </p:cxnSp>
+      <p:cxnSp>
+        <p:nvCxnSpPr>
+          <p:cNvPr id="103" name="Straight Arrow Connector 102">
+            <a:extLst>
+              <a:ext uri="{FF2B5EF4-FFF2-40B4-BE49-F238E27FC236}">
+                <a16:creationId xmlns:a16="http://schemas.microsoft.com/office/drawing/2014/main" id="{E8ECD4B5-0797-9F40-BBB2-228B49053B38}"/>
+              </a:ext>
+            </a:extLst>
+          </p:cNvPr>
+          <p:cNvCxnSpPr>
+            <a:cxnSpLocks/>
+            <a:stCxn id="94" idx="4"/>
+            <a:endCxn id="99" idx="0"/>
+          </p:cNvCxnSpPr>
+          <p:nvPr/>
+        </p:nvCxnSpPr>
+        <p:spPr>
+          <a:xfrm flipH="1">
+            <a:off x="3373688" y="5884458"/>
+            <a:ext cx="115231" cy="363952"/>
+          </a:xfrm>
+          <a:prstGeom prst="straightConnector1">
+            <a:avLst/>
+          </a:prstGeom>
+          <a:ln>
+            <a:tailEnd type="triangle"/>
+          </a:ln>
+        </p:spPr>
+        <p:style>
+          <a:lnRef idx="1">
+            <a:schemeClr val="accent1"/>
+          </a:lnRef>
+          <a:fillRef idx="0">
+            <a:schemeClr val="accent1"/>
+          </a:fillRef>
+          <a:effectRef idx="0">
+            <a:schemeClr val="accent1"/>
+          </a:effectRef>
+          <a:fontRef idx="minor">
+            <a:schemeClr val="tx1"/>
+          </a:fontRef>
+        </p:style>
+      </p:cxnSp>
+      <p:sp>
+        <p:nvSpPr>
+          <p:cNvPr id="15" name="TextBox 14">
+            <a:extLst>
+              <a:ext uri="{FF2B5EF4-FFF2-40B4-BE49-F238E27FC236}">
+                <a16:creationId xmlns:a16="http://schemas.microsoft.com/office/drawing/2014/main" id="{B129FD07-8882-7C43-B6A8-45A49F720001}"/>
+              </a:ext>
+            </a:extLst>
+          </p:cNvPr>
+          <p:cNvSpPr txBox="1"/>
+          <p:nvPr/>
+        </p:nvSpPr>
+        <p:spPr>
+          <a:xfrm>
+            <a:off x="6796151" y="414292"/>
+            <a:ext cx="2096389" cy="1477328"/>
+          </a:xfrm>
+          <a:prstGeom prst="rect">
+            <a:avLst/>
+          </a:prstGeom>
+          <a:noFill/>
+        </p:spPr>
+        <p:txBody>
+          <a:bodyPr wrap="square" rtlCol="0">
+            <a:spAutoFit/>
+          </a:bodyPr>
+          <a:lstStyle/>
+          <a:p>
+            <a:r>
+              <a:rPr lang="en-BR" dirty="0"/>
+              <a:t>h = F(h) = 2 + 90 </a:t>
+            </a:r>
+          </a:p>
+          <a:p>
+            <a:r>
+              <a:rPr lang="en-BR" strike="sngStrike" dirty="0"/>
+              <a:t>e = F(e) = 2 + 40</a:t>
+            </a:r>
+          </a:p>
+          <a:p>
+            <a:r>
+              <a:rPr lang="en-BR" dirty="0"/>
+              <a:t>f = F(f) = 3 + 70</a:t>
+            </a:r>
+          </a:p>
+          <a:p>
+            <a:r>
+              <a:rPr lang="en-BR" dirty="0"/>
+              <a:t>d = F(d) = 3 + 60</a:t>
+            </a:r>
+          </a:p>
+          <a:p>
+            <a:r>
+              <a:rPr lang="en-BR" strike="sngStrike" dirty="0"/>
+              <a:t>m = F(m) = 16 +10 </a:t>
+            </a:r>
+          </a:p>
+        </p:txBody>
+      </p:sp>
+    </p:spTree>
+    <p:extLst>
+      <p:ext uri="{BB962C8B-B14F-4D97-AF65-F5344CB8AC3E}">
+        <p14:creationId xmlns:p14="http://schemas.microsoft.com/office/powerpoint/2010/main" val="1419745299"/>
+      </p:ext>
+    </p:extLst>
+  </p:cSld>
+  <p:clrMapOvr>
+    <a:masterClrMapping/>
+  </p:clrMapOvr>
+</p:sld>
+</file>
+
+<file path=ppt/slides/slide4.xml><?xml version="1.0" encoding="utf-8"?>
+<p:sld xmlns:a="http://schemas.openxmlformats.org/drawingml/2006/main" xmlns:r="http://schemas.openxmlformats.org/officeDocument/2006/relationships" xmlns:p="http://schemas.openxmlformats.org/presentationml/2006/main">
+  <p:cSld>
+    <p:spTree>
+      <p:nvGrpSpPr>
+        <p:cNvPr id="1" name=""/>
+        <p:cNvGrpSpPr/>
+        <p:nvPr/>
+      </p:nvGrpSpPr>
+      <p:grpSpPr>
+        <a:xfrm>
+          <a:off x="0" y="0"/>
+          <a:ext cx="0" cy="0"/>
+          <a:chOff x="0" y="0"/>
+          <a:chExt cx="0" cy="0"/>
+        </a:xfrm>
+      </p:grpSpPr>
+      <p:sp>
+        <p:nvSpPr>
+          <p:cNvPr id="4" name="Oval 3">
+            <a:extLst>
+              <a:ext uri="{FF2B5EF4-FFF2-40B4-BE49-F238E27FC236}">
+                <a16:creationId xmlns:a16="http://schemas.microsoft.com/office/drawing/2014/main" id="{AEFECB89-08A6-E944-85D6-13711426EB6A}"/>
+              </a:ext>
+            </a:extLst>
+          </p:cNvPr>
+          <p:cNvSpPr/>
+          <p:nvPr/>
+        </p:nvSpPr>
+        <p:spPr>
+          <a:xfrm>
+            <a:off x="5762630" y="293178"/>
+            <a:ext cx="504497" cy="493986"/>
+          </a:xfrm>
+          <a:prstGeom prst="ellipse">
+            <a:avLst/>
+          </a:prstGeom>
+          <a:solidFill>
+            <a:schemeClr val="accent2"/>
+          </a:solidFill>
+        </p:spPr>
+        <p:style>
+          <a:lnRef idx="2">
+            <a:schemeClr val="accent1">
+              <a:shade val="50000"/>
+            </a:schemeClr>
+          </a:lnRef>
+          <a:fillRef idx="1">
+            <a:schemeClr val="accent1"/>
+          </a:fillRef>
+          <a:effectRef idx="0">
+            <a:schemeClr val="accent1"/>
+          </a:effectRef>
+          <a:fontRef idx="minor">
+            <a:schemeClr val="lt1"/>
+          </a:fontRef>
+        </p:style>
+        <p:txBody>
+          <a:bodyPr rtlCol="0" anchor="ctr"/>
+          <a:lstStyle/>
+          <a:p>
+            <a:pPr algn="ctr"/>
+            <a:r>
+              <a:rPr lang="en-BR" dirty="0"/>
+              <a:t>1</a:t>
+            </a:r>
+          </a:p>
+        </p:txBody>
+      </p:sp>
+      <p:sp>
+        <p:nvSpPr>
+          <p:cNvPr id="7" name="Oval 6">
+            <a:extLst>
+              <a:ext uri="{FF2B5EF4-FFF2-40B4-BE49-F238E27FC236}">
+                <a16:creationId xmlns:a16="http://schemas.microsoft.com/office/drawing/2014/main" id="{A5E11397-6516-384F-BB36-E054C9404C42}"/>
+              </a:ext>
+            </a:extLst>
+          </p:cNvPr>
+          <p:cNvSpPr/>
+          <p:nvPr/>
+        </p:nvSpPr>
+        <p:spPr>
+          <a:xfrm>
+            <a:off x="4373165" y="1711349"/>
+            <a:ext cx="504497" cy="493986"/>
+          </a:xfrm>
+          <a:prstGeom prst="ellipse">
+            <a:avLst/>
+          </a:prstGeom>
+          <a:solidFill>
+            <a:schemeClr val="accent1"/>
+          </a:solidFill>
+        </p:spPr>
+        <p:style>
+          <a:lnRef idx="2">
+            <a:schemeClr val="accent1">
+              <a:shade val="50000"/>
+            </a:schemeClr>
+          </a:lnRef>
+          <a:fillRef idx="1">
+            <a:schemeClr val="accent1"/>
+          </a:fillRef>
+          <a:effectRef idx="0">
+            <a:schemeClr val="accent1"/>
+          </a:effectRef>
+          <a:fontRef idx="minor">
+            <a:schemeClr val="lt1"/>
+          </a:fontRef>
+        </p:style>
+        <p:txBody>
+          <a:bodyPr rtlCol="0" anchor="ctr"/>
+          <a:lstStyle/>
+          <a:p>
+            <a:pPr algn="ctr"/>
+            <a:r>
+              <a:rPr lang="en-BR" dirty="0"/>
+              <a:t>4</a:t>
+            </a:r>
+          </a:p>
+        </p:txBody>
+      </p:sp>
+      <p:sp>
+        <p:nvSpPr>
+          <p:cNvPr id="10" name="Oval 9">
+            <a:extLst>
+              <a:ext uri="{FF2B5EF4-FFF2-40B4-BE49-F238E27FC236}">
+                <a16:creationId xmlns:a16="http://schemas.microsoft.com/office/drawing/2014/main" id="{4D9BFFCB-F601-3140-8E0F-EAE40AF42686}"/>
+              </a:ext>
+            </a:extLst>
+          </p:cNvPr>
+          <p:cNvSpPr/>
+          <p:nvPr/>
+        </p:nvSpPr>
+        <p:spPr>
+          <a:xfrm>
+            <a:off x="3860515" y="1106808"/>
+            <a:ext cx="504497" cy="493986"/>
+          </a:xfrm>
+          <a:prstGeom prst="ellipse">
+            <a:avLst/>
+          </a:prstGeom>
+          <a:solidFill>
+            <a:schemeClr val="accent5"/>
+          </a:solidFill>
+        </p:spPr>
+        <p:style>
+          <a:lnRef idx="2">
+            <a:schemeClr val="accent1">
+              <a:shade val="50000"/>
+            </a:schemeClr>
+          </a:lnRef>
+          <a:fillRef idx="1">
+            <a:schemeClr val="accent1"/>
+          </a:fillRef>
+          <a:effectRef idx="0">
+            <a:schemeClr val="accent1"/>
+          </a:effectRef>
+          <a:fontRef idx="minor">
+            <a:schemeClr val="lt1"/>
+          </a:fontRef>
+        </p:style>
+        <p:txBody>
+          <a:bodyPr rtlCol="0" anchor="ctr"/>
+          <a:lstStyle/>
+          <a:p>
+            <a:pPr algn="ctr"/>
+            <a:r>
+              <a:rPr lang="en-BR" dirty="0"/>
+              <a:t>2</a:t>
+            </a:r>
+          </a:p>
+        </p:txBody>
+      </p:sp>
+      <p:sp>
+        <p:nvSpPr>
+          <p:cNvPr id="11" name="Oval 10">
+            <a:extLst>
+              <a:ext uri="{FF2B5EF4-FFF2-40B4-BE49-F238E27FC236}">
+                <a16:creationId xmlns:a16="http://schemas.microsoft.com/office/drawing/2014/main" id="{A68C230D-6D64-AD4D-BA3A-E38A1B6FD7B3}"/>
+              </a:ext>
+            </a:extLst>
+          </p:cNvPr>
+          <p:cNvSpPr/>
+          <p:nvPr/>
+        </p:nvSpPr>
+        <p:spPr>
+          <a:xfrm>
+            <a:off x="7516185" y="1117625"/>
+            <a:ext cx="504497" cy="493986"/>
+          </a:xfrm>
+          <a:prstGeom prst="ellipse">
+            <a:avLst/>
+          </a:prstGeom>
+          <a:solidFill>
+            <a:schemeClr val="accent2"/>
+          </a:solidFill>
+        </p:spPr>
+        <p:style>
+          <a:lnRef idx="2">
+            <a:schemeClr val="accent1">
+              <a:shade val="50000"/>
+            </a:schemeClr>
+          </a:lnRef>
+          <a:fillRef idx="1">
+            <a:schemeClr val="accent1"/>
+          </a:fillRef>
+          <a:effectRef idx="0">
+            <a:schemeClr val="accent1"/>
+          </a:effectRef>
+          <a:fontRef idx="minor">
+            <a:schemeClr val="lt1"/>
+          </a:fontRef>
+        </p:style>
+        <p:txBody>
+          <a:bodyPr rtlCol="0" anchor="ctr"/>
+          <a:lstStyle/>
+          <a:p>
+            <a:pPr algn="ctr"/>
+            <a:r>
+              <a:rPr lang="en-BR" dirty="0"/>
+              <a:t>3</a:t>
+            </a:r>
+          </a:p>
+        </p:txBody>
+      </p:sp>
+      <p:sp>
+        <p:nvSpPr>
+          <p:cNvPr id="12" name="Oval 11">
+            <a:extLst>
+              <a:ext uri="{FF2B5EF4-FFF2-40B4-BE49-F238E27FC236}">
+                <a16:creationId xmlns:a16="http://schemas.microsoft.com/office/drawing/2014/main" id="{87F93EFA-B1D1-D244-9101-257056D59DEF}"/>
+              </a:ext>
+            </a:extLst>
+          </p:cNvPr>
+          <p:cNvSpPr/>
+          <p:nvPr/>
+        </p:nvSpPr>
+        <p:spPr>
+          <a:xfrm>
+            <a:off x="6160858" y="1914406"/>
+            <a:ext cx="504497" cy="493986"/>
+          </a:xfrm>
+          <a:prstGeom prst="ellipse">
+            <a:avLst/>
+          </a:prstGeom>
+          <a:solidFill>
+            <a:schemeClr val="accent1"/>
+          </a:solidFill>
+        </p:spPr>
+        <p:style>
+          <a:lnRef idx="2">
+            <a:schemeClr val="accent1">
+              <a:shade val="50000"/>
+            </a:schemeClr>
+          </a:lnRef>
+          <a:fillRef idx="1">
+            <a:schemeClr val="accent1"/>
+          </a:fillRef>
+          <a:effectRef idx="0">
+            <a:schemeClr val="accent1"/>
+          </a:effectRef>
+          <a:fontRef idx="minor">
+            <a:schemeClr val="lt1"/>
+          </a:fontRef>
+        </p:style>
+        <p:txBody>
+          <a:bodyPr rtlCol="0" anchor="ctr"/>
+          <a:lstStyle/>
+          <a:p>
+            <a:pPr algn="ctr"/>
+            <a:r>
+              <a:rPr lang="en-BR" dirty="0"/>
+              <a:t>4</a:t>
+            </a:r>
+          </a:p>
+        </p:txBody>
+      </p:sp>
+      <p:cxnSp>
+        <p:nvCxnSpPr>
+          <p:cNvPr id="13" name="Straight Arrow Connector 12">
+            <a:extLst>
+              <a:ext uri="{FF2B5EF4-FFF2-40B4-BE49-F238E27FC236}">
+                <a16:creationId xmlns:a16="http://schemas.microsoft.com/office/drawing/2014/main" id="{F66729EE-14C5-AC45-A94E-6159A4E5D3E7}"/>
+              </a:ext>
+            </a:extLst>
+          </p:cNvPr>
+          <p:cNvCxnSpPr>
+            <a:cxnSpLocks/>
+            <a:stCxn id="4" idx="3"/>
+            <a:endCxn id="10" idx="0"/>
+          </p:cNvCxnSpPr>
+          <p:nvPr/>
+        </p:nvCxnSpPr>
+        <p:spPr>
+          <a:xfrm flipH="1">
+            <a:off x="4112764" y="714821"/>
+            <a:ext cx="1723748" cy="391987"/>
+          </a:xfrm>
+          <a:prstGeom prst="straightConnector1">
+            <a:avLst/>
+          </a:prstGeom>
+          <a:ln>
+            <a:tailEnd type="triangle"/>
+          </a:ln>
+        </p:spPr>
+        <p:style>
+          <a:lnRef idx="1">
+            <a:schemeClr val="accent1"/>
+          </a:lnRef>
+          <a:fillRef idx="0">
+            <a:schemeClr val="accent1"/>
+          </a:fillRef>
+          <a:effectRef idx="0">
+            <a:schemeClr val="accent1"/>
+          </a:effectRef>
+          <a:fontRef idx="minor">
+            <a:schemeClr val="tx1"/>
+          </a:fontRef>
+        </p:style>
+      </p:cxnSp>
+      <p:cxnSp>
+        <p:nvCxnSpPr>
+          <p:cNvPr id="17" name="Straight Arrow Connector 16">
+            <a:extLst>
+              <a:ext uri="{FF2B5EF4-FFF2-40B4-BE49-F238E27FC236}">
+                <a16:creationId xmlns:a16="http://schemas.microsoft.com/office/drawing/2014/main" id="{11CF50D5-5063-4043-A012-CF0DEA2B981F}"/>
+              </a:ext>
+            </a:extLst>
+          </p:cNvPr>
+          <p:cNvCxnSpPr>
+            <a:cxnSpLocks/>
+            <a:stCxn id="4" idx="4"/>
+            <a:endCxn id="11" idx="1"/>
+          </p:cNvCxnSpPr>
+          <p:nvPr/>
+        </p:nvCxnSpPr>
+        <p:spPr>
+          <a:xfrm>
+            <a:off x="6014879" y="787164"/>
+            <a:ext cx="1575188" cy="402804"/>
+          </a:xfrm>
+          <a:prstGeom prst="straightConnector1">
+            <a:avLst/>
+          </a:prstGeom>
+          <a:ln>
+            <a:tailEnd type="triangle"/>
+          </a:ln>
+        </p:spPr>
+        <p:style>
+          <a:lnRef idx="1">
+            <a:schemeClr val="accent1"/>
+          </a:lnRef>
+          <a:fillRef idx="0">
+            <a:schemeClr val="accent1"/>
+          </a:fillRef>
+          <a:effectRef idx="0">
+            <a:schemeClr val="accent1"/>
+          </a:effectRef>
+          <a:fontRef idx="minor">
+            <a:schemeClr val="tx1"/>
+          </a:fontRef>
+        </p:style>
+      </p:cxnSp>
+      <p:cxnSp>
+        <p:nvCxnSpPr>
+          <p:cNvPr id="25" name="Straight Arrow Connector 24">
+            <a:extLst>
+              <a:ext uri="{FF2B5EF4-FFF2-40B4-BE49-F238E27FC236}">
+                <a16:creationId xmlns:a16="http://schemas.microsoft.com/office/drawing/2014/main" id="{39880B52-D5F1-BF47-B072-00B9BB558B16}"/>
+              </a:ext>
+            </a:extLst>
+          </p:cNvPr>
+          <p:cNvCxnSpPr>
+            <a:cxnSpLocks/>
+            <a:stCxn id="11" idx="4"/>
+            <a:endCxn id="48" idx="0"/>
+          </p:cNvCxnSpPr>
+          <p:nvPr/>
+        </p:nvCxnSpPr>
+        <p:spPr>
+          <a:xfrm flipH="1">
+            <a:off x="7376265" y="1611611"/>
+            <a:ext cx="392169" cy="349300"/>
+          </a:xfrm>
+          <a:prstGeom prst="straightConnector1">
+            <a:avLst/>
+          </a:prstGeom>
+          <a:ln>
+            <a:tailEnd type="triangle"/>
+          </a:ln>
+        </p:spPr>
+        <p:style>
+          <a:lnRef idx="1">
+            <a:schemeClr val="accent1"/>
+          </a:lnRef>
+          <a:fillRef idx="0">
+            <a:schemeClr val="accent1"/>
+          </a:fillRef>
+          <a:effectRef idx="0">
+            <a:schemeClr val="accent1"/>
+          </a:effectRef>
+          <a:fontRef idx="minor">
+            <a:schemeClr val="tx1"/>
+          </a:fontRef>
+        </p:style>
+      </p:cxnSp>
+      <p:cxnSp>
+        <p:nvCxnSpPr>
+          <p:cNvPr id="28" name="Straight Arrow Connector 27">
+            <a:extLst>
+              <a:ext uri="{FF2B5EF4-FFF2-40B4-BE49-F238E27FC236}">
+                <a16:creationId xmlns:a16="http://schemas.microsoft.com/office/drawing/2014/main" id="{6293028D-D2AB-F446-9EF7-70925B27F232}"/>
+              </a:ext>
+            </a:extLst>
+          </p:cNvPr>
+          <p:cNvCxnSpPr>
+            <a:cxnSpLocks/>
+            <a:endCxn id="7" idx="0"/>
+          </p:cNvCxnSpPr>
+          <p:nvPr/>
+        </p:nvCxnSpPr>
+        <p:spPr>
+          <a:xfrm>
+            <a:off x="4212844" y="1523021"/>
+            <a:ext cx="412570" cy="188328"/>
+          </a:xfrm>
+          <a:prstGeom prst="straightConnector1">
+            <a:avLst/>
+          </a:prstGeom>
+          <a:ln>
+            <a:tailEnd type="triangle"/>
+          </a:ln>
+        </p:spPr>
+        <p:style>
+          <a:lnRef idx="1">
+            <a:schemeClr val="accent1"/>
+          </a:lnRef>
+          <a:fillRef idx="0">
+            <a:schemeClr val="accent1"/>
+          </a:fillRef>
+          <a:effectRef idx="0">
+            <a:schemeClr val="accent1"/>
+          </a:effectRef>
+          <a:fontRef idx="minor">
+            <a:schemeClr val="tx1"/>
+          </a:fontRef>
+        </p:style>
+      </p:cxnSp>
+      <p:sp>
+        <p:nvSpPr>
+          <p:cNvPr id="47" name="Oval 46">
+            <a:extLst>
+              <a:ext uri="{FF2B5EF4-FFF2-40B4-BE49-F238E27FC236}">
+                <a16:creationId xmlns:a16="http://schemas.microsoft.com/office/drawing/2014/main" id="{CF4FCB13-8D61-F84A-8B30-525F374D928A}"/>
+              </a:ext>
+            </a:extLst>
+          </p:cNvPr>
+          <p:cNvSpPr/>
+          <p:nvPr/>
+        </p:nvSpPr>
+        <p:spPr>
+          <a:xfrm>
+            <a:off x="4984983" y="4983374"/>
+            <a:ext cx="504497" cy="493986"/>
+          </a:xfrm>
+          <a:prstGeom prst="ellipse">
+            <a:avLst/>
+          </a:prstGeom>
+          <a:solidFill>
+            <a:schemeClr val="accent2"/>
+          </a:solidFill>
+        </p:spPr>
+        <p:style>
+          <a:lnRef idx="2">
+            <a:schemeClr val="accent1">
+              <a:shade val="50000"/>
+            </a:schemeClr>
+          </a:lnRef>
+          <a:fillRef idx="1">
+            <a:schemeClr val="accent1"/>
+          </a:fillRef>
+          <a:effectRef idx="0">
+            <a:schemeClr val="accent1"/>
+          </a:effectRef>
+          <a:fontRef idx="minor">
+            <a:schemeClr val="lt1"/>
+          </a:fontRef>
+        </p:style>
+        <p:txBody>
+          <a:bodyPr rtlCol="0" anchor="ctr"/>
+          <a:lstStyle/>
+          <a:p>
+            <a:pPr algn="ctr"/>
+            <a:r>
+              <a:rPr lang="en-BR" dirty="0"/>
+              <a:t>e</a:t>
+            </a:r>
+          </a:p>
+        </p:txBody>
+      </p:sp>
+      <p:sp>
+        <p:nvSpPr>
+          <p:cNvPr id="48" name="Oval 47">
+            <a:extLst>
+              <a:ext uri="{FF2B5EF4-FFF2-40B4-BE49-F238E27FC236}">
+                <a16:creationId xmlns:a16="http://schemas.microsoft.com/office/drawing/2014/main" id="{49E3CEDF-C0F4-BC4F-BD9B-0983E880A003}"/>
+              </a:ext>
+            </a:extLst>
+          </p:cNvPr>
+          <p:cNvSpPr/>
+          <p:nvPr/>
+        </p:nvSpPr>
+        <p:spPr>
+          <a:xfrm>
+            <a:off x="7124016" y="1960911"/>
+            <a:ext cx="504497" cy="493986"/>
+          </a:xfrm>
+          <a:prstGeom prst="ellipse">
+            <a:avLst/>
+          </a:prstGeom>
+          <a:solidFill>
+            <a:schemeClr val="accent1"/>
+          </a:solidFill>
+        </p:spPr>
+        <p:style>
+          <a:lnRef idx="2">
+            <a:schemeClr val="accent1">
+              <a:shade val="50000"/>
+            </a:schemeClr>
+          </a:lnRef>
+          <a:fillRef idx="1">
+            <a:schemeClr val="accent1"/>
+          </a:fillRef>
+          <a:effectRef idx="0">
+            <a:schemeClr val="accent1"/>
+          </a:effectRef>
+          <a:fontRef idx="minor">
+            <a:schemeClr val="lt1"/>
+          </a:fontRef>
+        </p:style>
+        <p:txBody>
+          <a:bodyPr rtlCol="0" anchor="ctr"/>
+          <a:lstStyle/>
+          <a:p>
+            <a:pPr algn="ctr"/>
+            <a:r>
+              <a:rPr lang="en-BR" dirty="0"/>
+              <a:t>5</a:t>
+            </a:r>
+          </a:p>
+        </p:txBody>
+      </p:sp>
+      <p:cxnSp>
+        <p:nvCxnSpPr>
+          <p:cNvPr id="51" name="Straight Arrow Connector 50">
+            <a:extLst>
+              <a:ext uri="{FF2B5EF4-FFF2-40B4-BE49-F238E27FC236}">
+                <a16:creationId xmlns:a16="http://schemas.microsoft.com/office/drawing/2014/main" id="{1F3F9942-1669-C942-8378-3DC6D5BFE7BB}"/>
+              </a:ext>
+            </a:extLst>
+          </p:cNvPr>
+          <p:cNvCxnSpPr>
+            <a:cxnSpLocks/>
+            <a:stCxn id="11" idx="3"/>
+            <a:endCxn id="12" idx="0"/>
+          </p:cNvCxnSpPr>
+          <p:nvPr/>
+        </p:nvCxnSpPr>
+        <p:spPr>
+          <a:xfrm flipH="1">
+            <a:off x="6413107" y="1539268"/>
+            <a:ext cx="1176960" cy="375138"/>
+          </a:xfrm>
+          <a:prstGeom prst="straightConnector1">
+            <a:avLst/>
+          </a:prstGeom>
+          <a:ln>
+            <a:tailEnd type="triangle"/>
+          </a:ln>
+        </p:spPr>
+        <p:style>
+          <a:lnRef idx="1">
+            <a:schemeClr val="accent1"/>
+          </a:lnRef>
+          <a:fillRef idx="0">
+            <a:schemeClr val="accent1"/>
+          </a:fillRef>
+          <a:effectRef idx="0">
+            <a:schemeClr val="accent1"/>
+          </a:effectRef>
+          <a:fontRef idx="minor">
+            <a:schemeClr val="tx1"/>
+          </a:fontRef>
+        </p:style>
+      </p:cxnSp>
+      <p:sp>
+        <p:nvSpPr>
+          <p:cNvPr id="56" name="Oval 55">
+            <a:extLst>
+              <a:ext uri="{FF2B5EF4-FFF2-40B4-BE49-F238E27FC236}">
+                <a16:creationId xmlns:a16="http://schemas.microsoft.com/office/drawing/2014/main" id="{EFDCC2C8-BB5D-6944-BED4-D353B34F9FD6}"/>
+              </a:ext>
+            </a:extLst>
+          </p:cNvPr>
+          <p:cNvSpPr/>
+          <p:nvPr/>
+        </p:nvSpPr>
+        <p:spPr>
+          <a:xfrm>
+            <a:off x="3428290" y="1691606"/>
+            <a:ext cx="504497" cy="493986"/>
+          </a:xfrm>
+          <a:prstGeom prst="ellipse">
+            <a:avLst/>
+          </a:prstGeom>
+          <a:solidFill>
+            <a:schemeClr val="accent2"/>
+          </a:solidFill>
+        </p:spPr>
+        <p:style>
+          <a:lnRef idx="2">
+            <a:schemeClr val="accent1">
+              <a:shade val="50000"/>
+            </a:schemeClr>
+          </a:lnRef>
+          <a:fillRef idx="1">
+            <a:schemeClr val="accent1"/>
+          </a:fillRef>
+          <a:effectRef idx="0">
+            <a:schemeClr val="accent1"/>
+          </a:effectRef>
+          <a:fontRef idx="minor">
+            <a:schemeClr val="lt1"/>
+          </a:fontRef>
+        </p:style>
+        <p:txBody>
+          <a:bodyPr rtlCol="0" anchor="ctr"/>
+          <a:lstStyle/>
+          <a:p>
+            <a:pPr algn="ctr"/>
+            <a:r>
+              <a:rPr lang="en-BR" dirty="0"/>
+              <a:t>3</a:t>
+            </a:r>
+          </a:p>
+        </p:txBody>
+      </p:sp>
+      <p:sp>
+        <p:nvSpPr>
+          <p:cNvPr id="57" name="Oval 56">
+            <a:extLst>
+              <a:ext uri="{FF2B5EF4-FFF2-40B4-BE49-F238E27FC236}">
+                <a16:creationId xmlns:a16="http://schemas.microsoft.com/office/drawing/2014/main" id="{1BA2F544-A0AA-E14E-A8DF-C3321A6A0981}"/>
+              </a:ext>
+            </a:extLst>
+          </p:cNvPr>
+          <p:cNvSpPr/>
+          <p:nvPr/>
+        </p:nvSpPr>
+        <p:spPr>
+          <a:xfrm>
+            <a:off x="5372404" y="4192849"/>
+            <a:ext cx="504497" cy="493986"/>
+          </a:xfrm>
+          <a:prstGeom prst="ellipse">
+            <a:avLst/>
+          </a:prstGeom>
+          <a:solidFill>
+            <a:schemeClr val="accent2"/>
+          </a:solidFill>
+        </p:spPr>
+        <p:style>
+          <a:lnRef idx="2">
+            <a:schemeClr val="accent1">
+              <a:shade val="50000"/>
+            </a:schemeClr>
+          </a:lnRef>
+          <a:fillRef idx="1">
+            <a:schemeClr val="accent1"/>
+          </a:fillRef>
+          <a:effectRef idx="0">
+            <a:schemeClr val="accent1"/>
+          </a:effectRef>
+          <a:fontRef idx="minor">
+            <a:schemeClr val="lt1"/>
+          </a:fontRef>
+        </p:style>
+        <p:txBody>
+          <a:bodyPr rtlCol="0" anchor="ctr"/>
+          <a:lstStyle/>
+          <a:p>
+            <a:pPr algn="ctr"/>
+            <a:r>
+              <a:rPr lang="en-BR" dirty="0"/>
+              <a:t>d</a:t>
+            </a:r>
+          </a:p>
+        </p:txBody>
+      </p:sp>
+      <p:sp>
+        <p:nvSpPr>
+          <p:cNvPr id="58" name="Oval 57">
+            <a:extLst>
+              <a:ext uri="{FF2B5EF4-FFF2-40B4-BE49-F238E27FC236}">
+                <a16:creationId xmlns:a16="http://schemas.microsoft.com/office/drawing/2014/main" id="{34EDA3B7-EA9B-9B42-983D-2D8827E9458B}"/>
+              </a:ext>
+            </a:extLst>
+          </p:cNvPr>
+          <p:cNvSpPr/>
+          <p:nvPr/>
+        </p:nvSpPr>
+        <p:spPr>
+          <a:xfrm>
+            <a:off x="4437292" y="4177431"/>
+            <a:ext cx="504497" cy="493986"/>
+          </a:xfrm>
+          <a:prstGeom prst="ellipse">
+            <a:avLst/>
+          </a:prstGeom>
+          <a:solidFill>
+            <a:schemeClr val="accent1"/>
+          </a:solidFill>
+        </p:spPr>
+        <p:style>
+          <a:lnRef idx="2">
+            <a:schemeClr val="accent1">
+              <a:shade val="50000"/>
+            </a:schemeClr>
+          </a:lnRef>
+          <a:fillRef idx="1">
+            <a:schemeClr val="accent1"/>
+          </a:fillRef>
+          <a:effectRef idx="0">
+            <a:schemeClr val="accent1"/>
+          </a:effectRef>
+          <a:fontRef idx="minor">
+            <a:schemeClr val="lt1"/>
+          </a:fontRef>
+        </p:style>
+        <p:txBody>
+          <a:bodyPr rtlCol="0" anchor="ctr"/>
+          <a:lstStyle/>
+          <a:p>
+            <a:pPr algn="ctr"/>
+            <a:r>
+              <a:rPr lang="en-BR" dirty="0"/>
+              <a:t>g</a:t>
+            </a:r>
+          </a:p>
+        </p:txBody>
+      </p:sp>
+      <p:cxnSp>
+        <p:nvCxnSpPr>
+          <p:cNvPr id="59" name="Straight Arrow Connector 58">
+            <a:extLst>
+              <a:ext uri="{FF2B5EF4-FFF2-40B4-BE49-F238E27FC236}">
+                <a16:creationId xmlns:a16="http://schemas.microsoft.com/office/drawing/2014/main" id="{595FEA3F-50B2-5C44-9A0E-5D7A8CD87322}"/>
+              </a:ext>
+            </a:extLst>
+          </p:cNvPr>
+          <p:cNvCxnSpPr>
+            <a:cxnSpLocks/>
+            <a:endCxn id="58" idx="0"/>
+          </p:cNvCxnSpPr>
+          <p:nvPr/>
+        </p:nvCxnSpPr>
+        <p:spPr>
+          <a:xfrm flipH="1">
+            <a:off x="4689541" y="4157688"/>
+            <a:ext cx="264087" cy="19743"/>
+          </a:xfrm>
+          <a:prstGeom prst="straightConnector1">
+            <a:avLst/>
+          </a:prstGeom>
+          <a:ln>
+            <a:tailEnd type="triangle"/>
+          </a:ln>
+        </p:spPr>
+        <p:style>
+          <a:lnRef idx="1">
+            <a:schemeClr val="accent1"/>
+          </a:lnRef>
+          <a:fillRef idx="0">
+            <a:schemeClr val="accent1"/>
+          </a:fillRef>
+          <a:effectRef idx="0">
+            <a:schemeClr val="accent1"/>
+          </a:effectRef>
+          <a:fontRef idx="minor">
+            <a:schemeClr val="tx1"/>
+          </a:fontRef>
+        </p:style>
+      </p:cxnSp>
+      <p:cxnSp>
+        <p:nvCxnSpPr>
+          <p:cNvPr id="62" name="Straight Arrow Connector 61">
+            <a:extLst>
+              <a:ext uri="{FF2B5EF4-FFF2-40B4-BE49-F238E27FC236}">
+                <a16:creationId xmlns:a16="http://schemas.microsoft.com/office/drawing/2014/main" id="{B852A668-DF73-8A46-870D-64C5E510AC9D}"/>
+              </a:ext>
+            </a:extLst>
+          </p:cNvPr>
+          <p:cNvCxnSpPr>
+            <a:cxnSpLocks/>
+            <a:endCxn id="57" idx="0"/>
+          </p:cNvCxnSpPr>
+          <p:nvPr/>
+        </p:nvCxnSpPr>
+        <p:spPr>
+          <a:xfrm>
+            <a:off x="5340765" y="4036331"/>
+            <a:ext cx="283888" cy="156518"/>
+          </a:xfrm>
+          <a:prstGeom prst="straightConnector1">
+            <a:avLst/>
+          </a:prstGeom>
+          <a:ln>
+            <a:tailEnd type="triangle"/>
+          </a:ln>
+        </p:spPr>
+        <p:style>
+          <a:lnRef idx="1">
+            <a:schemeClr val="accent1"/>
+          </a:lnRef>
+          <a:fillRef idx="0">
+            <a:schemeClr val="accent1"/>
+          </a:fillRef>
+          <a:effectRef idx="0">
+            <a:schemeClr val="accent1"/>
+          </a:effectRef>
+          <a:fontRef idx="minor">
+            <a:schemeClr val="tx1"/>
+          </a:fontRef>
+        </p:style>
+      </p:cxnSp>
+      <p:cxnSp>
+        <p:nvCxnSpPr>
+          <p:cNvPr id="65" name="Straight Arrow Connector 64">
+            <a:extLst>
+              <a:ext uri="{FF2B5EF4-FFF2-40B4-BE49-F238E27FC236}">
+                <a16:creationId xmlns:a16="http://schemas.microsoft.com/office/drawing/2014/main" id="{72F17E80-F84F-AC45-AAF6-63BA07E0062A}"/>
+              </a:ext>
+            </a:extLst>
+          </p:cNvPr>
+          <p:cNvCxnSpPr>
+            <a:cxnSpLocks/>
+            <a:endCxn id="56" idx="0"/>
+          </p:cNvCxnSpPr>
+          <p:nvPr/>
+        </p:nvCxnSpPr>
+        <p:spPr>
+          <a:xfrm flipH="1">
+            <a:off x="3680539" y="1535088"/>
+            <a:ext cx="220609" cy="156518"/>
+          </a:xfrm>
+          <a:prstGeom prst="straightConnector1">
+            <a:avLst/>
+          </a:prstGeom>
+          <a:ln>
+            <a:tailEnd type="triangle"/>
+          </a:ln>
+        </p:spPr>
+        <p:style>
+          <a:lnRef idx="1">
+            <a:schemeClr val="accent1"/>
+          </a:lnRef>
+          <a:fillRef idx="0">
+            <a:schemeClr val="accent1"/>
+          </a:fillRef>
+          <a:effectRef idx="0">
+            <a:schemeClr val="accent1"/>
+          </a:effectRef>
+          <a:fontRef idx="minor">
+            <a:schemeClr val="tx1"/>
+          </a:fontRef>
+        </p:style>
+      </p:cxnSp>
+      <p:sp>
+        <p:nvSpPr>
+          <p:cNvPr id="49" name="Oval 48">
+            <a:extLst>
+              <a:ext uri="{FF2B5EF4-FFF2-40B4-BE49-F238E27FC236}">
+                <a16:creationId xmlns:a16="http://schemas.microsoft.com/office/drawing/2014/main" id="{E769299B-FEE4-B746-96A4-72F145595F93}"/>
+              </a:ext>
+            </a:extLst>
+          </p:cNvPr>
+          <p:cNvSpPr/>
+          <p:nvPr/>
+        </p:nvSpPr>
+        <p:spPr>
+          <a:xfrm>
+            <a:off x="5819135" y="4998792"/>
+            <a:ext cx="504497" cy="493986"/>
+          </a:xfrm>
+          <a:prstGeom prst="ellipse">
+            <a:avLst/>
+          </a:prstGeom>
+          <a:solidFill>
+            <a:schemeClr val="accent1"/>
+          </a:solidFill>
+        </p:spPr>
+        <p:style>
+          <a:lnRef idx="2">
+            <a:schemeClr val="accent1">
+              <a:shade val="50000"/>
+            </a:schemeClr>
+          </a:lnRef>
+          <a:fillRef idx="1">
+            <a:schemeClr val="accent1"/>
+          </a:fillRef>
+          <a:effectRef idx="0">
+            <a:schemeClr val="accent1"/>
+          </a:effectRef>
+          <a:fontRef idx="minor">
+            <a:schemeClr val="lt1"/>
+          </a:fontRef>
+        </p:style>
+        <p:txBody>
+          <a:bodyPr rtlCol="0" anchor="ctr"/>
+          <a:lstStyle/>
+          <a:p>
+            <a:pPr algn="ctr"/>
+            <a:r>
+              <a:rPr lang="en-BR" dirty="0"/>
+              <a:t>c’</a:t>
+            </a:r>
+          </a:p>
+        </p:txBody>
+      </p:sp>
+      <p:cxnSp>
+        <p:nvCxnSpPr>
+          <p:cNvPr id="50" name="Straight Arrow Connector 49">
+            <a:extLst>
+              <a:ext uri="{FF2B5EF4-FFF2-40B4-BE49-F238E27FC236}">
+                <a16:creationId xmlns:a16="http://schemas.microsoft.com/office/drawing/2014/main" id="{6EC907A5-2D92-4E45-A055-46DFE69FCA33}"/>
+              </a:ext>
+            </a:extLst>
+          </p:cNvPr>
+          <p:cNvCxnSpPr>
+            <a:cxnSpLocks/>
+            <a:stCxn id="57" idx="3"/>
+            <a:endCxn id="47" idx="0"/>
+          </p:cNvCxnSpPr>
+          <p:nvPr/>
+        </p:nvCxnSpPr>
+        <p:spPr>
+          <a:xfrm flipH="1">
+            <a:off x="5237232" y="4614492"/>
+            <a:ext cx="209054" cy="368882"/>
+          </a:xfrm>
+          <a:prstGeom prst="straightConnector1">
+            <a:avLst/>
+          </a:prstGeom>
+          <a:ln>
+            <a:tailEnd type="triangle"/>
+          </a:ln>
+        </p:spPr>
+        <p:style>
+          <a:lnRef idx="1">
+            <a:schemeClr val="accent1"/>
+          </a:lnRef>
+          <a:fillRef idx="0">
+            <a:schemeClr val="accent1"/>
+          </a:fillRef>
+          <a:effectRef idx="0">
+            <a:schemeClr val="accent1"/>
+          </a:effectRef>
+          <a:fontRef idx="minor">
+            <a:schemeClr val="tx1"/>
+          </a:fontRef>
+        </p:style>
+      </p:cxnSp>
+      <p:cxnSp>
+        <p:nvCxnSpPr>
+          <p:cNvPr id="53" name="Straight Arrow Connector 52">
+            <a:extLst>
+              <a:ext uri="{FF2B5EF4-FFF2-40B4-BE49-F238E27FC236}">
+                <a16:creationId xmlns:a16="http://schemas.microsoft.com/office/drawing/2014/main" id="{1D4D17BB-A959-1044-A2AF-35CB43FC4C04}"/>
+              </a:ext>
+            </a:extLst>
+          </p:cNvPr>
+          <p:cNvCxnSpPr>
+            <a:cxnSpLocks/>
+            <a:stCxn id="57" idx="5"/>
+            <a:endCxn id="49" idx="0"/>
+          </p:cNvCxnSpPr>
+          <p:nvPr/>
+        </p:nvCxnSpPr>
+        <p:spPr>
+          <a:xfrm>
+            <a:off x="5803019" y="4614492"/>
+            <a:ext cx="268365" cy="384300"/>
+          </a:xfrm>
+          <a:prstGeom prst="straightConnector1">
+            <a:avLst/>
+          </a:prstGeom>
+          <a:ln>
+            <a:tailEnd type="triangle"/>
+          </a:ln>
+        </p:spPr>
+        <p:style>
+          <a:lnRef idx="1">
+            <a:schemeClr val="accent1"/>
+          </a:lnRef>
+          <a:fillRef idx="0">
+            <a:schemeClr val="accent1"/>
+          </a:fillRef>
+          <a:effectRef idx="0">
+            <a:schemeClr val="accent1"/>
+          </a:effectRef>
+          <a:fontRef idx="minor">
+            <a:schemeClr val="tx1"/>
+          </a:fontRef>
+        </p:style>
+      </p:cxnSp>
+      <p:sp>
+        <p:nvSpPr>
+          <p:cNvPr id="61" name="Oval 60">
+            <a:extLst>
+              <a:ext uri="{FF2B5EF4-FFF2-40B4-BE49-F238E27FC236}">
+                <a16:creationId xmlns:a16="http://schemas.microsoft.com/office/drawing/2014/main" id="{223B4FDE-0C3E-EC40-9A2E-C74813E3405B}"/>
+              </a:ext>
+            </a:extLst>
+          </p:cNvPr>
+          <p:cNvSpPr/>
+          <p:nvPr/>
+        </p:nvSpPr>
+        <p:spPr>
+          <a:xfrm>
+            <a:off x="4177031" y="5754424"/>
+            <a:ext cx="504497" cy="493986"/>
+          </a:xfrm>
+          <a:prstGeom prst="ellipse">
+            <a:avLst/>
+          </a:prstGeom>
+          <a:solidFill>
+            <a:schemeClr val="accent1"/>
+          </a:solidFill>
+        </p:spPr>
+        <p:style>
+          <a:lnRef idx="2">
+            <a:schemeClr val="accent1">
+              <a:shade val="50000"/>
+            </a:schemeClr>
+          </a:lnRef>
+          <a:fillRef idx="1">
+            <a:schemeClr val="accent1"/>
+          </a:fillRef>
+          <a:effectRef idx="0">
+            <a:schemeClr val="accent1"/>
+          </a:effectRef>
+          <a:fontRef idx="minor">
+            <a:schemeClr val="lt1"/>
+          </a:fontRef>
+        </p:style>
+        <p:txBody>
+          <a:bodyPr rtlCol="0" anchor="ctr"/>
+          <a:lstStyle/>
+          <a:p>
+            <a:pPr algn="ctr"/>
+            <a:r>
+              <a:rPr lang="en-BR" sz="1200" dirty="0"/>
+              <a:t>f’’</a:t>
+            </a:r>
+          </a:p>
+        </p:txBody>
+      </p:sp>
+      <p:sp>
+        <p:nvSpPr>
+          <p:cNvPr id="63" name="Oval 62">
+            <a:extLst>
+              <a:ext uri="{FF2B5EF4-FFF2-40B4-BE49-F238E27FC236}">
+                <a16:creationId xmlns:a16="http://schemas.microsoft.com/office/drawing/2014/main" id="{13860F92-EAE8-3F40-B150-30F90890DAD0}"/>
+              </a:ext>
+            </a:extLst>
+          </p:cNvPr>
+          <p:cNvSpPr/>
+          <p:nvPr/>
+        </p:nvSpPr>
+        <p:spPr>
+          <a:xfrm>
+            <a:off x="4891188" y="5763051"/>
+            <a:ext cx="504497" cy="493986"/>
+          </a:xfrm>
+          <a:prstGeom prst="ellipse">
+            <a:avLst/>
+          </a:prstGeom>
+          <a:solidFill>
+            <a:schemeClr val="accent1"/>
+          </a:solidFill>
+        </p:spPr>
+        <p:style>
+          <a:lnRef idx="2">
+            <a:schemeClr val="accent1">
+              <a:shade val="50000"/>
+            </a:schemeClr>
+          </a:lnRef>
+          <a:fillRef idx="1">
+            <a:schemeClr val="accent1"/>
+          </a:fillRef>
+          <a:effectRef idx="0">
+            <a:schemeClr val="accent1"/>
+          </a:effectRef>
+          <a:fontRef idx="minor">
+            <a:schemeClr val="lt1"/>
+          </a:fontRef>
+        </p:style>
+        <p:txBody>
+          <a:bodyPr rtlCol="0" anchor="ctr"/>
+          <a:lstStyle/>
+          <a:p>
+            <a:pPr algn="ctr"/>
+            <a:r>
+              <a:rPr lang="en-BR" sz="1200" dirty="0"/>
+              <a:t>m</a:t>
+            </a:r>
+          </a:p>
+        </p:txBody>
+      </p:sp>
+      <p:sp>
+        <p:nvSpPr>
+          <p:cNvPr id="64" name="Oval 63">
+            <a:extLst>
+              <a:ext uri="{FF2B5EF4-FFF2-40B4-BE49-F238E27FC236}">
+                <a16:creationId xmlns:a16="http://schemas.microsoft.com/office/drawing/2014/main" id="{84705C60-E158-A74D-A001-459234438427}"/>
+              </a:ext>
+            </a:extLst>
+          </p:cNvPr>
+          <p:cNvSpPr/>
+          <p:nvPr/>
+        </p:nvSpPr>
+        <p:spPr>
+          <a:xfrm>
+            <a:off x="5631853" y="5763051"/>
+            <a:ext cx="504497" cy="493986"/>
+          </a:xfrm>
+          <a:prstGeom prst="ellipse">
+            <a:avLst/>
+          </a:prstGeom>
+          <a:solidFill>
+            <a:schemeClr val="accent2"/>
+          </a:solidFill>
+        </p:spPr>
+        <p:style>
+          <a:lnRef idx="2">
+            <a:schemeClr val="accent1">
+              <a:shade val="50000"/>
+            </a:schemeClr>
+          </a:lnRef>
+          <a:fillRef idx="1">
+            <a:schemeClr val="accent1"/>
+          </a:fillRef>
+          <a:effectRef idx="0">
+            <a:schemeClr val="accent1"/>
+          </a:effectRef>
+          <a:fontRef idx="minor">
+            <a:schemeClr val="lt1"/>
+          </a:fontRef>
+        </p:style>
+        <p:txBody>
+          <a:bodyPr rtlCol="0" anchor="ctr"/>
+          <a:lstStyle/>
+          <a:p>
+            <a:pPr algn="ctr"/>
+            <a:r>
+              <a:rPr lang="en-BR" sz="1200" dirty="0"/>
+              <a:t>i</a:t>
+            </a:r>
+          </a:p>
+        </p:txBody>
+      </p:sp>
+      <p:cxnSp>
+        <p:nvCxnSpPr>
+          <p:cNvPr id="66" name="Straight Arrow Connector 65">
+            <a:extLst>
+              <a:ext uri="{FF2B5EF4-FFF2-40B4-BE49-F238E27FC236}">
+                <a16:creationId xmlns:a16="http://schemas.microsoft.com/office/drawing/2014/main" id="{A4928102-6F8C-FA48-A310-2240773E7E74}"/>
+              </a:ext>
+            </a:extLst>
+          </p:cNvPr>
+          <p:cNvCxnSpPr>
+            <a:cxnSpLocks/>
+            <a:stCxn id="47" idx="2"/>
+            <a:endCxn id="61" idx="0"/>
+          </p:cNvCxnSpPr>
+          <p:nvPr/>
+        </p:nvCxnSpPr>
+        <p:spPr>
+          <a:xfrm flipH="1">
+            <a:off x="4429280" y="5230367"/>
+            <a:ext cx="555703" cy="524057"/>
+          </a:xfrm>
+          <a:prstGeom prst="straightConnector1">
+            <a:avLst/>
+          </a:prstGeom>
+          <a:ln>
+            <a:tailEnd type="triangle"/>
+          </a:ln>
+        </p:spPr>
+        <p:style>
+          <a:lnRef idx="1">
+            <a:schemeClr val="accent1"/>
+          </a:lnRef>
+          <a:fillRef idx="0">
+            <a:schemeClr val="accent1"/>
+          </a:fillRef>
+          <a:effectRef idx="0">
+            <a:schemeClr val="accent1"/>
+          </a:effectRef>
+          <a:fontRef idx="minor">
+            <a:schemeClr val="tx1"/>
+          </a:fontRef>
+        </p:style>
+      </p:cxnSp>
+      <p:cxnSp>
+        <p:nvCxnSpPr>
+          <p:cNvPr id="67" name="Straight Arrow Connector 66">
+            <a:extLst>
+              <a:ext uri="{FF2B5EF4-FFF2-40B4-BE49-F238E27FC236}">
+                <a16:creationId xmlns:a16="http://schemas.microsoft.com/office/drawing/2014/main" id="{2C103032-7A9D-984D-B4E9-FE6A9F18D683}"/>
+              </a:ext>
+            </a:extLst>
+          </p:cNvPr>
+          <p:cNvCxnSpPr>
+            <a:cxnSpLocks/>
+            <a:stCxn id="47" idx="3"/>
+            <a:endCxn id="63" idx="0"/>
+          </p:cNvCxnSpPr>
+          <p:nvPr/>
+        </p:nvCxnSpPr>
+        <p:spPr>
+          <a:xfrm>
+            <a:off x="5058865" y="5405017"/>
+            <a:ext cx="84572" cy="358034"/>
+          </a:xfrm>
+          <a:prstGeom prst="straightConnector1">
+            <a:avLst/>
+          </a:prstGeom>
+          <a:ln>
+            <a:tailEnd type="triangle"/>
+          </a:ln>
+        </p:spPr>
+        <p:style>
+          <a:lnRef idx="1">
+            <a:schemeClr val="accent1"/>
+          </a:lnRef>
+          <a:fillRef idx="0">
+            <a:schemeClr val="accent1"/>
+          </a:fillRef>
+          <a:effectRef idx="0">
+            <a:schemeClr val="accent1"/>
+          </a:effectRef>
+          <a:fontRef idx="minor">
+            <a:schemeClr val="tx1"/>
+          </a:fontRef>
+        </p:style>
+      </p:cxnSp>
+      <p:cxnSp>
+        <p:nvCxnSpPr>
+          <p:cNvPr id="69" name="Straight Arrow Connector 68">
+            <a:extLst>
+              <a:ext uri="{FF2B5EF4-FFF2-40B4-BE49-F238E27FC236}">
+                <a16:creationId xmlns:a16="http://schemas.microsoft.com/office/drawing/2014/main" id="{0CAE4E76-F432-6142-94EF-149F3BD281B4}"/>
+              </a:ext>
+            </a:extLst>
+          </p:cNvPr>
+          <p:cNvCxnSpPr>
+            <a:cxnSpLocks/>
+            <a:stCxn id="47" idx="5"/>
+            <a:endCxn id="64" idx="0"/>
+          </p:cNvCxnSpPr>
+          <p:nvPr/>
+        </p:nvCxnSpPr>
+        <p:spPr>
+          <a:xfrm>
+            <a:off x="5415598" y="5405017"/>
+            <a:ext cx="468504" cy="358034"/>
+          </a:xfrm>
+          <a:prstGeom prst="straightConnector1">
+            <a:avLst/>
+          </a:prstGeom>
+          <a:ln>
+            <a:tailEnd type="triangle"/>
+          </a:ln>
+        </p:spPr>
+        <p:style>
+          <a:lnRef idx="1">
+            <a:schemeClr val="accent1"/>
+          </a:lnRef>
+          <a:fillRef idx="0">
+            <a:schemeClr val="accent1"/>
+          </a:fillRef>
+          <a:effectRef idx="0">
+            <a:schemeClr val="accent1"/>
+          </a:effectRef>
+          <a:fontRef idx="minor">
+            <a:schemeClr val="tx1"/>
+          </a:fontRef>
+        </p:style>
+      </p:cxnSp>
+      <p:sp>
+        <p:nvSpPr>
+          <p:cNvPr id="70" name="Oval 69">
+            <a:extLst>
+              <a:ext uri="{FF2B5EF4-FFF2-40B4-BE49-F238E27FC236}">
+                <a16:creationId xmlns:a16="http://schemas.microsoft.com/office/drawing/2014/main" id="{BDB92B99-DAFE-FC46-9890-E9D7E966AEE9}"/>
+              </a:ext>
+            </a:extLst>
+          </p:cNvPr>
+          <p:cNvSpPr/>
+          <p:nvPr/>
+        </p:nvSpPr>
+        <p:spPr>
+          <a:xfrm>
+            <a:off x="2151835" y="3393652"/>
+            <a:ext cx="504497" cy="493986"/>
+          </a:xfrm>
+          <a:prstGeom prst="ellipse">
+            <a:avLst/>
+          </a:prstGeom>
+          <a:solidFill>
+            <a:schemeClr val="accent1"/>
+          </a:solidFill>
+        </p:spPr>
+        <p:style>
+          <a:lnRef idx="2">
+            <a:schemeClr val="accent1">
+              <a:shade val="50000"/>
+            </a:schemeClr>
+          </a:lnRef>
+          <a:fillRef idx="1">
+            <a:schemeClr val="accent1"/>
+          </a:fillRef>
+          <a:effectRef idx="0">
+            <a:schemeClr val="accent1"/>
+          </a:effectRef>
+          <a:fontRef idx="minor">
+            <a:schemeClr val="lt1"/>
+          </a:fontRef>
+        </p:style>
+        <p:txBody>
+          <a:bodyPr rtlCol="0" anchor="ctr"/>
+          <a:lstStyle/>
+          <a:p>
+            <a:pPr algn="ctr"/>
+            <a:r>
+              <a:rPr lang="en-BR" sz="1200" dirty="0"/>
+              <a:t>g’</a:t>
+            </a:r>
+          </a:p>
+        </p:txBody>
+      </p:sp>
+      <p:sp>
+        <p:nvSpPr>
+          <p:cNvPr id="72" name="Oval 71">
+            <a:extLst>
+              <a:ext uri="{FF2B5EF4-FFF2-40B4-BE49-F238E27FC236}">
+                <a16:creationId xmlns:a16="http://schemas.microsoft.com/office/drawing/2014/main" id="{1F278691-C73F-0242-970C-F33444B0D7A6}"/>
+              </a:ext>
+            </a:extLst>
+          </p:cNvPr>
+          <p:cNvSpPr/>
+          <p:nvPr/>
+        </p:nvSpPr>
+        <p:spPr>
+          <a:xfrm>
+            <a:off x="2865992" y="3402279"/>
+            <a:ext cx="504497" cy="493986"/>
+          </a:xfrm>
+          <a:prstGeom prst="ellipse">
+            <a:avLst/>
+          </a:prstGeom>
+          <a:solidFill>
+            <a:schemeClr val="accent1"/>
+          </a:solidFill>
+        </p:spPr>
+        <p:style>
+          <a:lnRef idx="2">
+            <a:schemeClr val="accent1">
+              <a:shade val="50000"/>
+            </a:schemeClr>
+          </a:lnRef>
+          <a:fillRef idx="1">
+            <a:schemeClr val="accent1"/>
+          </a:fillRef>
+          <a:effectRef idx="0">
+            <a:schemeClr val="accent1"/>
+          </a:effectRef>
+          <a:fontRef idx="minor">
+            <a:schemeClr val="lt1"/>
+          </a:fontRef>
+        </p:style>
+        <p:txBody>
+          <a:bodyPr rtlCol="0" anchor="ctr"/>
+          <a:lstStyle/>
+          <a:p>
+            <a:pPr algn="ctr"/>
+            <a:r>
+              <a:rPr lang="en-BR" sz="1200" dirty="0"/>
+              <a:t>b</a:t>
+            </a:r>
+          </a:p>
+        </p:txBody>
+      </p:sp>
+      <p:sp>
+        <p:nvSpPr>
+          <p:cNvPr id="73" name="Oval 72">
+            <a:extLst>
+              <a:ext uri="{FF2B5EF4-FFF2-40B4-BE49-F238E27FC236}">
+                <a16:creationId xmlns:a16="http://schemas.microsoft.com/office/drawing/2014/main" id="{D60B9A0F-1D66-EE42-A8A4-10820CA47EB8}"/>
+              </a:ext>
+            </a:extLst>
+          </p:cNvPr>
+          <p:cNvSpPr/>
+          <p:nvPr/>
+        </p:nvSpPr>
+        <p:spPr>
+          <a:xfrm>
+            <a:off x="3606657" y="3402279"/>
+            <a:ext cx="504497" cy="493986"/>
+          </a:xfrm>
+          <a:prstGeom prst="ellipse">
+            <a:avLst/>
+          </a:prstGeom>
+          <a:solidFill>
+            <a:schemeClr val="accent2"/>
+          </a:solidFill>
+        </p:spPr>
+        <p:style>
+          <a:lnRef idx="2">
+            <a:schemeClr val="accent1">
+              <a:shade val="50000"/>
+            </a:schemeClr>
+          </a:lnRef>
+          <a:fillRef idx="1">
+            <a:schemeClr val="accent1"/>
+          </a:fillRef>
+          <a:effectRef idx="0">
+            <a:schemeClr val="accent1"/>
+          </a:effectRef>
+          <a:fontRef idx="minor">
+            <a:schemeClr val="lt1"/>
+          </a:fontRef>
+        </p:style>
+        <p:txBody>
+          <a:bodyPr rtlCol="0" anchor="ctr"/>
+          <a:lstStyle/>
+          <a:p>
+            <a:pPr algn="ctr"/>
+            <a:r>
+              <a:rPr lang="en-BR" sz="1200" dirty="0"/>
+              <a:t>k</a:t>
+            </a:r>
+          </a:p>
+        </p:txBody>
+      </p:sp>
+      <p:cxnSp>
+        <p:nvCxnSpPr>
+          <p:cNvPr id="74" name="Straight Arrow Connector 73">
+            <a:extLst>
+              <a:ext uri="{FF2B5EF4-FFF2-40B4-BE49-F238E27FC236}">
+                <a16:creationId xmlns:a16="http://schemas.microsoft.com/office/drawing/2014/main" id="{E1767BD8-E457-8C4D-AC95-953E07097F95}"/>
+              </a:ext>
+            </a:extLst>
+          </p:cNvPr>
+          <p:cNvCxnSpPr>
+            <a:cxnSpLocks/>
+            <a:endCxn id="70" idx="0"/>
+          </p:cNvCxnSpPr>
+          <p:nvPr/>
+        </p:nvCxnSpPr>
+        <p:spPr>
+          <a:xfrm flipH="1">
+            <a:off x="2404084" y="3165084"/>
+            <a:ext cx="391001" cy="228568"/>
+          </a:xfrm>
+          <a:prstGeom prst="straightConnector1">
+            <a:avLst/>
+          </a:prstGeom>
+          <a:ln>
+            <a:tailEnd type="triangle"/>
+          </a:ln>
+        </p:spPr>
+        <p:style>
+          <a:lnRef idx="1">
+            <a:schemeClr val="accent1"/>
+          </a:lnRef>
+          <a:fillRef idx="0">
+            <a:schemeClr val="accent1"/>
+          </a:fillRef>
+          <a:effectRef idx="0">
+            <a:schemeClr val="accent1"/>
+          </a:effectRef>
+          <a:fontRef idx="minor">
+            <a:schemeClr val="tx1"/>
+          </a:fontRef>
+        </p:style>
+      </p:cxnSp>
+      <p:cxnSp>
+        <p:nvCxnSpPr>
+          <p:cNvPr id="75" name="Straight Arrow Connector 74">
+            <a:extLst>
+              <a:ext uri="{FF2B5EF4-FFF2-40B4-BE49-F238E27FC236}">
+                <a16:creationId xmlns:a16="http://schemas.microsoft.com/office/drawing/2014/main" id="{BCA6ED6C-1719-7C49-B03F-33A3CE6AEBB6}"/>
+              </a:ext>
+            </a:extLst>
+          </p:cNvPr>
+          <p:cNvCxnSpPr>
+            <a:cxnSpLocks/>
+            <a:endCxn id="72" idx="0"/>
+          </p:cNvCxnSpPr>
+          <p:nvPr/>
+        </p:nvCxnSpPr>
+        <p:spPr>
+          <a:xfrm flipH="1">
+            <a:off x="3118241" y="3221113"/>
+            <a:ext cx="95050" cy="181166"/>
+          </a:xfrm>
+          <a:prstGeom prst="straightConnector1">
+            <a:avLst/>
+          </a:prstGeom>
+          <a:ln>
+            <a:tailEnd type="triangle"/>
+          </a:ln>
+        </p:spPr>
+        <p:style>
+          <a:lnRef idx="1">
+            <a:schemeClr val="accent1"/>
+          </a:lnRef>
+          <a:fillRef idx="0">
+            <a:schemeClr val="accent1"/>
+          </a:fillRef>
+          <a:effectRef idx="0">
+            <a:schemeClr val="accent1"/>
+          </a:effectRef>
+          <a:fontRef idx="minor">
+            <a:schemeClr val="tx1"/>
+          </a:fontRef>
+        </p:style>
+      </p:cxnSp>
+      <p:cxnSp>
+        <p:nvCxnSpPr>
+          <p:cNvPr id="78" name="Straight Arrow Connector 77">
+            <a:extLst>
+              <a:ext uri="{FF2B5EF4-FFF2-40B4-BE49-F238E27FC236}">
+                <a16:creationId xmlns:a16="http://schemas.microsoft.com/office/drawing/2014/main" id="{7DA9530E-2B7B-134B-8D61-A7B9ED9BBFAD}"/>
+              </a:ext>
+            </a:extLst>
+          </p:cNvPr>
+          <p:cNvCxnSpPr>
+            <a:cxnSpLocks/>
+            <a:endCxn id="73" idx="0"/>
+          </p:cNvCxnSpPr>
+          <p:nvPr/>
+        </p:nvCxnSpPr>
+        <p:spPr>
+          <a:xfrm>
+            <a:off x="3616651" y="3279368"/>
+            <a:ext cx="242255" cy="122911"/>
+          </a:xfrm>
+          <a:prstGeom prst="straightConnector1">
+            <a:avLst/>
+          </a:prstGeom>
+          <a:ln>
+            <a:tailEnd type="triangle"/>
+          </a:ln>
+        </p:spPr>
+        <p:style>
+          <a:lnRef idx="1">
+            <a:schemeClr val="accent1"/>
+          </a:lnRef>
+          <a:fillRef idx="0">
+            <a:schemeClr val="accent1"/>
+          </a:fillRef>
+          <a:effectRef idx="0">
+            <a:schemeClr val="accent1"/>
+          </a:effectRef>
+          <a:fontRef idx="minor">
+            <a:schemeClr val="tx1"/>
+          </a:fontRef>
+        </p:style>
+      </p:cxnSp>
+      <p:sp>
+        <p:nvSpPr>
+          <p:cNvPr id="81" name="Oval 80">
+            <a:extLst>
+              <a:ext uri="{FF2B5EF4-FFF2-40B4-BE49-F238E27FC236}">
+                <a16:creationId xmlns:a16="http://schemas.microsoft.com/office/drawing/2014/main" id="{B86117E4-5563-1E4F-8A7B-3124E9A266B6}"/>
+              </a:ext>
+            </a:extLst>
+          </p:cNvPr>
+          <p:cNvSpPr/>
+          <p:nvPr/>
+        </p:nvSpPr>
+        <p:spPr>
+          <a:xfrm>
+            <a:off x="2161829" y="4511245"/>
+            <a:ext cx="504497" cy="493986"/>
+          </a:xfrm>
+          <a:prstGeom prst="ellipse">
+            <a:avLst/>
+          </a:prstGeom>
+          <a:solidFill>
+            <a:schemeClr val="accent1"/>
+          </a:solidFill>
+        </p:spPr>
+        <p:style>
+          <a:lnRef idx="2">
+            <a:schemeClr val="accent1">
+              <a:shade val="50000"/>
+            </a:schemeClr>
+          </a:lnRef>
+          <a:fillRef idx="1">
+            <a:schemeClr val="accent1"/>
+          </a:fillRef>
+          <a:effectRef idx="0">
+            <a:schemeClr val="accent1"/>
+          </a:effectRef>
+          <a:fontRef idx="minor">
+            <a:schemeClr val="lt1"/>
+          </a:fontRef>
+        </p:style>
+        <p:txBody>
+          <a:bodyPr rtlCol="0" anchor="ctr"/>
+          <a:lstStyle/>
+          <a:p>
+            <a:pPr algn="ctr"/>
+            <a:r>
+              <a:rPr lang="en-BR" sz="1200" dirty="0"/>
+              <a:t>l</a:t>
+            </a:r>
+          </a:p>
+        </p:txBody>
+      </p:sp>
+      <p:sp>
+        <p:nvSpPr>
+          <p:cNvPr id="82" name="Oval 81">
+            <a:extLst>
+              <a:ext uri="{FF2B5EF4-FFF2-40B4-BE49-F238E27FC236}">
+                <a16:creationId xmlns:a16="http://schemas.microsoft.com/office/drawing/2014/main" id="{27EB01D3-7CC4-9D48-BF1F-50A89ACC8EFF}"/>
+              </a:ext>
+            </a:extLst>
+          </p:cNvPr>
+          <p:cNvSpPr/>
+          <p:nvPr/>
+        </p:nvSpPr>
+        <p:spPr>
+          <a:xfrm>
+            <a:off x="2875986" y="4519872"/>
+            <a:ext cx="504497" cy="493986"/>
+          </a:xfrm>
+          <a:prstGeom prst="ellipse">
+            <a:avLst/>
+          </a:prstGeom>
+          <a:solidFill>
+            <a:schemeClr val="accent1"/>
+          </a:solidFill>
+        </p:spPr>
+        <p:style>
+          <a:lnRef idx="2">
+            <a:schemeClr val="accent1">
+              <a:shade val="50000"/>
+            </a:schemeClr>
+          </a:lnRef>
+          <a:fillRef idx="1">
+            <a:schemeClr val="accent1"/>
+          </a:fillRef>
+          <a:effectRef idx="0">
+            <a:schemeClr val="accent1"/>
+          </a:effectRef>
+          <a:fontRef idx="minor">
+            <a:schemeClr val="lt1"/>
+          </a:fontRef>
+        </p:style>
+        <p:txBody>
+          <a:bodyPr rtlCol="0" anchor="ctr"/>
+          <a:lstStyle/>
+          <a:p>
+            <a:pPr algn="ctr"/>
+            <a:r>
+              <a:rPr lang="en-BR" sz="1200" dirty="0"/>
+              <a:t>b</a:t>
+            </a:r>
+          </a:p>
+        </p:txBody>
+      </p:sp>
+      <p:sp>
+        <p:nvSpPr>
+          <p:cNvPr id="83" name="Oval 82">
+            <a:extLst>
+              <a:ext uri="{FF2B5EF4-FFF2-40B4-BE49-F238E27FC236}">
+                <a16:creationId xmlns:a16="http://schemas.microsoft.com/office/drawing/2014/main" id="{B3090B98-9109-A240-BA69-D8345B251770}"/>
+              </a:ext>
+            </a:extLst>
+          </p:cNvPr>
+          <p:cNvSpPr/>
+          <p:nvPr/>
+        </p:nvSpPr>
+        <p:spPr>
+          <a:xfrm>
+            <a:off x="3616651" y="4519872"/>
+            <a:ext cx="504497" cy="493986"/>
+          </a:xfrm>
+          <a:prstGeom prst="ellipse">
+            <a:avLst/>
+          </a:prstGeom>
+          <a:solidFill>
+            <a:schemeClr val="accent2"/>
+          </a:solidFill>
+        </p:spPr>
+        <p:style>
+          <a:lnRef idx="2">
+            <a:schemeClr val="accent1">
+              <a:shade val="50000"/>
+            </a:schemeClr>
+          </a:lnRef>
+          <a:fillRef idx="1">
+            <a:schemeClr val="accent1"/>
+          </a:fillRef>
+          <a:effectRef idx="0">
+            <a:schemeClr val="accent1"/>
+          </a:effectRef>
+          <a:fontRef idx="minor">
+            <a:schemeClr val="lt1"/>
+          </a:fontRef>
+        </p:style>
+        <p:txBody>
+          <a:bodyPr rtlCol="0" anchor="ctr"/>
+          <a:lstStyle/>
+          <a:p>
+            <a:pPr algn="ctr"/>
+            <a:r>
+              <a:rPr lang="en-BR" sz="1200" dirty="0"/>
+              <a:t>n</a:t>
+            </a:r>
+          </a:p>
+        </p:txBody>
+      </p:sp>
+      <p:cxnSp>
+        <p:nvCxnSpPr>
+          <p:cNvPr id="84" name="Straight Arrow Connector 83">
+            <a:extLst>
+              <a:ext uri="{FF2B5EF4-FFF2-40B4-BE49-F238E27FC236}">
+                <a16:creationId xmlns:a16="http://schemas.microsoft.com/office/drawing/2014/main" id="{D940EC12-7981-7E40-824B-91C84443ECBB}"/>
+              </a:ext>
+            </a:extLst>
+          </p:cNvPr>
+          <p:cNvCxnSpPr>
+            <a:cxnSpLocks/>
+            <a:stCxn id="73" idx="3"/>
+            <a:endCxn id="81" idx="0"/>
+          </p:cNvCxnSpPr>
+          <p:nvPr/>
+        </p:nvCxnSpPr>
+        <p:spPr>
+          <a:xfrm flipH="1">
+            <a:off x="2414078" y="3823922"/>
+            <a:ext cx="1266461" cy="687323"/>
+          </a:xfrm>
+          <a:prstGeom prst="straightConnector1">
+            <a:avLst/>
+          </a:prstGeom>
+          <a:ln>
+            <a:tailEnd type="triangle"/>
+          </a:ln>
+        </p:spPr>
+        <p:style>
+          <a:lnRef idx="1">
+            <a:schemeClr val="accent1"/>
+          </a:lnRef>
+          <a:fillRef idx="0">
+            <a:schemeClr val="accent1"/>
+          </a:fillRef>
+          <a:effectRef idx="0">
+            <a:schemeClr val="accent1"/>
+          </a:effectRef>
+          <a:fontRef idx="minor">
+            <a:schemeClr val="tx1"/>
+          </a:fontRef>
+        </p:style>
+      </p:cxnSp>
+      <p:cxnSp>
+        <p:nvCxnSpPr>
+          <p:cNvPr id="85" name="Straight Arrow Connector 84">
+            <a:extLst>
+              <a:ext uri="{FF2B5EF4-FFF2-40B4-BE49-F238E27FC236}">
+                <a16:creationId xmlns:a16="http://schemas.microsoft.com/office/drawing/2014/main" id="{6E3BB60F-FC7C-B34F-AF63-32D98297AA5B}"/>
+              </a:ext>
+            </a:extLst>
+          </p:cNvPr>
+          <p:cNvCxnSpPr>
+            <a:cxnSpLocks/>
+            <a:stCxn id="73" idx="4"/>
+            <a:endCxn id="82" idx="0"/>
+          </p:cNvCxnSpPr>
+          <p:nvPr/>
+        </p:nvCxnSpPr>
+        <p:spPr>
+          <a:xfrm flipH="1">
+            <a:off x="3128235" y="3896265"/>
+            <a:ext cx="730671" cy="623607"/>
+          </a:xfrm>
+          <a:prstGeom prst="straightConnector1">
+            <a:avLst/>
+          </a:prstGeom>
+          <a:ln>
+            <a:tailEnd type="triangle"/>
+          </a:ln>
+        </p:spPr>
+        <p:style>
+          <a:lnRef idx="1">
+            <a:schemeClr val="accent1"/>
+          </a:lnRef>
+          <a:fillRef idx="0">
+            <a:schemeClr val="accent1"/>
+          </a:fillRef>
+          <a:effectRef idx="0">
+            <a:schemeClr val="accent1"/>
+          </a:effectRef>
+          <a:fontRef idx="minor">
+            <a:schemeClr val="tx1"/>
+          </a:fontRef>
+        </p:style>
+      </p:cxnSp>
+      <p:cxnSp>
+        <p:nvCxnSpPr>
+          <p:cNvPr id="86" name="Straight Arrow Connector 85">
+            <a:extLst>
+              <a:ext uri="{FF2B5EF4-FFF2-40B4-BE49-F238E27FC236}">
+                <a16:creationId xmlns:a16="http://schemas.microsoft.com/office/drawing/2014/main" id="{BD21921D-BD8A-2841-8B31-614BE2D00D13}"/>
+              </a:ext>
+            </a:extLst>
+          </p:cNvPr>
+          <p:cNvCxnSpPr>
+            <a:cxnSpLocks/>
+            <a:stCxn id="73" idx="5"/>
+            <a:endCxn id="83" idx="0"/>
+          </p:cNvCxnSpPr>
+          <p:nvPr/>
+        </p:nvCxnSpPr>
+        <p:spPr>
+          <a:xfrm flipH="1">
+            <a:off x="3868900" y="3823922"/>
+            <a:ext cx="168372" cy="695950"/>
+          </a:xfrm>
+          <a:prstGeom prst="straightConnector1">
+            <a:avLst/>
+          </a:prstGeom>
+          <a:ln>
+            <a:tailEnd type="triangle"/>
+          </a:ln>
+        </p:spPr>
+        <p:style>
+          <a:lnRef idx="1">
+            <a:schemeClr val="accent1"/>
+          </a:lnRef>
+          <a:fillRef idx="0">
+            <a:schemeClr val="accent1"/>
+          </a:fillRef>
+          <a:effectRef idx="0">
+            <a:schemeClr val="accent1"/>
+          </a:effectRef>
+          <a:fontRef idx="minor">
+            <a:schemeClr val="tx1"/>
+          </a:fontRef>
+        </p:style>
+      </p:cxnSp>
+      <p:sp>
+        <p:nvSpPr>
+          <p:cNvPr id="94" name="Oval 93">
+            <a:extLst>
+              <a:ext uri="{FF2B5EF4-FFF2-40B4-BE49-F238E27FC236}">
+                <a16:creationId xmlns:a16="http://schemas.microsoft.com/office/drawing/2014/main" id="{DC943467-1BC7-2143-8F0A-8A3B1322787A}"/>
+              </a:ext>
+            </a:extLst>
+          </p:cNvPr>
+          <p:cNvSpPr/>
+          <p:nvPr/>
+        </p:nvSpPr>
+        <p:spPr>
+          <a:xfrm>
+            <a:off x="3236670" y="5390472"/>
+            <a:ext cx="504497" cy="493986"/>
+          </a:xfrm>
+          <a:prstGeom prst="ellipse">
+            <a:avLst/>
+          </a:prstGeom>
+          <a:solidFill>
+            <a:schemeClr val="accent2"/>
+          </a:solidFill>
+        </p:spPr>
+        <p:style>
+          <a:lnRef idx="2">
+            <a:schemeClr val="accent1">
+              <a:shade val="50000"/>
+            </a:schemeClr>
+          </a:lnRef>
+          <a:fillRef idx="1">
+            <a:schemeClr val="accent1"/>
+          </a:fillRef>
+          <a:effectRef idx="0">
+            <a:schemeClr val="accent1"/>
+          </a:effectRef>
+          <a:fontRef idx="minor">
+            <a:schemeClr val="lt1"/>
+          </a:fontRef>
+        </p:style>
+        <p:txBody>
+          <a:bodyPr rtlCol="0" anchor="ctr"/>
+          <a:lstStyle/>
+          <a:p>
+            <a:pPr algn="ctr"/>
+            <a:r>
+              <a:rPr lang="en-BR" sz="1200" dirty="0"/>
+              <a:t>m’</a:t>
+            </a:r>
+          </a:p>
+        </p:txBody>
+      </p:sp>
+      <p:cxnSp>
+        <p:nvCxnSpPr>
+          <p:cNvPr id="95" name="Straight Arrow Connector 94">
+            <a:extLst>
+              <a:ext uri="{FF2B5EF4-FFF2-40B4-BE49-F238E27FC236}">
+                <a16:creationId xmlns:a16="http://schemas.microsoft.com/office/drawing/2014/main" id="{A1A76F76-E5F5-1A41-8732-C598A0EC5B45}"/>
+              </a:ext>
+            </a:extLst>
+          </p:cNvPr>
+          <p:cNvCxnSpPr>
+            <a:cxnSpLocks/>
+            <a:stCxn id="83" idx="3"/>
+            <a:endCxn id="94" idx="0"/>
+          </p:cNvCxnSpPr>
+          <p:nvPr/>
+        </p:nvCxnSpPr>
+        <p:spPr>
+          <a:xfrm flipH="1">
+            <a:off x="3488919" y="4941515"/>
+            <a:ext cx="201614" cy="448957"/>
+          </a:xfrm>
+          <a:prstGeom prst="straightConnector1">
+            <a:avLst/>
+          </a:prstGeom>
+          <a:ln>
+            <a:tailEnd type="triangle"/>
+          </a:ln>
+        </p:spPr>
+        <p:style>
+          <a:lnRef idx="1">
+            <a:schemeClr val="accent1"/>
+          </a:lnRef>
+          <a:fillRef idx="0">
+            <a:schemeClr val="accent1"/>
+          </a:fillRef>
+          <a:effectRef idx="0">
+            <a:schemeClr val="accent1"/>
+          </a:effectRef>
+          <a:fontRef idx="minor">
+            <a:schemeClr val="tx1"/>
+          </a:fontRef>
+        </p:style>
+      </p:cxnSp>
+      <p:sp>
+        <p:nvSpPr>
+          <p:cNvPr id="98" name="Oval 97">
+            <a:extLst>
+              <a:ext uri="{FF2B5EF4-FFF2-40B4-BE49-F238E27FC236}">
+                <a16:creationId xmlns:a16="http://schemas.microsoft.com/office/drawing/2014/main" id="{DBB1433E-1119-6043-A897-CA37E3BD2661}"/>
+              </a:ext>
+            </a:extLst>
+          </p:cNvPr>
+          <p:cNvSpPr/>
+          <p:nvPr/>
+        </p:nvSpPr>
+        <p:spPr>
+          <a:xfrm>
+            <a:off x="2407282" y="6239783"/>
+            <a:ext cx="504497" cy="493986"/>
+          </a:xfrm>
+          <a:prstGeom prst="ellipse">
+            <a:avLst/>
+          </a:prstGeom>
+          <a:solidFill>
+            <a:schemeClr val="accent2"/>
+          </a:solidFill>
+        </p:spPr>
+        <p:style>
+          <a:lnRef idx="2">
+            <a:schemeClr val="accent1">
+              <a:shade val="50000"/>
+            </a:schemeClr>
+          </a:lnRef>
+          <a:fillRef idx="1">
+            <a:schemeClr val="accent1"/>
+          </a:fillRef>
+          <a:effectRef idx="0">
+            <a:schemeClr val="accent1"/>
+          </a:effectRef>
+          <a:fontRef idx="minor">
+            <a:schemeClr val="lt1"/>
+          </a:fontRef>
+        </p:style>
+        <p:txBody>
+          <a:bodyPr rtlCol="0" anchor="ctr"/>
+          <a:lstStyle/>
+          <a:p>
+            <a:pPr algn="ctr"/>
+            <a:r>
+              <a:rPr lang="en-BR" sz="1200" dirty="0"/>
+              <a:t>x</a:t>
+            </a:r>
+          </a:p>
+        </p:txBody>
+      </p:sp>
+      <p:sp>
+        <p:nvSpPr>
+          <p:cNvPr id="99" name="Oval 98">
+            <a:extLst>
+              <a:ext uri="{FF2B5EF4-FFF2-40B4-BE49-F238E27FC236}">
+                <a16:creationId xmlns:a16="http://schemas.microsoft.com/office/drawing/2014/main" id="{6B51593B-6C5B-0E4A-860F-0BA211B7885B}"/>
+              </a:ext>
+            </a:extLst>
+          </p:cNvPr>
+          <p:cNvSpPr/>
+          <p:nvPr/>
+        </p:nvSpPr>
+        <p:spPr>
+          <a:xfrm>
+            <a:off x="3121439" y="6248410"/>
+            <a:ext cx="504497" cy="493986"/>
+          </a:xfrm>
+          <a:prstGeom prst="ellipse">
+            <a:avLst/>
+          </a:prstGeom>
+          <a:solidFill>
+            <a:schemeClr val="accent1"/>
+          </a:solidFill>
+        </p:spPr>
+        <p:style>
+          <a:lnRef idx="2">
+            <a:schemeClr val="accent1">
+              <a:shade val="50000"/>
+            </a:schemeClr>
+          </a:lnRef>
+          <a:fillRef idx="1">
+            <a:schemeClr val="accent1"/>
+          </a:fillRef>
+          <a:effectRef idx="0">
+            <a:schemeClr val="accent1"/>
+          </a:effectRef>
+          <a:fontRef idx="minor">
+            <a:schemeClr val="lt1"/>
+          </a:fontRef>
+        </p:style>
+        <p:txBody>
+          <a:bodyPr rtlCol="0" anchor="ctr"/>
+          <a:lstStyle/>
+          <a:p>
+            <a:pPr algn="ctr"/>
+            <a:r>
+              <a:rPr lang="en-BR" sz="1200" dirty="0"/>
+              <a:t>e</a:t>
+            </a:r>
+          </a:p>
+        </p:txBody>
+      </p:sp>
+      <p:cxnSp>
+        <p:nvCxnSpPr>
+          <p:cNvPr id="100" name="Straight Arrow Connector 99">
+            <a:extLst>
+              <a:ext uri="{FF2B5EF4-FFF2-40B4-BE49-F238E27FC236}">
+                <a16:creationId xmlns:a16="http://schemas.microsoft.com/office/drawing/2014/main" id="{97D559C4-E5FD-DE47-8B44-CDA1C848084A}"/>
+              </a:ext>
+            </a:extLst>
+          </p:cNvPr>
+          <p:cNvCxnSpPr>
+            <a:cxnSpLocks/>
+            <a:stCxn id="94" idx="2"/>
+            <a:endCxn id="98" idx="0"/>
+          </p:cNvCxnSpPr>
+          <p:nvPr/>
+        </p:nvCxnSpPr>
+        <p:spPr>
+          <a:xfrm flipH="1">
+            <a:off x="2659531" y="5637465"/>
+            <a:ext cx="577139" cy="602318"/>
+          </a:xfrm>
+          <a:prstGeom prst="straightConnector1">
+            <a:avLst/>
+          </a:prstGeom>
+          <a:ln>
+            <a:tailEnd type="triangle"/>
+          </a:ln>
+        </p:spPr>
+        <p:style>
+          <a:lnRef idx="1">
+            <a:schemeClr val="accent1"/>
+          </a:lnRef>
+          <a:fillRef idx="0">
+            <a:schemeClr val="accent1"/>
+          </a:fillRef>
+          <a:effectRef idx="0">
+            <a:schemeClr val="accent1"/>
+          </a:effectRef>
+          <a:fontRef idx="minor">
+            <a:schemeClr val="tx1"/>
+          </a:fontRef>
+        </p:style>
+      </p:cxnSp>
+      <p:cxnSp>
+        <p:nvCxnSpPr>
+          <p:cNvPr id="103" name="Straight Arrow Connector 102">
+            <a:extLst>
+              <a:ext uri="{FF2B5EF4-FFF2-40B4-BE49-F238E27FC236}">
+                <a16:creationId xmlns:a16="http://schemas.microsoft.com/office/drawing/2014/main" id="{E8ECD4B5-0797-9F40-BBB2-228B49053B38}"/>
+              </a:ext>
+            </a:extLst>
+          </p:cNvPr>
+          <p:cNvCxnSpPr>
+            <a:cxnSpLocks/>
+            <a:stCxn id="94" idx="4"/>
+            <a:endCxn id="99" idx="0"/>
+          </p:cNvCxnSpPr>
+          <p:nvPr/>
+        </p:nvCxnSpPr>
+        <p:spPr>
+          <a:xfrm flipH="1">
+            <a:off x="3373688" y="5884458"/>
+            <a:ext cx="115231" cy="363952"/>
+          </a:xfrm>
+          <a:prstGeom prst="straightConnector1">
+            <a:avLst/>
+          </a:prstGeom>
+          <a:ln>
+            <a:tailEnd type="triangle"/>
+          </a:ln>
+        </p:spPr>
+        <p:style>
+          <a:lnRef idx="1">
+            <a:schemeClr val="accent1"/>
+          </a:lnRef>
+          <a:fillRef idx="0">
+            <a:schemeClr val="accent1"/>
+          </a:fillRef>
+          <a:effectRef idx="0">
+            <a:schemeClr val="accent1"/>
+          </a:effectRef>
+          <a:fontRef idx="minor">
+            <a:schemeClr val="tx1"/>
+          </a:fontRef>
+        </p:style>
+      </p:cxnSp>
+    </p:spTree>
+    <p:extLst>
+      <p:ext uri="{BB962C8B-B14F-4D97-AF65-F5344CB8AC3E}">
+        <p14:creationId xmlns:p14="http://schemas.microsoft.com/office/powerpoint/2010/main" val="1534516567"/>
+      </p:ext>
+    </p:extLst>
+  </p:cSld>
+  <p:clrMapOvr>
+    <a:masterClrMapping/>
+  </p:clrMapOvr>
+</p:sld>
+</file>
+
+<file path=ppt/slides/slide5.xml><?xml version="1.0" encoding="utf-8"?>
+<p:sld xmlns:a="http://schemas.openxmlformats.org/drawingml/2006/main" xmlns:r="http://schemas.openxmlformats.org/officeDocument/2006/relationships" xmlns:p="http://schemas.openxmlformats.org/presentationml/2006/main">
+  <p:cSld>
+    <p:spTree>
+      <p:nvGrpSpPr>
+        <p:cNvPr id="1" name=""/>
+        <p:cNvGrpSpPr/>
+        <p:nvPr/>
+      </p:nvGrpSpPr>
+      <p:grpSpPr>
+        <a:xfrm>
+          <a:off x="0" y="0"/>
+          <a:ext cx="0" cy="0"/>
+          <a:chOff x="0" y="0"/>
+          <a:chExt cx="0" cy="0"/>
+        </a:xfrm>
+      </p:grpSpPr>
+      <p:cxnSp>
+        <p:nvCxnSpPr>
+          <p:cNvPr id="25" name="Straight Arrow Connector 24">
+            <a:extLst>
+              <a:ext uri="{FF2B5EF4-FFF2-40B4-BE49-F238E27FC236}">
+                <a16:creationId xmlns:a16="http://schemas.microsoft.com/office/drawing/2014/main" id="{39880B52-D5F1-BF47-B072-00B9BB558B16}"/>
+              </a:ext>
+            </a:extLst>
+          </p:cNvPr>
+          <p:cNvCxnSpPr>
+            <a:cxnSpLocks/>
+            <a:endCxn id="48" idx="0"/>
+          </p:cNvCxnSpPr>
+          <p:nvPr/>
+        </p:nvCxnSpPr>
+        <p:spPr>
+          <a:xfrm flipH="1">
+            <a:off x="8773633" y="4808724"/>
+            <a:ext cx="392169" cy="349300"/>
+          </a:xfrm>
+          <a:prstGeom prst="straightConnector1">
+            <a:avLst/>
+          </a:prstGeom>
+          <a:ln>
+            <a:tailEnd type="triangle"/>
+          </a:ln>
+        </p:spPr>
+        <p:style>
+          <a:lnRef idx="1">
+            <a:schemeClr val="accent1"/>
+          </a:lnRef>
+          <a:fillRef idx="0">
+            <a:schemeClr val="accent1"/>
+          </a:fillRef>
+          <a:effectRef idx="0">
+            <a:schemeClr val="accent1"/>
+          </a:effectRef>
+          <a:fontRef idx="minor">
+            <a:schemeClr val="tx1"/>
+          </a:fontRef>
+        </p:style>
+      </p:cxnSp>
+      <p:sp>
+        <p:nvSpPr>
+          <p:cNvPr id="47" name="Oval 46">
+            <a:extLst>
+              <a:ext uri="{FF2B5EF4-FFF2-40B4-BE49-F238E27FC236}">
+                <a16:creationId xmlns:a16="http://schemas.microsoft.com/office/drawing/2014/main" id="{CF4FCB13-8D61-F84A-8B30-525F374D928A}"/>
+              </a:ext>
+            </a:extLst>
+          </p:cNvPr>
+          <p:cNvSpPr/>
+          <p:nvPr/>
+        </p:nvSpPr>
+        <p:spPr>
+          <a:xfrm>
+            <a:off x="4984983" y="4983374"/>
+            <a:ext cx="504497" cy="493986"/>
+          </a:xfrm>
+          <a:prstGeom prst="ellipse">
+            <a:avLst/>
+          </a:prstGeom>
+          <a:solidFill>
+            <a:schemeClr val="accent2"/>
+          </a:solidFill>
+        </p:spPr>
+        <p:style>
+          <a:lnRef idx="2">
+            <a:schemeClr val="accent1">
+              <a:shade val="50000"/>
+            </a:schemeClr>
+          </a:lnRef>
+          <a:fillRef idx="1">
+            <a:schemeClr val="accent1"/>
+          </a:fillRef>
+          <a:effectRef idx="0">
+            <a:schemeClr val="accent1"/>
+          </a:effectRef>
+          <a:fontRef idx="minor">
+            <a:schemeClr val="lt1"/>
+          </a:fontRef>
+        </p:style>
+        <p:txBody>
+          <a:bodyPr rtlCol="0" anchor="ctr"/>
+          <a:lstStyle/>
+          <a:p>
+            <a:pPr algn="ctr"/>
+            <a:r>
+              <a:rPr lang="en-BR" dirty="0"/>
+              <a:t>e</a:t>
+            </a:r>
+          </a:p>
+        </p:txBody>
+      </p:sp>
+      <p:sp>
+        <p:nvSpPr>
+          <p:cNvPr id="48" name="Oval 47">
+            <a:extLst>
+              <a:ext uri="{FF2B5EF4-FFF2-40B4-BE49-F238E27FC236}">
+                <a16:creationId xmlns:a16="http://schemas.microsoft.com/office/drawing/2014/main" id="{49E3CEDF-C0F4-BC4F-BD9B-0983E880A003}"/>
+              </a:ext>
+            </a:extLst>
+          </p:cNvPr>
+          <p:cNvSpPr/>
+          <p:nvPr/>
+        </p:nvSpPr>
+        <p:spPr>
+          <a:xfrm>
+            <a:off x="8521384" y="5158024"/>
+            <a:ext cx="504497" cy="493986"/>
+          </a:xfrm>
+          <a:prstGeom prst="ellipse">
+            <a:avLst/>
+          </a:prstGeom>
+          <a:solidFill>
+            <a:schemeClr val="accent1"/>
+          </a:solidFill>
+        </p:spPr>
+        <p:style>
+          <a:lnRef idx="2">
+            <a:schemeClr val="accent1">
+              <a:shade val="50000"/>
+            </a:schemeClr>
+          </a:lnRef>
+          <a:fillRef idx="1">
+            <a:schemeClr val="accent1"/>
+          </a:fillRef>
+          <a:effectRef idx="0">
+            <a:schemeClr val="accent1"/>
+          </a:effectRef>
+          <a:fontRef idx="minor">
+            <a:schemeClr val="lt1"/>
+          </a:fontRef>
+        </p:style>
+        <p:txBody>
+          <a:bodyPr rtlCol="0" anchor="ctr"/>
+          <a:lstStyle/>
+          <a:p>
+            <a:pPr algn="ctr"/>
+            <a:r>
+              <a:rPr lang="en-BR" dirty="0"/>
+              <a:t>5</a:t>
+            </a:r>
+          </a:p>
+        </p:txBody>
+      </p:sp>
+      <p:sp>
+        <p:nvSpPr>
+          <p:cNvPr id="57" name="Oval 56">
+            <a:extLst>
+              <a:ext uri="{FF2B5EF4-FFF2-40B4-BE49-F238E27FC236}">
+                <a16:creationId xmlns:a16="http://schemas.microsoft.com/office/drawing/2014/main" id="{1BA2F544-A0AA-E14E-A8DF-C3321A6A0981}"/>
+              </a:ext>
+            </a:extLst>
+          </p:cNvPr>
+          <p:cNvSpPr/>
+          <p:nvPr/>
+        </p:nvSpPr>
+        <p:spPr>
+          <a:xfrm>
+            <a:off x="5372404" y="4192849"/>
+            <a:ext cx="504497" cy="493986"/>
+          </a:xfrm>
+          <a:prstGeom prst="ellipse">
+            <a:avLst/>
+          </a:prstGeom>
+          <a:solidFill>
+            <a:schemeClr val="accent2"/>
+          </a:solidFill>
+        </p:spPr>
+        <p:style>
+          <a:lnRef idx="2">
+            <a:schemeClr val="accent1">
+              <a:shade val="50000"/>
+            </a:schemeClr>
+          </a:lnRef>
+          <a:fillRef idx="1">
+            <a:schemeClr val="accent1"/>
+          </a:fillRef>
+          <a:effectRef idx="0">
+            <a:schemeClr val="accent1"/>
+          </a:effectRef>
+          <a:fontRef idx="minor">
+            <a:schemeClr val="lt1"/>
+          </a:fontRef>
+        </p:style>
+        <p:txBody>
+          <a:bodyPr rtlCol="0" anchor="ctr"/>
+          <a:lstStyle/>
+          <a:p>
+            <a:pPr algn="ctr"/>
+            <a:r>
+              <a:rPr lang="en-BR" dirty="0"/>
+              <a:t>d</a:t>
+            </a:r>
+          </a:p>
+        </p:txBody>
+      </p:sp>
+      <p:sp>
+        <p:nvSpPr>
+          <p:cNvPr id="58" name="Oval 57">
+            <a:extLst>
+              <a:ext uri="{FF2B5EF4-FFF2-40B4-BE49-F238E27FC236}">
+                <a16:creationId xmlns:a16="http://schemas.microsoft.com/office/drawing/2014/main" id="{34EDA3B7-EA9B-9B42-983D-2D8827E9458B}"/>
+              </a:ext>
+            </a:extLst>
+          </p:cNvPr>
+          <p:cNvSpPr/>
+          <p:nvPr/>
+        </p:nvSpPr>
+        <p:spPr>
+          <a:xfrm>
+            <a:off x="4437292" y="4177431"/>
+            <a:ext cx="504497" cy="493986"/>
+          </a:xfrm>
+          <a:prstGeom prst="ellipse">
+            <a:avLst/>
+          </a:prstGeom>
+          <a:solidFill>
+            <a:schemeClr val="accent1"/>
+          </a:solidFill>
+        </p:spPr>
+        <p:style>
+          <a:lnRef idx="2">
+            <a:schemeClr val="accent1">
+              <a:shade val="50000"/>
+            </a:schemeClr>
+          </a:lnRef>
+          <a:fillRef idx="1">
+            <a:schemeClr val="accent1"/>
+          </a:fillRef>
+          <a:effectRef idx="0">
+            <a:schemeClr val="accent1"/>
+          </a:effectRef>
+          <a:fontRef idx="minor">
+            <a:schemeClr val="lt1"/>
+          </a:fontRef>
+        </p:style>
+        <p:txBody>
+          <a:bodyPr rtlCol="0" anchor="ctr"/>
+          <a:lstStyle/>
+          <a:p>
+            <a:pPr algn="ctr"/>
+            <a:r>
+              <a:rPr lang="en-BR" dirty="0"/>
+              <a:t>g</a:t>
+            </a:r>
+          </a:p>
+        </p:txBody>
+      </p:sp>
+      <p:cxnSp>
+        <p:nvCxnSpPr>
+          <p:cNvPr id="59" name="Straight Arrow Connector 58">
+            <a:extLst>
+              <a:ext uri="{FF2B5EF4-FFF2-40B4-BE49-F238E27FC236}">
+                <a16:creationId xmlns:a16="http://schemas.microsoft.com/office/drawing/2014/main" id="{595FEA3F-50B2-5C44-9A0E-5D7A8CD87322}"/>
+              </a:ext>
+            </a:extLst>
+          </p:cNvPr>
+          <p:cNvCxnSpPr>
+            <a:cxnSpLocks/>
+            <a:endCxn id="58" idx="0"/>
+          </p:cNvCxnSpPr>
+          <p:nvPr/>
+        </p:nvCxnSpPr>
+        <p:spPr>
+          <a:xfrm flipH="1">
+            <a:off x="4689541" y="4157688"/>
+            <a:ext cx="264087" cy="19743"/>
+          </a:xfrm>
+          <a:prstGeom prst="straightConnector1">
+            <a:avLst/>
+          </a:prstGeom>
+          <a:ln>
+            <a:tailEnd type="triangle"/>
+          </a:ln>
+        </p:spPr>
+        <p:style>
+          <a:lnRef idx="1">
+            <a:schemeClr val="accent1"/>
+          </a:lnRef>
+          <a:fillRef idx="0">
+            <a:schemeClr val="accent1"/>
+          </a:fillRef>
+          <a:effectRef idx="0">
+            <a:schemeClr val="accent1"/>
+          </a:effectRef>
+          <a:fontRef idx="minor">
+            <a:schemeClr val="tx1"/>
+          </a:fontRef>
+        </p:style>
+      </p:cxnSp>
+      <p:cxnSp>
+        <p:nvCxnSpPr>
+          <p:cNvPr id="62" name="Straight Arrow Connector 61">
+            <a:extLst>
+              <a:ext uri="{FF2B5EF4-FFF2-40B4-BE49-F238E27FC236}">
+                <a16:creationId xmlns:a16="http://schemas.microsoft.com/office/drawing/2014/main" id="{B852A668-DF73-8A46-870D-64C5E510AC9D}"/>
+              </a:ext>
+            </a:extLst>
+          </p:cNvPr>
+          <p:cNvCxnSpPr>
+            <a:cxnSpLocks/>
+            <a:endCxn id="57" idx="0"/>
+          </p:cNvCxnSpPr>
+          <p:nvPr/>
+        </p:nvCxnSpPr>
+        <p:spPr>
+          <a:xfrm>
+            <a:off x="5340765" y="4036331"/>
+            <a:ext cx="283888" cy="156518"/>
+          </a:xfrm>
+          <a:prstGeom prst="straightConnector1">
+            <a:avLst/>
+          </a:prstGeom>
+          <a:ln>
+            <a:tailEnd type="triangle"/>
+          </a:ln>
+        </p:spPr>
+        <p:style>
+          <a:lnRef idx="1">
+            <a:schemeClr val="accent1"/>
+          </a:lnRef>
+          <a:fillRef idx="0">
+            <a:schemeClr val="accent1"/>
+          </a:fillRef>
+          <a:effectRef idx="0">
+            <a:schemeClr val="accent1"/>
+          </a:effectRef>
+          <a:fontRef idx="minor">
+            <a:schemeClr val="tx1"/>
+          </a:fontRef>
+        </p:style>
+      </p:cxnSp>
+      <p:sp>
+        <p:nvSpPr>
+          <p:cNvPr id="49" name="Oval 48">
+            <a:extLst>
+              <a:ext uri="{FF2B5EF4-FFF2-40B4-BE49-F238E27FC236}">
+                <a16:creationId xmlns:a16="http://schemas.microsoft.com/office/drawing/2014/main" id="{E769299B-FEE4-B746-96A4-72F145595F93}"/>
+              </a:ext>
+            </a:extLst>
+          </p:cNvPr>
+          <p:cNvSpPr/>
+          <p:nvPr/>
+        </p:nvSpPr>
+        <p:spPr>
+          <a:xfrm>
+            <a:off x="5819135" y="4998792"/>
+            <a:ext cx="504497" cy="493986"/>
+          </a:xfrm>
+          <a:prstGeom prst="ellipse">
+            <a:avLst/>
+          </a:prstGeom>
+          <a:solidFill>
+            <a:schemeClr val="accent1"/>
+          </a:solidFill>
+        </p:spPr>
+        <p:style>
+          <a:lnRef idx="2">
+            <a:schemeClr val="accent1">
+              <a:shade val="50000"/>
+            </a:schemeClr>
+          </a:lnRef>
+          <a:fillRef idx="1">
+            <a:schemeClr val="accent1"/>
+          </a:fillRef>
+          <a:effectRef idx="0">
+            <a:schemeClr val="accent1"/>
+          </a:effectRef>
+          <a:fontRef idx="minor">
+            <a:schemeClr val="lt1"/>
+          </a:fontRef>
+        </p:style>
+        <p:txBody>
+          <a:bodyPr rtlCol="0" anchor="ctr"/>
+          <a:lstStyle/>
+          <a:p>
+            <a:pPr algn="ctr"/>
+            <a:r>
+              <a:rPr lang="en-BR" dirty="0"/>
+              <a:t>c’</a:t>
+            </a:r>
+          </a:p>
+        </p:txBody>
+      </p:sp>
+      <p:cxnSp>
+        <p:nvCxnSpPr>
+          <p:cNvPr id="50" name="Straight Arrow Connector 49">
+            <a:extLst>
+              <a:ext uri="{FF2B5EF4-FFF2-40B4-BE49-F238E27FC236}">
+                <a16:creationId xmlns:a16="http://schemas.microsoft.com/office/drawing/2014/main" id="{6EC907A5-2D92-4E45-A055-46DFE69FCA33}"/>
+              </a:ext>
+            </a:extLst>
+          </p:cNvPr>
+          <p:cNvCxnSpPr>
+            <a:cxnSpLocks/>
+            <a:stCxn id="57" idx="3"/>
+            <a:endCxn id="47" idx="0"/>
+          </p:cNvCxnSpPr>
+          <p:nvPr/>
+        </p:nvCxnSpPr>
+        <p:spPr>
+          <a:xfrm flipH="1">
+            <a:off x="5237232" y="4614492"/>
+            <a:ext cx="209054" cy="368882"/>
+          </a:xfrm>
+          <a:prstGeom prst="straightConnector1">
+            <a:avLst/>
+          </a:prstGeom>
+          <a:ln>
+            <a:tailEnd type="triangle"/>
+          </a:ln>
+        </p:spPr>
+        <p:style>
+          <a:lnRef idx="1">
+            <a:schemeClr val="accent1"/>
+          </a:lnRef>
+          <a:fillRef idx="0">
+            <a:schemeClr val="accent1"/>
+          </a:fillRef>
+          <a:effectRef idx="0">
+            <a:schemeClr val="accent1"/>
+          </a:effectRef>
+          <a:fontRef idx="minor">
+            <a:schemeClr val="tx1"/>
+          </a:fontRef>
+        </p:style>
+      </p:cxnSp>
+      <p:cxnSp>
+        <p:nvCxnSpPr>
+          <p:cNvPr id="53" name="Straight Arrow Connector 52">
+            <a:extLst>
+              <a:ext uri="{FF2B5EF4-FFF2-40B4-BE49-F238E27FC236}">
+                <a16:creationId xmlns:a16="http://schemas.microsoft.com/office/drawing/2014/main" id="{1D4D17BB-A959-1044-A2AF-35CB43FC4C04}"/>
+              </a:ext>
+            </a:extLst>
+          </p:cNvPr>
+          <p:cNvCxnSpPr>
+            <a:cxnSpLocks/>
+            <a:stCxn id="57" idx="5"/>
+            <a:endCxn id="49" idx="0"/>
+          </p:cNvCxnSpPr>
+          <p:nvPr/>
+        </p:nvCxnSpPr>
+        <p:spPr>
+          <a:xfrm>
+            <a:off x="5803019" y="4614492"/>
+            <a:ext cx="268365" cy="384300"/>
+          </a:xfrm>
+          <a:prstGeom prst="straightConnector1">
+            <a:avLst/>
+          </a:prstGeom>
+          <a:ln>
+            <a:tailEnd type="triangle"/>
+          </a:ln>
+        </p:spPr>
+        <p:style>
+          <a:lnRef idx="1">
+            <a:schemeClr val="accent1"/>
+          </a:lnRef>
+          <a:fillRef idx="0">
+            <a:schemeClr val="accent1"/>
+          </a:fillRef>
+          <a:effectRef idx="0">
+            <a:schemeClr val="accent1"/>
+          </a:effectRef>
+          <a:fontRef idx="minor">
+            <a:schemeClr val="tx1"/>
+          </a:fontRef>
+        </p:style>
+      </p:cxnSp>
+      <p:sp>
+        <p:nvSpPr>
+          <p:cNvPr id="61" name="Oval 60">
+            <a:extLst>
+              <a:ext uri="{FF2B5EF4-FFF2-40B4-BE49-F238E27FC236}">
+                <a16:creationId xmlns:a16="http://schemas.microsoft.com/office/drawing/2014/main" id="{223B4FDE-0C3E-EC40-9A2E-C74813E3405B}"/>
+              </a:ext>
+            </a:extLst>
+          </p:cNvPr>
+          <p:cNvSpPr/>
+          <p:nvPr/>
+        </p:nvSpPr>
+        <p:spPr>
+          <a:xfrm>
+            <a:off x="4177031" y="5754424"/>
+            <a:ext cx="504497" cy="493986"/>
+          </a:xfrm>
+          <a:prstGeom prst="ellipse">
+            <a:avLst/>
+          </a:prstGeom>
+          <a:solidFill>
+            <a:schemeClr val="accent1"/>
+          </a:solidFill>
+        </p:spPr>
+        <p:style>
+          <a:lnRef idx="2">
+            <a:schemeClr val="accent1">
+              <a:shade val="50000"/>
+            </a:schemeClr>
+          </a:lnRef>
+          <a:fillRef idx="1">
+            <a:schemeClr val="accent1"/>
+          </a:fillRef>
+          <a:effectRef idx="0">
+            <a:schemeClr val="accent1"/>
+          </a:effectRef>
+          <a:fontRef idx="minor">
+            <a:schemeClr val="lt1"/>
+          </a:fontRef>
+        </p:style>
+        <p:txBody>
+          <a:bodyPr rtlCol="0" anchor="ctr"/>
+          <a:lstStyle/>
+          <a:p>
+            <a:pPr algn="ctr"/>
+            <a:r>
+              <a:rPr lang="en-BR" sz="1200" dirty="0"/>
+              <a:t>f’’</a:t>
+            </a:r>
+          </a:p>
+        </p:txBody>
+      </p:sp>
+      <p:sp>
+        <p:nvSpPr>
+          <p:cNvPr id="63" name="Oval 62">
+            <a:extLst>
+              <a:ext uri="{FF2B5EF4-FFF2-40B4-BE49-F238E27FC236}">
+                <a16:creationId xmlns:a16="http://schemas.microsoft.com/office/drawing/2014/main" id="{13860F92-EAE8-3F40-B150-30F90890DAD0}"/>
+              </a:ext>
+            </a:extLst>
+          </p:cNvPr>
+          <p:cNvSpPr/>
+          <p:nvPr/>
+        </p:nvSpPr>
+        <p:spPr>
+          <a:xfrm>
+            <a:off x="4891188" y="5763051"/>
+            <a:ext cx="504497" cy="493986"/>
+          </a:xfrm>
+          <a:prstGeom prst="ellipse">
+            <a:avLst/>
+          </a:prstGeom>
+          <a:solidFill>
+            <a:schemeClr val="accent1"/>
+          </a:solidFill>
+        </p:spPr>
+        <p:style>
+          <a:lnRef idx="2">
+            <a:schemeClr val="accent1">
+              <a:shade val="50000"/>
+            </a:schemeClr>
+          </a:lnRef>
+          <a:fillRef idx="1">
+            <a:schemeClr val="accent1"/>
+          </a:fillRef>
+          <a:effectRef idx="0">
+            <a:schemeClr val="accent1"/>
+          </a:effectRef>
+          <a:fontRef idx="minor">
+            <a:schemeClr val="lt1"/>
+          </a:fontRef>
+        </p:style>
+        <p:txBody>
+          <a:bodyPr rtlCol="0" anchor="ctr"/>
+          <a:lstStyle/>
+          <a:p>
+            <a:pPr algn="ctr"/>
+            <a:r>
+              <a:rPr lang="en-BR" sz="1200" dirty="0"/>
+              <a:t>m</a:t>
+            </a:r>
+          </a:p>
+        </p:txBody>
+      </p:sp>
+      <p:sp>
+        <p:nvSpPr>
+          <p:cNvPr id="64" name="Oval 63">
+            <a:extLst>
+              <a:ext uri="{FF2B5EF4-FFF2-40B4-BE49-F238E27FC236}">
+                <a16:creationId xmlns:a16="http://schemas.microsoft.com/office/drawing/2014/main" id="{84705C60-E158-A74D-A001-459234438427}"/>
+              </a:ext>
+            </a:extLst>
+          </p:cNvPr>
+          <p:cNvSpPr/>
+          <p:nvPr/>
+        </p:nvSpPr>
+        <p:spPr>
+          <a:xfrm>
+            <a:off x="5631853" y="5763051"/>
+            <a:ext cx="504497" cy="493986"/>
+          </a:xfrm>
+          <a:prstGeom prst="ellipse">
+            <a:avLst/>
+          </a:prstGeom>
+          <a:solidFill>
+            <a:schemeClr val="accent2"/>
+          </a:solidFill>
+        </p:spPr>
+        <p:style>
+          <a:lnRef idx="2">
+            <a:schemeClr val="accent1">
+              <a:shade val="50000"/>
+            </a:schemeClr>
+          </a:lnRef>
+          <a:fillRef idx="1">
+            <a:schemeClr val="accent1"/>
+          </a:fillRef>
+          <a:effectRef idx="0">
+            <a:schemeClr val="accent1"/>
+          </a:effectRef>
+          <a:fontRef idx="minor">
+            <a:schemeClr val="lt1"/>
+          </a:fontRef>
+        </p:style>
+        <p:txBody>
+          <a:bodyPr rtlCol="0" anchor="ctr"/>
+          <a:lstStyle/>
+          <a:p>
+            <a:pPr algn="ctr"/>
+            <a:r>
+              <a:rPr lang="en-BR" sz="1200" dirty="0"/>
+              <a:t>i</a:t>
+            </a:r>
+          </a:p>
+        </p:txBody>
+      </p:sp>
+      <p:cxnSp>
+        <p:nvCxnSpPr>
+          <p:cNvPr id="66" name="Straight Arrow Connector 65">
+            <a:extLst>
+              <a:ext uri="{FF2B5EF4-FFF2-40B4-BE49-F238E27FC236}">
+                <a16:creationId xmlns:a16="http://schemas.microsoft.com/office/drawing/2014/main" id="{A4928102-6F8C-FA48-A310-2240773E7E74}"/>
+              </a:ext>
+            </a:extLst>
+          </p:cNvPr>
+          <p:cNvCxnSpPr>
+            <a:cxnSpLocks/>
+            <a:stCxn id="47" idx="2"/>
+            <a:endCxn id="61" idx="0"/>
+          </p:cNvCxnSpPr>
+          <p:nvPr/>
+        </p:nvCxnSpPr>
+        <p:spPr>
+          <a:xfrm flipH="1">
+            <a:off x="4429280" y="5230367"/>
+            <a:ext cx="555703" cy="524057"/>
+          </a:xfrm>
+          <a:prstGeom prst="straightConnector1">
+            <a:avLst/>
+          </a:prstGeom>
+          <a:ln>
+            <a:tailEnd type="triangle"/>
+          </a:ln>
+        </p:spPr>
+        <p:style>
+          <a:lnRef idx="1">
+            <a:schemeClr val="accent1"/>
+          </a:lnRef>
+          <a:fillRef idx="0">
+            <a:schemeClr val="accent1"/>
+          </a:fillRef>
+          <a:effectRef idx="0">
+            <a:schemeClr val="accent1"/>
+          </a:effectRef>
+          <a:fontRef idx="minor">
+            <a:schemeClr val="tx1"/>
+          </a:fontRef>
+        </p:style>
+      </p:cxnSp>
+      <p:cxnSp>
+        <p:nvCxnSpPr>
+          <p:cNvPr id="67" name="Straight Arrow Connector 66">
+            <a:extLst>
+              <a:ext uri="{FF2B5EF4-FFF2-40B4-BE49-F238E27FC236}">
+                <a16:creationId xmlns:a16="http://schemas.microsoft.com/office/drawing/2014/main" id="{2C103032-7A9D-984D-B4E9-FE6A9F18D683}"/>
+              </a:ext>
+            </a:extLst>
+          </p:cNvPr>
+          <p:cNvCxnSpPr>
+            <a:cxnSpLocks/>
+            <a:stCxn id="47" idx="3"/>
+            <a:endCxn id="63" idx="0"/>
+          </p:cNvCxnSpPr>
+          <p:nvPr/>
+        </p:nvCxnSpPr>
+        <p:spPr>
+          <a:xfrm>
+            <a:off x="5058865" y="5405017"/>
+            <a:ext cx="84572" cy="358034"/>
+          </a:xfrm>
+          <a:prstGeom prst="straightConnector1">
+            <a:avLst/>
+          </a:prstGeom>
+          <a:ln>
+            <a:tailEnd type="triangle"/>
+          </a:ln>
+        </p:spPr>
+        <p:style>
+          <a:lnRef idx="1">
+            <a:schemeClr val="accent1"/>
+          </a:lnRef>
+          <a:fillRef idx="0">
+            <a:schemeClr val="accent1"/>
+          </a:fillRef>
+          <a:effectRef idx="0">
+            <a:schemeClr val="accent1"/>
+          </a:effectRef>
+          <a:fontRef idx="minor">
+            <a:schemeClr val="tx1"/>
+          </a:fontRef>
+        </p:style>
+      </p:cxnSp>
+      <p:cxnSp>
+        <p:nvCxnSpPr>
+          <p:cNvPr id="69" name="Straight Arrow Connector 68">
+            <a:extLst>
+              <a:ext uri="{FF2B5EF4-FFF2-40B4-BE49-F238E27FC236}">
+                <a16:creationId xmlns:a16="http://schemas.microsoft.com/office/drawing/2014/main" id="{0CAE4E76-F432-6142-94EF-149F3BD281B4}"/>
+              </a:ext>
+            </a:extLst>
+          </p:cNvPr>
+          <p:cNvCxnSpPr>
+            <a:cxnSpLocks/>
+            <a:stCxn id="47" idx="5"/>
+            <a:endCxn id="64" idx="0"/>
+          </p:cNvCxnSpPr>
+          <p:nvPr/>
+        </p:nvCxnSpPr>
+        <p:spPr>
+          <a:xfrm>
+            <a:off x="5415598" y="5405017"/>
+            <a:ext cx="468504" cy="358034"/>
+          </a:xfrm>
+          <a:prstGeom prst="straightConnector1">
+            <a:avLst/>
+          </a:prstGeom>
+          <a:ln>
+            <a:tailEnd type="triangle"/>
+          </a:ln>
+        </p:spPr>
+        <p:style>
+          <a:lnRef idx="1">
+            <a:schemeClr val="accent1"/>
+          </a:lnRef>
+          <a:fillRef idx="0">
+            <a:schemeClr val="accent1"/>
+          </a:fillRef>
+          <a:effectRef idx="0">
+            <a:schemeClr val="accent1"/>
+          </a:effectRef>
+          <a:fontRef idx="minor">
+            <a:schemeClr val="tx1"/>
+          </a:fontRef>
+        </p:style>
+      </p:cxnSp>
+      <p:sp>
+        <p:nvSpPr>
+          <p:cNvPr id="73" name="Oval 72">
+            <a:extLst>
+              <a:ext uri="{FF2B5EF4-FFF2-40B4-BE49-F238E27FC236}">
+                <a16:creationId xmlns:a16="http://schemas.microsoft.com/office/drawing/2014/main" id="{D60B9A0F-1D66-EE42-A8A4-10820CA47EB8}"/>
+              </a:ext>
+            </a:extLst>
+          </p:cNvPr>
+          <p:cNvSpPr/>
+          <p:nvPr/>
+        </p:nvSpPr>
+        <p:spPr>
+          <a:xfrm>
+            <a:off x="2605914" y="1131379"/>
+            <a:ext cx="504497" cy="493986"/>
+          </a:xfrm>
+          <a:prstGeom prst="ellipse">
+            <a:avLst/>
+          </a:prstGeom>
+          <a:solidFill>
+            <a:schemeClr val="accent2"/>
+          </a:solidFill>
+        </p:spPr>
+        <p:style>
+          <a:lnRef idx="2">
+            <a:schemeClr val="accent1">
+              <a:shade val="50000"/>
+            </a:schemeClr>
+          </a:lnRef>
+          <a:fillRef idx="1">
+            <a:schemeClr val="accent1"/>
+          </a:fillRef>
+          <a:effectRef idx="0">
+            <a:schemeClr val="accent1"/>
+          </a:effectRef>
+          <a:fontRef idx="minor">
+            <a:schemeClr val="lt1"/>
+          </a:fontRef>
+        </p:style>
+        <p:txBody>
+          <a:bodyPr rtlCol="0" anchor="ctr"/>
+          <a:lstStyle/>
+          <a:p>
+            <a:pPr algn="ctr"/>
+            <a:r>
+              <a:rPr lang="en-BR" sz="1200" dirty="0"/>
+              <a:t>4</a:t>
+            </a:r>
+          </a:p>
+        </p:txBody>
+      </p:sp>
+      <p:sp>
+        <p:nvSpPr>
+          <p:cNvPr id="81" name="Oval 80">
+            <a:extLst>
+              <a:ext uri="{FF2B5EF4-FFF2-40B4-BE49-F238E27FC236}">
+                <a16:creationId xmlns:a16="http://schemas.microsoft.com/office/drawing/2014/main" id="{B86117E4-5563-1E4F-8A7B-3124E9A266B6}"/>
+              </a:ext>
+            </a:extLst>
+          </p:cNvPr>
+          <p:cNvSpPr/>
+          <p:nvPr/>
+        </p:nvSpPr>
+        <p:spPr>
+          <a:xfrm>
+            <a:off x="1659039" y="3012775"/>
+            <a:ext cx="504497" cy="493986"/>
+          </a:xfrm>
+          <a:prstGeom prst="ellipse">
+            <a:avLst/>
+          </a:prstGeom>
+          <a:solidFill>
+            <a:schemeClr val="accent1"/>
+          </a:solidFill>
+        </p:spPr>
+        <p:style>
+          <a:lnRef idx="2">
+            <a:schemeClr val="accent1">
+              <a:shade val="50000"/>
+            </a:schemeClr>
+          </a:lnRef>
+          <a:fillRef idx="1">
+            <a:schemeClr val="accent1"/>
+          </a:fillRef>
+          <a:effectRef idx="0">
+            <a:schemeClr val="accent1"/>
+          </a:effectRef>
+          <a:fontRef idx="minor">
+            <a:schemeClr val="lt1"/>
+          </a:fontRef>
+        </p:style>
+        <p:txBody>
+          <a:bodyPr rtlCol="0" anchor="ctr"/>
+          <a:lstStyle/>
+          <a:p>
+            <a:pPr algn="ctr"/>
+            <a:r>
+              <a:rPr lang="en-BR" sz="1200" dirty="0"/>
+              <a:t>4</a:t>
+            </a:r>
+          </a:p>
+        </p:txBody>
+      </p:sp>
+      <p:sp>
+        <p:nvSpPr>
+          <p:cNvPr id="82" name="Oval 81">
+            <a:extLst>
+              <a:ext uri="{FF2B5EF4-FFF2-40B4-BE49-F238E27FC236}">
+                <a16:creationId xmlns:a16="http://schemas.microsoft.com/office/drawing/2014/main" id="{27EB01D3-7CC4-9D48-BF1F-50A89ACC8EFF}"/>
+              </a:ext>
+            </a:extLst>
+          </p:cNvPr>
+          <p:cNvSpPr/>
+          <p:nvPr/>
+        </p:nvSpPr>
+        <p:spPr>
+          <a:xfrm>
+            <a:off x="2869190" y="3137429"/>
+            <a:ext cx="504497" cy="493986"/>
+          </a:xfrm>
+          <a:prstGeom prst="ellipse">
+            <a:avLst/>
+          </a:prstGeom>
+          <a:solidFill>
+            <a:schemeClr val="accent1"/>
+          </a:solidFill>
+        </p:spPr>
+        <p:style>
+          <a:lnRef idx="2">
+            <a:schemeClr val="accent1">
+              <a:shade val="50000"/>
+            </a:schemeClr>
+          </a:lnRef>
+          <a:fillRef idx="1">
+            <a:schemeClr val="accent1"/>
+          </a:fillRef>
+          <a:effectRef idx="0">
+            <a:schemeClr val="accent1"/>
+          </a:effectRef>
+          <a:fontRef idx="minor">
+            <a:schemeClr val="lt1"/>
+          </a:fontRef>
+        </p:style>
+        <p:txBody>
+          <a:bodyPr rtlCol="0" anchor="ctr"/>
+          <a:lstStyle/>
+          <a:p>
+            <a:pPr algn="ctr"/>
+            <a:r>
+              <a:rPr lang="en-BR" sz="1200" dirty="0"/>
+              <a:t>5</a:t>
+            </a:r>
+          </a:p>
+        </p:txBody>
+      </p:sp>
+      <p:sp>
+        <p:nvSpPr>
+          <p:cNvPr id="83" name="Oval 82">
+            <a:extLst>
+              <a:ext uri="{FF2B5EF4-FFF2-40B4-BE49-F238E27FC236}">
+                <a16:creationId xmlns:a16="http://schemas.microsoft.com/office/drawing/2014/main" id="{B3090B98-9109-A240-BA69-D8345B251770}"/>
+              </a:ext>
+            </a:extLst>
+          </p:cNvPr>
+          <p:cNvSpPr/>
+          <p:nvPr/>
+        </p:nvSpPr>
+        <p:spPr>
+          <a:xfrm>
+            <a:off x="3616651" y="3100571"/>
+            <a:ext cx="504497" cy="493986"/>
+          </a:xfrm>
+          <a:prstGeom prst="ellipse">
+            <a:avLst/>
+          </a:prstGeom>
+          <a:solidFill>
+            <a:schemeClr val="accent2"/>
+          </a:solidFill>
+        </p:spPr>
+        <p:style>
+          <a:lnRef idx="2">
+            <a:schemeClr val="accent1">
+              <a:shade val="50000"/>
+            </a:schemeClr>
+          </a:lnRef>
+          <a:fillRef idx="1">
+            <a:schemeClr val="accent1"/>
+          </a:fillRef>
+          <a:effectRef idx="0">
+            <a:schemeClr val="accent1"/>
+          </a:effectRef>
+          <a:fontRef idx="minor">
+            <a:schemeClr val="lt1"/>
+          </a:fontRef>
+        </p:style>
+        <p:txBody>
+          <a:bodyPr rtlCol="0" anchor="ctr"/>
+          <a:lstStyle/>
+          <a:p>
+            <a:pPr algn="ctr"/>
+            <a:r>
+              <a:rPr lang="en-BR" sz="1200" dirty="0"/>
+              <a:t>5</a:t>
+            </a:r>
+          </a:p>
+        </p:txBody>
+      </p:sp>
+      <p:cxnSp>
+        <p:nvCxnSpPr>
+          <p:cNvPr id="84" name="Straight Arrow Connector 83">
+            <a:extLst>
+              <a:ext uri="{FF2B5EF4-FFF2-40B4-BE49-F238E27FC236}">
+                <a16:creationId xmlns:a16="http://schemas.microsoft.com/office/drawing/2014/main" id="{D940EC12-7981-7E40-824B-91C84443ECBB}"/>
+              </a:ext>
+            </a:extLst>
+          </p:cNvPr>
+          <p:cNvCxnSpPr>
+            <a:cxnSpLocks/>
+            <a:stCxn id="73" idx="3"/>
+            <a:endCxn id="81" idx="0"/>
+          </p:cNvCxnSpPr>
+          <p:nvPr/>
+        </p:nvCxnSpPr>
+        <p:spPr>
+          <a:xfrm flipH="1">
+            <a:off x="1911288" y="1553022"/>
+            <a:ext cx="768508" cy="1459753"/>
+          </a:xfrm>
+          <a:prstGeom prst="straightConnector1">
+            <a:avLst/>
+          </a:prstGeom>
+          <a:ln>
+            <a:tailEnd type="triangle"/>
+          </a:ln>
+        </p:spPr>
+        <p:style>
+          <a:lnRef idx="1">
+            <a:schemeClr val="accent1"/>
+          </a:lnRef>
+          <a:fillRef idx="0">
+            <a:schemeClr val="accent1"/>
+          </a:fillRef>
+          <a:effectRef idx="0">
+            <a:schemeClr val="accent1"/>
+          </a:effectRef>
+          <a:fontRef idx="minor">
+            <a:schemeClr val="tx1"/>
+          </a:fontRef>
+        </p:style>
+      </p:cxnSp>
+      <p:cxnSp>
+        <p:nvCxnSpPr>
+          <p:cNvPr id="85" name="Straight Arrow Connector 84">
+            <a:extLst>
+              <a:ext uri="{FF2B5EF4-FFF2-40B4-BE49-F238E27FC236}">
+                <a16:creationId xmlns:a16="http://schemas.microsoft.com/office/drawing/2014/main" id="{6E3BB60F-FC7C-B34F-AF63-32D98297AA5B}"/>
+              </a:ext>
+            </a:extLst>
+          </p:cNvPr>
+          <p:cNvCxnSpPr>
+            <a:cxnSpLocks/>
+            <a:stCxn id="73" idx="4"/>
+            <a:endCxn id="82" idx="0"/>
+          </p:cNvCxnSpPr>
+          <p:nvPr/>
+        </p:nvCxnSpPr>
+        <p:spPr>
+          <a:xfrm>
+            <a:off x="2858163" y="1625365"/>
+            <a:ext cx="263276" cy="1512064"/>
+          </a:xfrm>
+          <a:prstGeom prst="straightConnector1">
+            <a:avLst/>
+          </a:prstGeom>
+          <a:ln>
+            <a:tailEnd type="triangle"/>
+          </a:ln>
+        </p:spPr>
+        <p:style>
+          <a:lnRef idx="1">
+            <a:schemeClr val="accent1"/>
+          </a:lnRef>
+          <a:fillRef idx="0">
+            <a:schemeClr val="accent1"/>
+          </a:fillRef>
+          <a:effectRef idx="0">
+            <a:schemeClr val="accent1"/>
+          </a:effectRef>
+          <a:fontRef idx="minor">
+            <a:schemeClr val="tx1"/>
+          </a:fontRef>
+        </p:style>
+      </p:cxnSp>
+      <p:cxnSp>
+        <p:nvCxnSpPr>
+          <p:cNvPr id="86" name="Straight Arrow Connector 85">
+            <a:extLst>
+              <a:ext uri="{FF2B5EF4-FFF2-40B4-BE49-F238E27FC236}">
+                <a16:creationId xmlns:a16="http://schemas.microsoft.com/office/drawing/2014/main" id="{BD21921D-BD8A-2841-8B31-614BE2D00D13}"/>
+              </a:ext>
+            </a:extLst>
+          </p:cNvPr>
+          <p:cNvCxnSpPr>
+            <a:cxnSpLocks/>
+            <a:stCxn id="73" idx="5"/>
+            <a:endCxn id="83" idx="0"/>
+          </p:cNvCxnSpPr>
+          <p:nvPr/>
+        </p:nvCxnSpPr>
+        <p:spPr>
+          <a:xfrm>
+            <a:off x="3036529" y="1553022"/>
+            <a:ext cx="832371" cy="1547549"/>
+          </a:xfrm>
+          <a:prstGeom prst="straightConnector1">
+            <a:avLst/>
+          </a:prstGeom>
+          <a:ln>
+            <a:tailEnd type="triangle"/>
+          </a:ln>
+        </p:spPr>
+        <p:style>
+          <a:lnRef idx="1">
+            <a:schemeClr val="accent1"/>
+          </a:lnRef>
+          <a:fillRef idx="0">
+            <a:schemeClr val="accent1"/>
+          </a:fillRef>
+          <a:effectRef idx="0">
+            <a:schemeClr val="accent1"/>
+          </a:effectRef>
+          <a:fontRef idx="minor">
+            <a:schemeClr val="tx1"/>
+          </a:fontRef>
+        </p:style>
+      </p:cxnSp>
+      <p:sp>
+        <p:nvSpPr>
+          <p:cNvPr id="94" name="Oval 93">
+            <a:extLst>
+              <a:ext uri="{FF2B5EF4-FFF2-40B4-BE49-F238E27FC236}">
+                <a16:creationId xmlns:a16="http://schemas.microsoft.com/office/drawing/2014/main" id="{DC943467-1BC7-2143-8F0A-8A3B1322787A}"/>
+              </a:ext>
+            </a:extLst>
+          </p:cNvPr>
+          <p:cNvSpPr/>
+          <p:nvPr/>
+        </p:nvSpPr>
+        <p:spPr>
+          <a:xfrm>
+            <a:off x="3236670" y="5390472"/>
+            <a:ext cx="504497" cy="493986"/>
+          </a:xfrm>
+          <a:prstGeom prst="ellipse">
+            <a:avLst/>
+          </a:prstGeom>
+          <a:solidFill>
+            <a:schemeClr val="accent2"/>
+          </a:solidFill>
+        </p:spPr>
+        <p:style>
+          <a:lnRef idx="2">
+            <a:schemeClr val="accent1">
+              <a:shade val="50000"/>
+            </a:schemeClr>
+          </a:lnRef>
+          <a:fillRef idx="1">
+            <a:schemeClr val="accent1"/>
+          </a:fillRef>
+          <a:effectRef idx="0">
+            <a:schemeClr val="accent1"/>
+          </a:effectRef>
+          <a:fontRef idx="minor">
+            <a:schemeClr val="lt1"/>
+          </a:fontRef>
+        </p:style>
+        <p:txBody>
+          <a:bodyPr rtlCol="0" anchor="ctr"/>
+          <a:lstStyle/>
+          <a:p>
+            <a:pPr algn="ctr"/>
+            <a:r>
+              <a:rPr lang="en-BR" sz="1200" dirty="0"/>
+              <a:t>m’</a:t>
+            </a:r>
+          </a:p>
+        </p:txBody>
+      </p:sp>
+      <p:sp>
+        <p:nvSpPr>
+          <p:cNvPr id="98" name="Oval 97">
+            <a:extLst>
+              <a:ext uri="{FF2B5EF4-FFF2-40B4-BE49-F238E27FC236}">
+                <a16:creationId xmlns:a16="http://schemas.microsoft.com/office/drawing/2014/main" id="{DBB1433E-1119-6043-A897-CA37E3BD2661}"/>
+              </a:ext>
+            </a:extLst>
+          </p:cNvPr>
+          <p:cNvSpPr/>
+          <p:nvPr/>
+        </p:nvSpPr>
+        <p:spPr>
+          <a:xfrm>
+            <a:off x="2407282" y="6239783"/>
+            <a:ext cx="504497" cy="493986"/>
+          </a:xfrm>
+          <a:prstGeom prst="ellipse">
+            <a:avLst/>
+          </a:prstGeom>
+          <a:solidFill>
+            <a:schemeClr val="accent2"/>
+          </a:solidFill>
+        </p:spPr>
+        <p:style>
+          <a:lnRef idx="2">
+            <a:schemeClr val="accent1">
+              <a:shade val="50000"/>
+            </a:schemeClr>
+          </a:lnRef>
+          <a:fillRef idx="1">
+            <a:schemeClr val="accent1"/>
+          </a:fillRef>
+          <a:effectRef idx="0">
+            <a:schemeClr val="accent1"/>
+          </a:effectRef>
+          <a:fontRef idx="minor">
+            <a:schemeClr val="lt1"/>
+          </a:fontRef>
+        </p:style>
+        <p:txBody>
+          <a:bodyPr rtlCol="0" anchor="ctr"/>
+          <a:lstStyle/>
+          <a:p>
+            <a:pPr algn="ctr"/>
+            <a:r>
+              <a:rPr lang="en-BR" sz="1200" dirty="0"/>
+              <a:t>x</a:t>
+            </a:r>
+          </a:p>
+        </p:txBody>
+      </p:sp>
+      <p:sp>
+        <p:nvSpPr>
+          <p:cNvPr id="99" name="Oval 98">
+            <a:extLst>
+              <a:ext uri="{FF2B5EF4-FFF2-40B4-BE49-F238E27FC236}">
+                <a16:creationId xmlns:a16="http://schemas.microsoft.com/office/drawing/2014/main" id="{6B51593B-6C5B-0E4A-860F-0BA211B7885B}"/>
+              </a:ext>
+            </a:extLst>
+          </p:cNvPr>
+          <p:cNvSpPr/>
+          <p:nvPr/>
+        </p:nvSpPr>
+        <p:spPr>
+          <a:xfrm>
+            <a:off x="3121439" y="6248410"/>
+            <a:ext cx="504497" cy="493986"/>
+          </a:xfrm>
+          <a:prstGeom prst="ellipse">
+            <a:avLst/>
+          </a:prstGeom>
+          <a:solidFill>
+            <a:schemeClr val="accent1"/>
+          </a:solidFill>
+        </p:spPr>
+        <p:style>
+          <a:lnRef idx="2">
+            <a:schemeClr val="accent1">
+              <a:shade val="50000"/>
+            </a:schemeClr>
+          </a:lnRef>
+          <a:fillRef idx="1">
+            <a:schemeClr val="accent1"/>
+          </a:fillRef>
+          <a:effectRef idx="0">
+            <a:schemeClr val="accent1"/>
+          </a:effectRef>
+          <a:fontRef idx="minor">
+            <a:schemeClr val="lt1"/>
+          </a:fontRef>
+        </p:style>
+        <p:txBody>
+          <a:bodyPr rtlCol="0" anchor="ctr"/>
+          <a:lstStyle/>
+          <a:p>
+            <a:pPr algn="ctr"/>
+            <a:r>
+              <a:rPr lang="en-BR" sz="1200" dirty="0"/>
+              <a:t>e</a:t>
+            </a:r>
+          </a:p>
+        </p:txBody>
+      </p:sp>
+      <p:cxnSp>
+        <p:nvCxnSpPr>
+          <p:cNvPr id="100" name="Straight Arrow Connector 99">
+            <a:extLst>
+              <a:ext uri="{FF2B5EF4-FFF2-40B4-BE49-F238E27FC236}">
+                <a16:creationId xmlns:a16="http://schemas.microsoft.com/office/drawing/2014/main" id="{97D559C4-E5FD-DE47-8B44-CDA1C848084A}"/>
+              </a:ext>
+            </a:extLst>
+          </p:cNvPr>
+          <p:cNvCxnSpPr>
+            <a:cxnSpLocks/>
+            <a:stCxn id="94" idx="2"/>
+            <a:endCxn id="98" idx="0"/>
+          </p:cNvCxnSpPr>
+          <p:nvPr/>
+        </p:nvCxnSpPr>
+        <p:spPr>
+          <a:xfrm flipH="1">
+            <a:off x="2659531" y="5637465"/>
+            <a:ext cx="577139" cy="602318"/>
+          </a:xfrm>
+          <a:prstGeom prst="straightConnector1">
+            <a:avLst/>
+          </a:prstGeom>
+          <a:ln>
+            <a:tailEnd type="triangle"/>
+          </a:ln>
+        </p:spPr>
+        <p:style>
+          <a:lnRef idx="1">
+            <a:schemeClr val="accent1"/>
+          </a:lnRef>
+          <a:fillRef idx="0">
+            <a:schemeClr val="accent1"/>
+          </a:fillRef>
+          <a:effectRef idx="0">
+            <a:schemeClr val="accent1"/>
+          </a:effectRef>
+          <a:fontRef idx="minor">
+            <a:schemeClr val="tx1"/>
+          </a:fontRef>
+        </p:style>
+      </p:cxnSp>
+      <p:cxnSp>
+        <p:nvCxnSpPr>
+          <p:cNvPr id="103" name="Straight Arrow Connector 102">
+            <a:extLst>
+              <a:ext uri="{FF2B5EF4-FFF2-40B4-BE49-F238E27FC236}">
+                <a16:creationId xmlns:a16="http://schemas.microsoft.com/office/drawing/2014/main" id="{E8ECD4B5-0797-9F40-BBB2-228B49053B38}"/>
+              </a:ext>
+            </a:extLst>
+          </p:cNvPr>
+          <p:cNvCxnSpPr>
+            <a:cxnSpLocks/>
+            <a:stCxn id="94" idx="4"/>
+            <a:endCxn id="99" idx="0"/>
+          </p:cNvCxnSpPr>
+          <p:nvPr/>
+        </p:nvCxnSpPr>
+        <p:spPr>
+          <a:xfrm flipH="1">
+            <a:off x="3373688" y="5884458"/>
+            <a:ext cx="115231" cy="363952"/>
+          </a:xfrm>
+          <a:prstGeom prst="straightConnector1">
+            <a:avLst/>
+          </a:prstGeom>
+          <a:ln>
+            <a:tailEnd type="triangle"/>
+          </a:ln>
+        </p:spPr>
+        <p:style>
+          <a:lnRef idx="1">
+            <a:schemeClr val="accent1"/>
+          </a:lnRef>
+          <a:fillRef idx="0">
+            <a:schemeClr val="accent1"/>
+          </a:fillRef>
+          <a:effectRef idx="0">
+            <a:schemeClr val="accent1"/>
+          </a:effectRef>
+          <a:fontRef idx="minor">
+            <a:schemeClr val="tx1"/>
+          </a:fontRef>
+        </p:style>
+      </p:cxnSp>
+      <p:sp>
+        <p:nvSpPr>
+          <p:cNvPr id="9" name="TextBox 8">
+            <a:extLst>
+              <a:ext uri="{FF2B5EF4-FFF2-40B4-BE49-F238E27FC236}">
+                <a16:creationId xmlns:a16="http://schemas.microsoft.com/office/drawing/2014/main" id="{7BA05FFB-4AA2-ED48-8419-C510B27F48C9}"/>
+              </a:ext>
+            </a:extLst>
+          </p:cNvPr>
+          <p:cNvSpPr txBox="1"/>
+          <p:nvPr/>
+        </p:nvSpPr>
+        <p:spPr>
+          <a:xfrm>
+            <a:off x="3431303" y="2138233"/>
+            <a:ext cx="655436" cy="369332"/>
+          </a:xfrm>
+          <a:prstGeom prst="rect">
+            <a:avLst/>
+          </a:prstGeom>
+          <a:noFill/>
+        </p:spPr>
+        <p:txBody>
+          <a:bodyPr wrap="none" rtlCol="0">
+            <a:spAutoFit/>
+          </a:bodyPr>
+          <a:lstStyle/>
+          <a:p>
+            <a:r>
+              <a:rPr lang="en-BR" dirty="0"/>
+              <a:t>atual</a:t>
+            </a:r>
+          </a:p>
+        </p:txBody>
+      </p:sp>
+      <p:sp>
+        <p:nvSpPr>
+          <p:cNvPr id="14" name="TextBox 13">
+            <a:extLst>
+              <a:ext uri="{FF2B5EF4-FFF2-40B4-BE49-F238E27FC236}">
+                <a16:creationId xmlns:a16="http://schemas.microsoft.com/office/drawing/2014/main" id="{BD265824-0F67-3F48-85AE-27CC61719956}"/>
+              </a:ext>
+            </a:extLst>
+          </p:cNvPr>
+          <p:cNvSpPr txBox="1"/>
+          <p:nvPr/>
+        </p:nvSpPr>
+        <p:spPr>
+          <a:xfrm>
+            <a:off x="1027340" y="3137429"/>
+            <a:ext cx="599651" cy="369332"/>
+          </a:xfrm>
+          <a:prstGeom prst="rect">
+            <a:avLst/>
+          </a:prstGeom>
+          <a:noFill/>
+        </p:spPr>
+        <p:txBody>
+          <a:bodyPr wrap="none" rtlCol="0">
+            <a:spAutoFit/>
+          </a:bodyPr>
+          <a:lstStyle/>
+          <a:p>
+            <a:r>
+              <a:rPr lang="en-BR" dirty="0"/>
+              <a:t>prox</a:t>
+            </a:r>
+          </a:p>
+        </p:txBody>
+      </p:sp>
+      <p:cxnSp>
+        <p:nvCxnSpPr>
+          <p:cNvPr id="34" name="Straight Connector 33">
+            <a:extLst>
+              <a:ext uri="{FF2B5EF4-FFF2-40B4-BE49-F238E27FC236}">
+                <a16:creationId xmlns:a16="http://schemas.microsoft.com/office/drawing/2014/main" id="{4E4B90DB-1308-EF43-B690-BAE5D8D039E9}"/>
+              </a:ext>
+            </a:extLst>
+          </p:cNvPr>
+          <p:cNvCxnSpPr/>
+          <p:nvPr/>
+        </p:nvCxnSpPr>
+        <p:spPr>
+          <a:xfrm>
+            <a:off x="6653287" y="294290"/>
+            <a:ext cx="0" cy="3058510"/>
+          </a:xfrm>
+          <a:prstGeom prst="line">
+            <a:avLst/>
+          </a:prstGeom>
+        </p:spPr>
+        <p:style>
+          <a:lnRef idx="1">
+            <a:schemeClr val="accent1"/>
+          </a:lnRef>
+          <a:fillRef idx="0">
+            <a:schemeClr val="accent1"/>
+          </a:fillRef>
+          <a:effectRef idx="0">
+            <a:schemeClr val="accent1"/>
+          </a:effectRef>
+          <a:fontRef idx="minor">
+            <a:schemeClr val="tx1"/>
+          </a:fontRef>
+        </p:style>
+      </p:cxnSp>
+      <p:cxnSp>
+        <p:nvCxnSpPr>
+          <p:cNvPr id="36" name="Straight Connector 35">
+            <a:extLst>
+              <a:ext uri="{FF2B5EF4-FFF2-40B4-BE49-F238E27FC236}">
+                <a16:creationId xmlns:a16="http://schemas.microsoft.com/office/drawing/2014/main" id="{8CD97C54-B06D-1A41-8D33-FB87A2934B31}"/>
+              </a:ext>
+            </a:extLst>
+          </p:cNvPr>
+          <p:cNvCxnSpPr/>
+          <p:nvPr/>
+        </p:nvCxnSpPr>
+        <p:spPr>
+          <a:xfrm flipV="1">
+            <a:off x="6526924" y="3100571"/>
+            <a:ext cx="4897821" cy="36858"/>
+          </a:xfrm>
+          <a:prstGeom prst="line">
+            <a:avLst/>
+          </a:prstGeom>
+        </p:spPr>
+        <p:style>
+          <a:lnRef idx="1">
+            <a:schemeClr val="accent1"/>
+          </a:lnRef>
+          <a:fillRef idx="0">
+            <a:schemeClr val="accent1"/>
+          </a:fillRef>
+          <a:effectRef idx="0">
+            <a:schemeClr val="accent1"/>
+          </a:effectRef>
+          <a:fontRef idx="minor">
+            <a:schemeClr val="tx1"/>
+          </a:fontRef>
+        </p:style>
+      </p:cxnSp>
+      <p:sp>
+        <p:nvSpPr>
+          <p:cNvPr id="37" name="Freeform 36">
+            <a:extLst>
+              <a:ext uri="{FF2B5EF4-FFF2-40B4-BE49-F238E27FC236}">
+                <a16:creationId xmlns:a16="http://schemas.microsoft.com/office/drawing/2014/main" id="{941C9F93-8462-344A-92DB-10113161E32A}"/>
+              </a:ext>
+            </a:extLst>
+          </p:cNvPr>
+          <p:cNvSpPr/>
+          <p:nvPr/>
+        </p:nvSpPr>
+        <p:spPr>
+          <a:xfrm>
+            <a:off x="6800193" y="378230"/>
+            <a:ext cx="4698124" cy="2729916"/>
+          </a:xfrm>
+          <a:custGeom>
+            <a:avLst/>
+            <a:gdLst>
+              <a:gd name="connsiteX0" fmla="*/ 0 w 4698124"/>
+              <a:gd name="connsiteY0" fmla="*/ 2575177 h 2729916"/>
+              <a:gd name="connsiteX1" fmla="*/ 483476 w 4698124"/>
+              <a:gd name="connsiteY1" fmla="*/ 798929 h 2729916"/>
+              <a:gd name="connsiteX2" fmla="*/ 599090 w 4698124"/>
+              <a:gd name="connsiteY2" fmla="*/ 641273 h 2729916"/>
+              <a:gd name="connsiteX3" fmla="*/ 1135117 w 4698124"/>
+              <a:gd name="connsiteY3" fmla="*/ 1492611 h 2729916"/>
+              <a:gd name="connsiteX4" fmla="*/ 1492469 w 4698124"/>
+              <a:gd name="connsiteY4" fmla="*/ 704336 h 2729916"/>
+              <a:gd name="connsiteX5" fmla="*/ 1797269 w 4698124"/>
+              <a:gd name="connsiteY5" fmla="*/ 21163 h 2729916"/>
+              <a:gd name="connsiteX6" fmla="*/ 2722179 w 4698124"/>
+              <a:gd name="connsiteY6" fmla="*/ 1534653 h 2729916"/>
+              <a:gd name="connsiteX7" fmla="*/ 3100552 w 4698124"/>
+              <a:gd name="connsiteY7" fmla="*/ 2091701 h 2729916"/>
+              <a:gd name="connsiteX8" fmla="*/ 3773214 w 4698124"/>
+              <a:gd name="connsiteY8" fmla="*/ 21163 h 2729916"/>
+              <a:gd name="connsiteX9" fmla="*/ 4393324 w 4698124"/>
+              <a:gd name="connsiteY9" fmla="*/ 2711811 h 2729916"/>
+              <a:gd name="connsiteX10" fmla="*/ 4698124 w 4698124"/>
+              <a:gd name="connsiteY10" fmla="*/ 988115 h 2729916"/>
+            </a:gdLst>
+            <a:ahLst/>
+            <a:cxnLst>
+              <a:cxn ang="0">
+                <a:pos x="connsiteX0" y="connsiteY0"/>
+              </a:cxn>
+              <a:cxn ang="0">
+                <a:pos x="connsiteX1" y="connsiteY1"/>
+              </a:cxn>
+              <a:cxn ang="0">
+                <a:pos x="connsiteX2" y="connsiteY2"/>
+              </a:cxn>
+              <a:cxn ang="0">
+                <a:pos x="connsiteX3" y="connsiteY3"/>
+              </a:cxn>
+              <a:cxn ang="0">
+                <a:pos x="connsiteX4" y="connsiteY4"/>
+              </a:cxn>
+              <a:cxn ang="0">
+                <a:pos x="connsiteX5" y="connsiteY5"/>
+              </a:cxn>
+              <a:cxn ang="0">
+                <a:pos x="connsiteX6" y="connsiteY6"/>
+              </a:cxn>
+              <a:cxn ang="0">
+                <a:pos x="connsiteX7" y="connsiteY7"/>
+              </a:cxn>
+              <a:cxn ang="0">
+                <a:pos x="connsiteX8" y="connsiteY8"/>
+              </a:cxn>
+              <a:cxn ang="0">
+                <a:pos x="connsiteX9" y="connsiteY9"/>
+              </a:cxn>
+              <a:cxn ang="0">
+                <a:pos x="connsiteX10" y="connsiteY10"/>
+              </a:cxn>
+            </a:cxnLst>
+            <a:rect l="l" t="t" r="r" b="b"/>
+            <a:pathLst>
+              <a:path w="4698124" h="2729916">
+                <a:moveTo>
+                  <a:pt x="0" y="2575177"/>
+                </a:moveTo>
+                <a:cubicBezTo>
+                  <a:pt x="191814" y="1848211"/>
+                  <a:pt x="383628" y="1121246"/>
+                  <a:pt x="483476" y="798929"/>
+                </a:cubicBezTo>
+                <a:cubicBezTo>
+                  <a:pt x="583324" y="476612"/>
+                  <a:pt x="490483" y="525659"/>
+                  <a:pt x="599090" y="641273"/>
+                </a:cubicBezTo>
+                <a:cubicBezTo>
+                  <a:pt x="707697" y="756887"/>
+                  <a:pt x="986220" y="1482100"/>
+                  <a:pt x="1135117" y="1492611"/>
+                </a:cubicBezTo>
+                <a:cubicBezTo>
+                  <a:pt x="1284014" y="1503122"/>
+                  <a:pt x="1382110" y="949577"/>
+                  <a:pt x="1492469" y="704336"/>
+                </a:cubicBezTo>
+                <a:cubicBezTo>
+                  <a:pt x="1602828" y="459095"/>
+                  <a:pt x="1592317" y="-117223"/>
+                  <a:pt x="1797269" y="21163"/>
+                </a:cubicBezTo>
+                <a:cubicBezTo>
+                  <a:pt x="2002221" y="159549"/>
+                  <a:pt x="2504965" y="1189563"/>
+                  <a:pt x="2722179" y="1534653"/>
+                </a:cubicBezTo>
+                <a:cubicBezTo>
+                  <a:pt x="2939393" y="1879743"/>
+                  <a:pt x="2925380" y="2343949"/>
+                  <a:pt x="3100552" y="2091701"/>
+                </a:cubicBezTo>
+                <a:cubicBezTo>
+                  <a:pt x="3275724" y="1839453"/>
+                  <a:pt x="3557752" y="-82189"/>
+                  <a:pt x="3773214" y="21163"/>
+                </a:cubicBezTo>
+                <a:cubicBezTo>
+                  <a:pt x="3988676" y="124515"/>
+                  <a:pt x="4239172" y="2550652"/>
+                  <a:pt x="4393324" y="2711811"/>
+                </a:cubicBezTo>
+                <a:cubicBezTo>
+                  <a:pt x="4547476" y="2872970"/>
+                  <a:pt x="4622800" y="1930542"/>
+                  <a:pt x="4698124" y="988115"/>
+                </a:cubicBezTo>
+              </a:path>
+            </a:pathLst>
+          </a:custGeom>
+          <a:noFill/>
+        </p:spPr>
+        <p:style>
+          <a:lnRef idx="2">
+            <a:schemeClr val="accent1">
+              <a:shade val="50000"/>
+            </a:schemeClr>
+          </a:lnRef>
+          <a:fillRef idx="1">
+            <a:schemeClr val="accent1"/>
+          </a:fillRef>
+          <a:effectRef idx="0">
+            <a:schemeClr val="accent1"/>
+          </a:effectRef>
+          <a:fontRef idx="minor">
+            <a:schemeClr val="lt1"/>
+          </a:fontRef>
+        </p:style>
+        <p:txBody>
+          <a:bodyPr rtlCol="0" anchor="ctr"/>
+          <a:lstStyle/>
+          <a:p>
+            <a:pPr algn="ctr"/>
+            <a:endParaRPr lang="en-BR"/>
+          </a:p>
+        </p:txBody>
+      </p:sp>
+      <p:sp>
+        <p:nvSpPr>
+          <p:cNvPr id="38" name="TextBox 37">
+            <a:extLst>
+              <a:ext uri="{FF2B5EF4-FFF2-40B4-BE49-F238E27FC236}">
+                <a16:creationId xmlns:a16="http://schemas.microsoft.com/office/drawing/2014/main" id="{4AAA7D75-C927-BC44-B287-8C6C4404F3DB}"/>
+              </a:ext>
+            </a:extLst>
+          </p:cNvPr>
+          <p:cNvSpPr txBox="1"/>
+          <p:nvPr/>
+        </p:nvSpPr>
+        <p:spPr>
+          <a:xfrm>
+            <a:off x="8166538" y="3352800"/>
+            <a:ext cx="1608967" cy="369332"/>
+          </a:xfrm>
+          <a:prstGeom prst="rect">
+            <a:avLst/>
+          </a:prstGeom>
+          <a:noFill/>
+        </p:spPr>
+        <p:txBody>
+          <a:bodyPr wrap="none" rtlCol="0">
+            <a:spAutoFit/>
+          </a:bodyPr>
+          <a:lstStyle/>
+          <a:p>
+            <a:r>
+              <a:rPr lang="en-BR" dirty="0"/>
+              <a:t>estados válidos</a:t>
+            </a:r>
+          </a:p>
+        </p:txBody>
+      </p:sp>
+      <p:sp>
+        <p:nvSpPr>
+          <p:cNvPr id="76" name="TextBox 75">
+            <a:extLst>
+              <a:ext uri="{FF2B5EF4-FFF2-40B4-BE49-F238E27FC236}">
+                <a16:creationId xmlns:a16="http://schemas.microsoft.com/office/drawing/2014/main" id="{676223E2-7957-284B-85BD-93039E6FDBA9}"/>
+              </a:ext>
+            </a:extLst>
+          </p:cNvPr>
+          <p:cNvSpPr txBox="1"/>
+          <p:nvPr/>
+        </p:nvSpPr>
+        <p:spPr>
+          <a:xfrm>
+            <a:off x="5803019" y="1440699"/>
+            <a:ext cx="569387" cy="369332"/>
+          </a:xfrm>
+          <a:prstGeom prst="rect">
+            <a:avLst/>
+          </a:prstGeom>
+          <a:noFill/>
+        </p:spPr>
+        <p:txBody>
+          <a:bodyPr wrap="none" rtlCol="0">
+            <a:spAutoFit/>
+          </a:bodyPr>
+          <a:lstStyle/>
+          <a:p>
+            <a:r>
+              <a:rPr lang="en-BR" dirty="0"/>
+              <a:t>h(n)</a:t>
+            </a:r>
+          </a:p>
+        </p:txBody>
+      </p:sp>
+      <p:cxnSp>
+        <p:nvCxnSpPr>
+          <p:cNvPr id="40" name="Straight Arrow Connector 39">
+            <a:extLst>
+              <a:ext uri="{FF2B5EF4-FFF2-40B4-BE49-F238E27FC236}">
+                <a16:creationId xmlns:a16="http://schemas.microsoft.com/office/drawing/2014/main" id="{6BE3701F-CF0D-624E-BD11-8A996B4B580D}"/>
+              </a:ext>
+            </a:extLst>
+          </p:cNvPr>
+          <p:cNvCxnSpPr>
+            <a:endCxn id="37" idx="9"/>
+          </p:cNvCxnSpPr>
+          <p:nvPr/>
+        </p:nvCxnSpPr>
+        <p:spPr>
+          <a:xfrm flipH="1" flipV="1">
+            <a:off x="11193517" y="3090041"/>
+            <a:ext cx="84083" cy="541374"/>
+          </a:xfrm>
+          <a:prstGeom prst="straightConnector1">
+            <a:avLst/>
+          </a:prstGeom>
+          <a:ln>
+            <a:tailEnd type="triangle"/>
+          </a:ln>
+        </p:spPr>
+        <p:style>
+          <a:lnRef idx="1">
+            <a:schemeClr val="accent1"/>
+          </a:lnRef>
+          <a:fillRef idx="0">
+            <a:schemeClr val="accent1"/>
+          </a:fillRef>
+          <a:effectRef idx="0">
+            <a:schemeClr val="accent1"/>
+          </a:effectRef>
+          <a:fontRef idx="minor">
+            <a:schemeClr val="tx1"/>
+          </a:fontRef>
+        </p:style>
+      </p:cxnSp>
+      <p:sp>
+        <p:nvSpPr>
+          <p:cNvPr id="41" name="Oval 40">
+            <a:extLst>
+              <a:ext uri="{FF2B5EF4-FFF2-40B4-BE49-F238E27FC236}">
+                <a16:creationId xmlns:a16="http://schemas.microsoft.com/office/drawing/2014/main" id="{7FD26CA5-7F9B-2E40-93B1-62738929A08C}"/>
+              </a:ext>
+            </a:extLst>
+          </p:cNvPr>
+          <p:cNvSpPr/>
+          <p:nvPr/>
+        </p:nvSpPr>
+        <p:spPr>
+          <a:xfrm>
+            <a:off x="11119945" y="2991922"/>
+            <a:ext cx="157655" cy="232448"/>
+          </a:xfrm>
+          <a:prstGeom prst="ellipse">
+            <a:avLst/>
+          </a:prstGeom>
+        </p:spPr>
+        <p:style>
+          <a:lnRef idx="2">
+            <a:schemeClr val="accent1">
+              <a:shade val="50000"/>
+            </a:schemeClr>
+          </a:lnRef>
+          <a:fillRef idx="1">
+            <a:schemeClr val="accent1"/>
+          </a:fillRef>
+          <a:effectRef idx="0">
+            <a:schemeClr val="accent1"/>
+          </a:effectRef>
+          <a:fontRef idx="minor">
+            <a:schemeClr val="lt1"/>
+          </a:fontRef>
+        </p:style>
+        <p:txBody>
+          <a:bodyPr rtlCol="0" anchor="ctr"/>
+          <a:lstStyle/>
+          <a:p>
+            <a:pPr algn="ctr"/>
+            <a:endParaRPr lang="en-BR"/>
+          </a:p>
+        </p:txBody>
+      </p:sp>
+    </p:spTree>
+    <p:extLst>
+      <p:ext uri="{BB962C8B-B14F-4D97-AF65-F5344CB8AC3E}">
+        <p14:creationId xmlns:p14="http://schemas.microsoft.com/office/powerpoint/2010/main" val="2047703064"/>
+      </p:ext>
+    </p:extLst>
+  </p:cSld>
+  <p:clrMapOvr>
+    <a:masterClrMapping/>
+  </p:clrMapOvr>
+</p:sld>
+</file>
+
+<file path=ppt/slides/slide6.xml><?xml version="1.0" encoding="utf-8"?>
+<p:sld xmlns:a="http://schemas.openxmlformats.org/drawingml/2006/main" xmlns:r="http://schemas.openxmlformats.org/officeDocument/2006/relationships" xmlns:p="http://schemas.openxmlformats.org/presentationml/2006/main">
+  <p:cSld>
+    <p:spTree>
+      <p:nvGrpSpPr>
+        <p:cNvPr id="1" name=""/>
+        <p:cNvGrpSpPr/>
+        <p:nvPr/>
+      </p:nvGrpSpPr>
+      <p:grpSpPr>
+        <a:xfrm>
+          <a:off x="0" y="0"/>
+          <a:ext cx="0" cy="0"/>
+          <a:chOff x="0" y="0"/>
+          <a:chExt cx="0" cy="0"/>
+        </a:xfrm>
+      </p:grpSpPr>
+      <p:graphicFrame>
+        <p:nvGraphicFramePr>
+          <p:cNvPr id="4" name="Table 3">
+            <a:extLst>
+              <a:ext uri="{FF2B5EF4-FFF2-40B4-BE49-F238E27FC236}">
+                <a16:creationId xmlns:a16="http://schemas.microsoft.com/office/drawing/2014/main" id="{44A28566-ACB5-EC49-9354-BF20D52005B0}"/>
+              </a:ext>
+            </a:extLst>
+          </p:cNvPr>
+          <p:cNvGraphicFramePr>
+            <a:graphicFrameLocks noGrp="1"/>
+          </p:cNvGraphicFramePr>
+          <p:nvPr>
+            <p:extLst>
+              <p:ext uri="{D42A27DB-BD31-4B8C-83A1-F6EECF244321}">
+                <p14:modId xmlns:p14="http://schemas.microsoft.com/office/powerpoint/2010/main" val="1889333191"/>
+              </p:ext>
+            </p:extLst>
+          </p:nvPr>
+        </p:nvGraphicFramePr>
+        <p:xfrm>
+          <a:off x="1001986" y="667114"/>
+          <a:ext cx="2340303" cy="1112520"/>
+        </p:xfrm>
+        <a:graphic>
+          <a:graphicData uri="http://schemas.openxmlformats.org/drawingml/2006/table">
+            <a:tbl>
+              <a:tblPr firstRow="1" bandRow="1">
+                <a:tableStyleId>{2D5ABB26-0587-4C30-8999-92F81FD0307C}</a:tableStyleId>
+              </a:tblPr>
+              <a:tblGrid>
+                <a:gridCol w="780101">
+                  <a:extLst>
+                    <a:ext uri="{9D8B030D-6E8A-4147-A177-3AD203B41FA5}">
+                      <a16:colId xmlns:a16="http://schemas.microsoft.com/office/drawing/2014/main" val="1900006839"/>
+                    </a:ext>
+                  </a:extLst>
+                </a:gridCol>
+                <a:gridCol w="780101">
+                  <a:extLst>
+                    <a:ext uri="{9D8B030D-6E8A-4147-A177-3AD203B41FA5}">
+                      <a16:colId xmlns:a16="http://schemas.microsoft.com/office/drawing/2014/main" val="1064533548"/>
+                    </a:ext>
+                  </a:extLst>
+                </a:gridCol>
+                <a:gridCol w="780101">
+                  <a:extLst>
+                    <a:ext uri="{9D8B030D-6E8A-4147-A177-3AD203B41FA5}">
+                      <a16:colId xmlns:a16="http://schemas.microsoft.com/office/drawing/2014/main" val="2807085731"/>
+                    </a:ext>
+                  </a:extLst>
+                </a:gridCol>
+              </a:tblGrid>
+              <a:tr h="370840">
+                <a:tc>
+                  <a:txBody>
+                    <a:bodyPr/>
+                    <a:lstStyle/>
+                    <a:p>
+                      <a:r>
+                        <a:rPr lang="en-BR" dirty="0"/>
+                        <a:t>1</a:t>
+                      </a:r>
+                    </a:p>
+                  </a:txBody>
+                  <a:tcPr/>
+                </a:tc>
+                <a:tc>
+                  <a:txBody>
+                    <a:bodyPr/>
+                    <a:lstStyle/>
+                    <a:p>
+                      <a:r>
+                        <a:rPr lang="en-BR" dirty="0"/>
+                        <a:t>2</a:t>
+                      </a:r>
+                    </a:p>
+                  </a:txBody>
+                  <a:tcPr/>
+                </a:tc>
+                <a:tc>
+                  <a:txBody>
+                    <a:bodyPr/>
+                    <a:lstStyle/>
+                    <a:p>
+                      <a:r>
+                        <a:rPr lang="en-BR" dirty="0"/>
+                        <a:t>3</a:t>
+                      </a:r>
+                    </a:p>
+                  </a:txBody>
+                  <a:tcPr/>
+                </a:tc>
+                <a:extLst>
+                  <a:ext uri="{0D108BD9-81ED-4DB2-BD59-A6C34878D82A}">
+                    <a16:rowId xmlns:a16="http://schemas.microsoft.com/office/drawing/2014/main" val="4294419625"/>
+                  </a:ext>
+                </a:extLst>
+              </a:tr>
+              <a:tr h="370840">
+                <a:tc>
+                  <a:txBody>
+                    <a:bodyPr/>
+                    <a:lstStyle/>
+                    <a:p>
+                      <a:r>
+                        <a:rPr lang="en-BR" dirty="0"/>
+                        <a:t>4</a:t>
+                      </a:r>
+                    </a:p>
+                  </a:txBody>
+                  <a:tcPr/>
+                </a:tc>
+                <a:tc>
+                  <a:txBody>
+                    <a:bodyPr/>
+                    <a:lstStyle/>
+                    <a:p>
+                      <a:r>
+                        <a:rPr lang="en-BR" dirty="0"/>
+                        <a:t>5</a:t>
+                      </a:r>
+                    </a:p>
+                  </a:txBody>
+                  <a:tcPr/>
+                </a:tc>
+                <a:tc>
+                  <a:txBody>
+                    <a:bodyPr/>
+                    <a:lstStyle/>
+                    <a:p>
+                      <a:r>
+                        <a:rPr lang="en-BR" dirty="0"/>
+                        <a:t>6</a:t>
+                      </a:r>
+                    </a:p>
+                  </a:txBody>
+                  <a:tcPr/>
+                </a:tc>
+                <a:extLst>
+                  <a:ext uri="{0D108BD9-81ED-4DB2-BD59-A6C34878D82A}">
+                    <a16:rowId xmlns:a16="http://schemas.microsoft.com/office/drawing/2014/main" val="2238476561"/>
+                  </a:ext>
+                </a:extLst>
+              </a:tr>
+              <a:tr h="370840">
+                <a:tc>
+                  <a:txBody>
+                    <a:bodyPr/>
+                    <a:lstStyle/>
+                    <a:p>
+                      <a:r>
+                        <a:rPr lang="en-BR" dirty="0"/>
+                        <a:t>0</a:t>
+                      </a:r>
+                    </a:p>
+                  </a:txBody>
+                  <a:tcPr/>
+                </a:tc>
+                <a:tc>
+                  <a:txBody>
+                    <a:bodyPr/>
+                    <a:lstStyle/>
+                    <a:p>
+                      <a:r>
+                        <a:rPr lang="en-BR" dirty="0"/>
+                        <a:t>7</a:t>
+                      </a:r>
+                    </a:p>
+                  </a:txBody>
+                  <a:tcPr/>
+                </a:tc>
+                <a:tc>
+                  <a:txBody>
+                    <a:bodyPr/>
+                    <a:lstStyle/>
+                    <a:p>
+                      <a:r>
+                        <a:rPr lang="en-BR" dirty="0"/>
+                        <a:t>8</a:t>
+                      </a:r>
+                    </a:p>
+                  </a:txBody>
+                  <a:tcPr/>
+                </a:tc>
+                <a:extLst>
+                  <a:ext uri="{0D108BD9-81ED-4DB2-BD59-A6C34878D82A}">
+                    <a16:rowId xmlns:a16="http://schemas.microsoft.com/office/drawing/2014/main" val="1514955567"/>
+                  </a:ext>
+                </a:extLst>
+              </a:tr>
+            </a:tbl>
+          </a:graphicData>
+        </a:graphic>
+      </p:graphicFrame>
+      <p:graphicFrame>
+        <p:nvGraphicFramePr>
+          <p:cNvPr id="5" name="Table 4">
+            <a:extLst>
+              <a:ext uri="{FF2B5EF4-FFF2-40B4-BE49-F238E27FC236}">
+                <a16:creationId xmlns:a16="http://schemas.microsoft.com/office/drawing/2014/main" id="{8324846E-636D-F54B-BB58-7840F4C4AF10}"/>
+              </a:ext>
+            </a:extLst>
+          </p:cNvPr>
+          <p:cNvGraphicFramePr>
+            <a:graphicFrameLocks noGrp="1"/>
+          </p:cNvGraphicFramePr>
+          <p:nvPr>
+            <p:extLst>
+              <p:ext uri="{D42A27DB-BD31-4B8C-83A1-F6EECF244321}">
+                <p14:modId xmlns:p14="http://schemas.microsoft.com/office/powerpoint/2010/main" val="2072571590"/>
+              </p:ext>
+            </p:extLst>
+          </p:nvPr>
+        </p:nvGraphicFramePr>
+        <p:xfrm>
+          <a:off x="4612289" y="4750383"/>
+          <a:ext cx="2340303" cy="1112520"/>
+        </p:xfrm>
+        <a:graphic>
+          <a:graphicData uri="http://schemas.openxmlformats.org/drawingml/2006/table">
+            <a:tbl>
+              <a:tblPr firstRow="1" bandRow="1">
+                <a:tableStyleId>{2D5ABB26-0587-4C30-8999-92F81FD0307C}</a:tableStyleId>
+              </a:tblPr>
+              <a:tblGrid>
+                <a:gridCol w="780101">
+                  <a:extLst>
+                    <a:ext uri="{9D8B030D-6E8A-4147-A177-3AD203B41FA5}">
+                      <a16:colId xmlns:a16="http://schemas.microsoft.com/office/drawing/2014/main" val="1900006839"/>
+                    </a:ext>
+                  </a:extLst>
+                </a:gridCol>
+                <a:gridCol w="780101">
+                  <a:extLst>
+                    <a:ext uri="{9D8B030D-6E8A-4147-A177-3AD203B41FA5}">
+                      <a16:colId xmlns:a16="http://schemas.microsoft.com/office/drawing/2014/main" val="1064533548"/>
+                    </a:ext>
+                  </a:extLst>
+                </a:gridCol>
+                <a:gridCol w="780101">
+                  <a:extLst>
+                    <a:ext uri="{9D8B030D-6E8A-4147-A177-3AD203B41FA5}">
+                      <a16:colId xmlns:a16="http://schemas.microsoft.com/office/drawing/2014/main" val="2807085731"/>
+                    </a:ext>
+                  </a:extLst>
+                </a:gridCol>
+              </a:tblGrid>
+              <a:tr h="370840">
+                <a:tc>
+                  <a:txBody>
+                    <a:bodyPr/>
+                    <a:lstStyle/>
+                    <a:p>
+                      <a:r>
+                        <a:rPr lang="en-BR" dirty="0"/>
+                        <a:t>1</a:t>
+                      </a:r>
+                    </a:p>
+                  </a:txBody>
+                  <a:tcPr/>
+                </a:tc>
+                <a:tc>
+                  <a:txBody>
+                    <a:bodyPr/>
+                    <a:lstStyle/>
+                    <a:p>
+                      <a:r>
+                        <a:rPr lang="en-BR" dirty="0"/>
+                        <a:t>2</a:t>
+                      </a:r>
+                    </a:p>
+                  </a:txBody>
+                  <a:tcPr/>
+                </a:tc>
+                <a:tc>
+                  <a:txBody>
+                    <a:bodyPr/>
+                    <a:lstStyle/>
+                    <a:p>
+                      <a:r>
+                        <a:rPr lang="en-BR" dirty="0"/>
+                        <a:t>3</a:t>
+                      </a:r>
+                    </a:p>
+                  </a:txBody>
+                  <a:tcPr/>
+                </a:tc>
+                <a:extLst>
+                  <a:ext uri="{0D108BD9-81ED-4DB2-BD59-A6C34878D82A}">
+                    <a16:rowId xmlns:a16="http://schemas.microsoft.com/office/drawing/2014/main" val="4294419625"/>
+                  </a:ext>
+                </a:extLst>
+              </a:tr>
+              <a:tr h="370840">
+                <a:tc>
+                  <a:txBody>
+                    <a:bodyPr/>
+                    <a:lstStyle/>
+                    <a:p>
+                      <a:r>
+                        <a:rPr lang="en-BR" dirty="0"/>
+                        <a:t>4</a:t>
+                      </a:r>
+                    </a:p>
+                  </a:txBody>
+                  <a:tcPr/>
+                </a:tc>
+                <a:tc>
+                  <a:txBody>
+                    <a:bodyPr/>
+                    <a:lstStyle/>
+                    <a:p>
+                      <a:r>
+                        <a:rPr lang="en-BR" dirty="0"/>
+                        <a:t>5</a:t>
+                      </a:r>
+                    </a:p>
+                  </a:txBody>
+                  <a:tcPr/>
+                </a:tc>
+                <a:tc>
+                  <a:txBody>
+                    <a:bodyPr/>
+                    <a:lstStyle/>
+                    <a:p>
+                      <a:r>
+                        <a:rPr lang="en-BR" dirty="0"/>
+                        <a:t>6</a:t>
+                      </a:r>
+                    </a:p>
+                  </a:txBody>
+                  <a:tcPr/>
+                </a:tc>
+                <a:extLst>
+                  <a:ext uri="{0D108BD9-81ED-4DB2-BD59-A6C34878D82A}">
+                    <a16:rowId xmlns:a16="http://schemas.microsoft.com/office/drawing/2014/main" val="2238476561"/>
+                  </a:ext>
+                </a:extLst>
+              </a:tr>
+              <a:tr h="370840">
+                <a:tc>
+                  <a:txBody>
+                    <a:bodyPr/>
+                    <a:lstStyle/>
+                    <a:p>
+                      <a:r>
+                        <a:rPr lang="en-BR" dirty="0"/>
+                        <a:t>7</a:t>
+                      </a:r>
+                    </a:p>
+                  </a:txBody>
+                  <a:tcPr/>
+                </a:tc>
+                <a:tc>
+                  <a:txBody>
+                    <a:bodyPr/>
+                    <a:lstStyle/>
+                    <a:p>
+                      <a:r>
+                        <a:rPr lang="en-BR" dirty="0"/>
+                        <a:t>8</a:t>
+                      </a:r>
+                    </a:p>
+                  </a:txBody>
+                  <a:tcPr/>
+                </a:tc>
+                <a:tc>
+                  <a:txBody>
+                    <a:bodyPr/>
+                    <a:lstStyle/>
+                    <a:p>
+                      <a:r>
+                        <a:rPr lang="en-BR" dirty="0"/>
+                        <a:t>0</a:t>
+                      </a:r>
+                    </a:p>
+                  </a:txBody>
+                  <a:tcPr/>
+                </a:tc>
+                <a:extLst>
+                  <a:ext uri="{0D108BD9-81ED-4DB2-BD59-A6C34878D82A}">
+                    <a16:rowId xmlns:a16="http://schemas.microsoft.com/office/drawing/2014/main" val="1514955567"/>
+                  </a:ext>
+                </a:extLst>
+              </a:tr>
+            </a:tbl>
+          </a:graphicData>
+        </a:graphic>
+      </p:graphicFrame>
+      <p:graphicFrame>
+        <p:nvGraphicFramePr>
+          <p:cNvPr id="6" name="Table 5">
+            <a:extLst>
+              <a:ext uri="{FF2B5EF4-FFF2-40B4-BE49-F238E27FC236}">
+                <a16:creationId xmlns:a16="http://schemas.microsoft.com/office/drawing/2014/main" id="{3C42BFDD-6E2D-CE49-942A-8BB20A4D17A8}"/>
+              </a:ext>
+            </a:extLst>
+          </p:cNvPr>
+          <p:cNvGraphicFramePr>
+            <a:graphicFrameLocks noGrp="1"/>
+          </p:cNvGraphicFramePr>
+          <p:nvPr>
+            <p:extLst>
+              <p:ext uri="{D42A27DB-BD31-4B8C-83A1-F6EECF244321}">
+                <p14:modId xmlns:p14="http://schemas.microsoft.com/office/powerpoint/2010/main" val="1439515363"/>
+              </p:ext>
+            </p:extLst>
+          </p:nvPr>
+        </p:nvGraphicFramePr>
+        <p:xfrm>
+          <a:off x="3931744" y="667114"/>
+          <a:ext cx="2340303" cy="1112520"/>
+        </p:xfrm>
+        <a:graphic>
+          <a:graphicData uri="http://schemas.openxmlformats.org/drawingml/2006/table">
+            <a:tbl>
+              <a:tblPr firstRow="1" bandRow="1">
+                <a:tableStyleId>{2D5ABB26-0587-4C30-8999-92F81FD0307C}</a:tableStyleId>
+              </a:tblPr>
+              <a:tblGrid>
+                <a:gridCol w="780101">
+                  <a:extLst>
+                    <a:ext uri="{9D8B030D-6E8A-4147-A177-3AD203B41FA5}">
+                      <a16:colId xmlns:a16="http://schemas.microsoft.com/office/drawing/2014/main" val="1900006839"/>
+                    </a:ext>
+                  </a:extLst>
+                </a:gridCol>
+                <a:gridCol w="780101">
+                  <a:extLst>
+                    <a:ext uri="{9D8B030D-6E8A-4147-A177-3AD203B41FA5}">
+                      <a16:colId xmlns:a16="http://schemas.microsoft.com/office/drawing/2014/main" val="1064533548"/>
+                    </a:ext>
+                  </a:extLst>
+                </a:gridCol>
+                <a:gridCol w="780101">
+                  <a:extLst>
+                    <a:ext uri="{9D8B030D-6E8A-4147-A177-3AD203B41FA5}">
+                      <a16:colId xmlns:a16="http://schemas.microsoft.com/office/drawing/2014/main" val="2807085731"/>
+                    </a:ext>
+                  </a:extLst>
+                </a:gridCol>
+              </a:tblGrid>
+              <a:tr h="370840">
+                <a:tc>
+                  <a:txBody>
+                    <a:bodyPr/>
+                    <a:lstStyle/>
+                    <a:p>
+                      <a:r>
+                        <a:rPr lang="en-BR" dirty="0"/>
+                        <a:t>2</a:t>
+                      </a:r>
+                    </a:p>
+                  </a:txBody>
+                  <a:tcPr/>
+                </a:tc>
+                <a:tc>
+                  <a:txBody>
+                    <a:bodyPr/>
+                    <a:lstStyle/>
+                    <a:p>
+                      <a:r>
+                        <a:rPr lang="en-BR" dirty="0"/>
+                        <a:t>5</a:t>
+                      </a:r>
+                    </a:p>
+                  </a:txBody>
+                  <a:tcPr/>
+                </a:tc>
+                <a:tc>
+                  <a:txBody>
+                    <a:bodyPr/>
+                    <a:lstStyle/>
+                    <a:p>
+                      <a:r>
+                        <a:rPr lang="en-BR" dirty="0"/>
+                        <a:t>4</a:t>
+                      </a:r>
+                    </a:p>
+                  </a:txBody>
+                  <a:tcPr/>
+                </a:tc>
+                <a:extLst>
+                  <a:ext uri="{0D108BD9-81ED-4DB2-BD59-A6C34878D82A}">
+                    <a16:rowId xmlns:a16="http://schemas.microsoft.com/office/drawing/2014/main" val="4294419625"/>
+                  </a:ext>
+                </a:extLst>
+              </a:tr>
+              <a:tr h="370840">
+                <a:tc>
+                  <a:txBody>
+                    <a:bodyPr/>
+                    <a:lstStyle/>
+                    <a:p>
+                      <a:r>
+                        <a:rPr lang="en-BR" dirty="0"/>
+                        <a:t>3</a:t>
+                      </a:r>
+                    </a:p>
+                  </a:txBody>
+                  <a:tcPr/>
+                </a:tc>
+                <a:tc>
+                  <a:txBody>
+                    <a:bodyPr/>
+                    <a:lstStyle/>
+                    <a:p>
+                      <a:r>
+                        <a:rPr lang="en-BR" dirty="0"/>
+                        <a:t>1</a:t>
+                      </a:r>
+                    </a:p>
+                  </a:txBody>
+                  <a:tcPr/>
+                </a:tc>
+                <a:tc>
+                  <a:txBody>
+                    <a:bodyPr/>
+                    <a:lstStyle/>
+                    <a:p>
+                      <a:r>
+                        <a:rPr lang="en-BR" dirty="0"/>
+                        <a:t>6</a:t>
+                      </a:r>
+                    </a:p>
+                  </a:txBody>
+                  <a:tcPr/>
+                </a:tc>
+                <a:extLst>
+                  <a:ext uri="{0D108BD9-81ED-4DB2-BD59-A6C34878D82A}">
+                    <a16:rowId xmlns:a16="http://schemas.microsoft.com/office/drawing/2014/main" val="2238476561"/>
+                  </a:ext>
+                </a:extLst>
+              </a:tr>
+              <a:tr h="370840">
+                <a:tc>
+                  <a:txBody>
+                    <a:bodyPr/>
+                    <a:lstStyle/>
+                    <a:p>
+                      <a:r>
+                        <a:rPr lang="en-BR" dirty="0"/>
+                        <a:t>7</a:t>
+                      </a:r>
+                    </a:p>
+                  </a:txBody>
+                  <a:tcPr/>
+                </a:tc>
+                <a:tc>
+                  <a:txBody>
+                    <a:bodyPr/>
+                    <a:lstStyle/>
+                    <a:p>
+                      <a:r>
+                        <a:rPr lang="en-BR" dirty="0"/>
+                        <a:t>8</a:t>
+                      </a:r>
+                    </a:p>
+                  </a:txBody>
+                  <a:tcPr/>
+                </a:tc>
+                <a:tc>
+                  <a:txBody>
+                    <a:bodyPr/>
+                    <a:lstStyle/>
+                    <a:p>
+                      <a:r>
+                        <a:rPr lang="en-BR" dirty="0"/>
+                        <a:t>0</a:t>
+                      </a:r>
+                    </a:p>
+                  </a:txBody>
+                  <a:tcPr/>
+                </a:tc>
+                <a:extLst>
+                  <a:ext uri="{0D108BD9-81ED-4DB2-BD59-A6C34878D82A}">
+                    <a16:rowId xmlns:a16="http://schemas.microsoft.com/office/drawing/2014/main" val="1514955567"/>
+                  </a:ext>
+                </a:extLst>
+              </a:tr>
+            </a:tbl>
+          </a:graphicData>
+        </a:graphic>
+      </p:graphicFrame>
+      <p:graphicFrame>
+        <p:nvGraphicFramePr>
+          <p:cNvPr id="7" name="Table 6">
+            <a:extLst>
+              <a:ext uri="{FF2B5EF4-FFF2-40B4-BE49-F238E27FC236}">
+                <a16:creationId xmlns:a16="http://schemas.microsoft.com/office/drawing/2014/main" id="{D5274D7E-5928-9749-90BD-01CE0ADC2ACC}"/>
+              </a:ext>
+            </a:extLst>
+          </p:cNvPr>
+          <p:cNvGraphicFramePr>
+            <a:graphicFrameLocks noGrp="1"/>
+          </p:cNvGraphicFramePr>
+          <p:nvPr>
+            <p:extLst>
+              <p:ext uri="{D42A27DB-BD31-4B8C-83A1-F6EECF244321}">
+                <p14:modId xmlns:p14="http://schemas.microsoft.com/office/powerpoint/2010/main" val="2393313295"/>
+              </p:ext>
+            </p:extLst>
+          </p:nvPr>
+        </p:nvGraphicFramePr>
+        <p:xfrm>
+          <a:off x="6952592" y="667114"/>
+          <a:ext cx="2340303" cy="1112520"/>
+        </p:xfrm>
+        <a:graphic>
+          <a:graphicData uri="http://schemas.openxmlformats.org/drawingml/2006/table">
+            <a:tbl>
+              <a:tblPr firstRow="1" bandRow="1">
+                <a:tableStyleId>{2D5ABB26-0587-4C30-8999-92F81FD0307C}</a:tableStyleId>
+              </a:tblPr>
+              <a:tblGrid>
+                <a:gridCol w="780101">
+                  <a:extLst>
+                    <a:ext uri="{9D8B030D-6E8A-4147-A177-3AD203B41FA5}">
+                      <a16:colId xmlns:a16="http://schemas.microsoft.com/office/drawing/2014/main" val="1900006839"/>
+                    </a:ext>
+                  </a:extLst>
+                </a:gridCol>
+                <a:gridCol w="780101">
+                  <a:extLst>
+                    <a:ext uri="{9D8B030D-6E8A-4147-A177-3AD203B41FA5}">
+                      <a16:colId xmlns:a16="http://schemas.microsoft.com/office/drawing/2014/main" val="1064533548"/>
+                    </a:ext>
+                  </a:extLst>
+                </a:gridCol>
+                <a:gridCol w="780101">
+                  <a:extLst>
+                    <a:ext uri="{9D8B030D-6E8A-4147-A177-3AD203B41FA5}">
+                      <a16:colId xmlns:a16="http://schemas.microsoft.com/office/drawing/2014/main" val="2807085731"/>
+                    </a:ext>
+                  </a:extLst>
+                </a:gridCol>
+              </a:tblGrid>
+              <a:tr h="370840">
+                <a:tc>
+                  <a:txBody>
+                    <a:bodyPr/>
+                    <a:lstStyle/>
+                    <a:p>
+                      <a:r>
+                        <a:rPr lang="en-BR" dirty="0"/>
+                        <a:t>8</a:t>
+                      </a:r>
+                    </a:p>
+                  </a:txBody>
+                  <a:tcPr/>
+                </a:tc>
+                <a:tc>
+                  <a:txBody>
+                    <a:bodyPr/>
+                    <a:lstStyle/>
+                    <a:p>
+                      <a:r>
+                        <a:rPr lang="en-BR" dirty="0"/>
+                        <a:t>5</a:t>
+                      </a:r>
+                    </a:p>
+                  </a:txBody>
+                  <a:tcPr/>
+                </a:tc>
+                <a:tc>
+                  <a:txBody>
+                    <a:bodyPr/>
+                    <a:lstStyle/>
+                    <a:p>
+                      <a:r>
+                        <a:rPr lang="en-BR" dirty="0"/>
+                        <a:t>4</a:t>
+                      </a:r>
+                    </a:p>
+                  </a:txBody>
+                  <a:tcPr/>
+                </a:tc>
+                <a:extLst>
+                  <a:ext uri="{0D108BD9-81ED-4DB2-BD59-A6C34878D82A}">
+                    <a16:rowId xmlns:a16="http://schemas.microsoft.com/office/drawing/2014/main" val="4294419625"/>
+                  </a:ext>
+                </a:extLst>
+              </a:tr>
+              <a:tr h="370840">
+                <a:tc>
+                  <a:txBody>
+                    <a:bodyPr/>
+                    <a:lstStyle/>
+                    <a:p>
+                      <a:r>
+                        <a:rPr lang="en-BR" dirty="0"/>
+                        <a:t>3</a:t>
+                      </a:r>
+                    </a:p>
+                  </a:txBody>
+                  <a:tcPr/>
+                </a:tc>
+                <a:tc>
+                  <a:txBody>
+                    <a:bodyPr/>
+                    <a:lstStyle/>
+                    <a:p>
+                      <a:r>
+                        <a:rPr lang="en-BR" dirty="0"/>
+                        <a:t>7</a:t>
+                      </a:r>
+                    </a:p>
+                  </a:txBody>
+                  <a:tcPr/>
+                </a:tc>
+                <a:tc>
+                  <a:txBody>
+                    <a:bodyPr/>
+                    <a:lstStyle/>
+                    <a:p>
+                      <a:r>
+                        <a:rPr lang="en-BR" dirty="0"/>
+                        <a:t>6</a:t>
+                      </a:r>
+                    </a:p>
+                  </a:txBody>
+                  <a:tcPr/>
+                </a:tc>
+                <a:extLst>
+                  <a:ext uri="{0D108BD9-81ED-4DB2-BD59-A6C34878D82A}">
+                    <a16:rowId xmlns:a16="http://schemas.microsoft.com/office/drawing/2014/main" val="2238476561"/>
+                  </a:ext>
+                </a:extLst>
+              </a:tr>
+              <a:tr h="370840">
+                <a:tc>
+                  <a:txBody>
+                    <a:bodyPr/>
+                    <a:lstStyle/>
+                    <a:p>
+                      <a:r>
+                        <a:rPr lang="en-BR" dirty="0"/>
+                        <a:t>0</a:t>
+                      </a:r>
+                    </a:p>
+                  </a:txBody>
+                  <a:tcPr/>
+                </a:tc>
+                <a:tc>
+                  <a:txBody>
+                    <a:bodyPr/>
+                    <a:lstStyle/>
+                    <a:p>
+                      <a:r>
+                        <a:rPr lang="en-BR" dirty="0"/>
+                        <a:t>2</a:t>
+                      </a:r>
+                    </a:p>
+                  </a:txBody>
+                  <a:tcPr/>
+                </a:tc>
+                <a:tc>
+                  <a:txBody>
+                    <a:bodyPr/>
+                    <a:lstStyle/>
+                    <a:p>
+                      <a:r>
+                        <a:rPr lang="en-BR" dirty="0"/>
+                        <a:t>1</a:t>
+                      </a:r>
+                    </a:p>
+                  </a:txBody>
+                  <a:tcPr/>
+                </a:tc>
+                <a:extLst>
+                  <a:ext uri="{0D108BD9-81ED-4DB2-BD59-A6C34878D82A}">
+                    <a16:rowId xmlns:a16="http://schemas.microsoft.com/office/drawing/2014/main" val="1514955567"/>
+                  </a:ext>
+                </a:extLst>
+              </a:tr>
+            </a:tbl>
+          </a:graphicData>
+        </a:graphic>
+      </p:graphicFrame>
+      <p:sp>
+        <p:nvSpPr>
+          <p:cNvPr id="8" name="TextBox 7">
+            <a:extLst>
+              <a:ext uri="{FF2B5EF4-FFF2-40B4-BE49-F238E27FC236}">
+                <a16:creationId xmlns:a16="http://schemas.microsoft.com/office/drawing/2014/main" id="{809AF1B4-8140-B047-8960-5A0E725435C7}"/>
+              </a:ext>
+            </a:extLst>
+          </p:cNvPr>
+          <p:cNvSpPr txBox="1"/>
+          <p:nvPr/>
+        </p:nvSpPr>
+        <p:spPr>
+          <a:xfrm>
+            <a:off x="1313793" y="2259724"/>
+            <a:ext cx="907621" cy="369332"/>
+          </a:xfrm>
+          <a:prstGeom prst="rect">
+            <a:avLst/>
+          </a:prstGeom>
+          <a:noFill/>
+        </p:spPr>
+        <p:txBody>
+          <a:bodyPr wrap="none" rtlCol="0">
+            <a:spAutoFit/>
+          </a:bodyPr>
+          <a:lstStyle/>
+          <a:p>
+            <a:r>
+              <a:rPr lang="en-BR" dirty="0">
+                <a:solidFill>
+                  <a:srgbClr val="FF0000"/>
+                </a:solidFill>
+              </a:rPr>
+              <a:t>h(n) = 5</a:t>
+            </a:r>
+          </a:p>
+        </p:txBody>
+      </p:sp>
+      <p:sp>
+        <p:nvSpPr>
+          <p:cNvPr id="9" name="TextBox 8">
+            <a:extLst>
+              <a:ext uri="{FF2B5EF4-FFF2-40B4-BE49-F238E27FC236}">
+                <a16:creationId xmlns:a16="http://schemas.microsoft.com/office/drawing/2014/main" id="{62CD56B6-FFC7-024F-B7A9-34BD3F1883A7}"/>
+              </a:ext>
+            </a:extLst>
+          </p:cNvPr>
+          <p:cNvSpPr txBox="1"/>
+          <p:nvPr/>
+        </p:nvSpPr>
+        <p:spPr>
+          <a:xfrm>
+            <a:off x="4051738" y="2259724"/>
+            <a:ext cx="907621" cy="369332"/>
+          </a:xfrm>
+          <a:prstGeom prst="rect">
+            <a:avLst/>
+          </a:prstGeom>
+          <a:noFill/>
+        </p:spPr>
+        <p:txBody>
+          <a:bodyPr wrap="none" rtlCol="0">
+            <a:spAutoFit/>
+          </a:bodyPr>
+          <a:lstStyle/>
+          <a:p>
+            <a:r>
+              <a:rPr lang="en-BR" dirty="0"/>
+              <a:t>h(n) = 5</a:t>
+            </a:r>
+          </a:p>
+        </p:txBody>
+      </p:sp>
+      <p:sp>
+        <p:nvSpPr>
+          <p:cNvPr id="10" name="TextBox 9">
+            <a:extLst>
+              <a:ext uri="{FF2B5EF4-FFF2-40B4-BE49-F238E27FC236}">
+                <a16:creationId xmlns:a16="http://schemas.microsoft.com/office/drawing/2014/main" id="{9EE6BD58-D169-1A46-B019-3C50ECC3641C}"/>
+              </a:ext>
+            </a:extLst>
+          </p:cNvPr>
+          <p:cNvSpPr txBox="1"/>
+          <p:nvPr/>
+        </p:nvSpPr>
+        <p:spPr>
+          <a:xfrm>
+            <a:off x="6954362" y="2259724"/>
+            <a:ext cx="907621" cy="369332"/>
+          </a:xfrm>
+          <a:prstGeom prst="rect">
+            <a:avLst/>
+          </a:prstGeom>
+          <a:noFill/>
+        </p:spPr>
+        <p:txBody>
+          <a:bodyPr wrap="none" rtlCol="0">
+            <a:spAutoFit/>
+          </a:bodyPr>
+          <a:lstStyle/>
+          <a:p>
+            <a:r>
+              <a:rPr lang="en-BR" dirty="0"/>
+              <a:t>h(n) = 7</a:t>
+            </a:r>
+          </a:p>
+        </p:txBody>
+      </p:sp>
+      <p:sp>
+        <p:nvSpPr>
+          <p:cNvPr id="11" name="TextBox 10">
+            <a:extLst>
+              <a:ext uri="{FF2B5EF4-FFF2-40B4-BE49-F238E27FC236}">
+                <a16:creationId xmlns:a16="http://schemas.microsoft.com/office/drawing/2014/main" id="{20375E09-7B32-404D-B0AB-B7DF0332303D}"/>
+              </a:ext>
+            </a:extLst>
+          </p:cNvPr>
+          <p:cNvSpPr txBox="1"/>
+          <p:nvPr/>
+        </p:nvSpPr>
+        <p:spPr>
+          <a:xfrm>
+            <a:off x="498505" y="3694386"/>
+            <a:ext cx="7259360" cy="646331"/>
+          </a:xfrm>
+          <a:prstGeom prst="rect">
+            <a:avLst/>
+          </a:prstGeom>
+          <a:noFill/>
+        </p:spPr>
+        <p:txBody>
+          <a:bodyPr wrap="none" rtlCol="0">
+            <a:spAutoFit/>
+          </a:bodyPr>
+          <a:lstStyle/>
+          <a:p>
+            <a:r>
+              <a:rPr lang="en-BR" dirty="0"/>
+              <a:t>h1(n) = quantidade de peças fora do lugar sem contar o zero &lt;= esforço real</a:t>
+            </a:r>
+          </a:p>
+          <a:p>
+            <a:r>
+              <a:rPr lang="en-BR" dirty="0"/>
+              <a:t>h2(n) = </a:t>
+            </a:r>
+          </a:p>
+        </p:txBody>
+      </p:sp>
+    </p:spTree>
+    <p:extLst>
+      <p:ext uri="{BB962C8B-B14F-4D97-AF65-F5344CB8AC3E}">
+        <p14:creationId xmlns:p14="http://schemas.microsoft.com/office/powerpoint/2010/main" val="1811762983"/>
+      </p:ext>
+    </p:extLst>
+  </p:cSld>
+  <p:clrMapOvr>
+    <a:masterClrMapping/>
+  </p:clrMapOvr>
+</p:sld>
+</file>
+
+<file path=ppt/slides/slide7.xml><?xml version="1.0" encoding="utf-8"?>
+<p:sld xmlns:a="http://schemas.openxmlformats.org/drawingml/2006/main" xmlns:r="http://schemas.openxmlformats.org/officeDocument/2006/relationships" xmlns:p="http://schemas.openxmlformats.org/presentationml/2006/main">
+  <p:cSld>
+    <p:spTree>
+      <p:nvGrpSpPr>
+        <p:cNvPr id="1" name=""/>
+        <p:cNvGrpSpPr/>
+        <p:nvPr/>
+      </p:nvGrpSpPr>
+      <p:grpSpPr>
+        <a:xfrm>
+          <a:off x="0" y="0"/>
+          <a:ext cx="0" cy="0"/>
+          <a:chOff x="0" y="0"/>
+          <a:chExt cx="0" cy="0"/>
+        </a:xfrm>
+      </p:grpSpPr>
+      <p:graphicFrame>
+        <p:nvGraphicFramePr>
+          <p:cNvPr id="4" name="Table 3">
+            <a:extLst>
+              <a:ext uri="{FF2B5EF4-FFF2-40B4-BE49-F238E27FC236}">
+                <a16:creationId xmlns:a16="http://schemas.microsoft.com/office/drawing/2014/main" id="{44A28566-ACB5-EC49-9354-BF20D52005B0}"/>
+              </a:ext>
+            </a:extLst>
+          </p:cNvPr>
+          <p:cNvGraphicFramePr>
+            <a:graphicFrameLocks noGrp="1"/>
+          </p:cNvGraphicFramePr>
+          <p:nvPr/>
+        </p:nvGraphicFramePr>
+        <p:xfrm>
+          <a:off x="1001986" y="667114"/>
+          <a:ext cx="2340303" cy="1112520"/>
+        </p:xfrm>
+        <a:graphic>
+          <a:graphicData uri="http://schemas.openxmlformats.org/drawingml/2006/table">
+            <a:tbl>
+              <a:tblPr firstRow="1" bandRow="1">
+                <a:tableStyleId>{2D5ABB26-0587-4C30-8999-92F81FD0307C}</a:tableStyleId>
+              </a:tblPr>
+              <a:tblGrid>
+                <a:gridCol w="780101">
+                  <a:extLst>
+                    <a:ext uri="{9D8B030D-6E8A-4147-A177-3AD203B41FA5}">
+                      <a16:colId xmlns:a16="http://schemas.microsoft.com/office/drawing/2014/main" val="1900006839"/>
+                    </a:ext>
+                  </a:extLst>
+                </a:gridCol>
+                <a:gridCol w="780101">
+                  <a:extLst>
+                    <a:ext uri="{9D8B030D-6E8A-4147-A177-3AD203B41FA5}">
+                      <a16:colId xmlns:a16="http://schemas.microsoft.com/office/drawing/2014/main" val="1064533548"/>
+                    </a:ext>
+                  </a:extLst>
+                </a:gridCol>
+                <a:gridCol w="780101">
+                  <a:extLst>
+                    <a:ext uri="{9D8B030D-6E8A-4147-A177-3AD203B41FA5}">
+                      <a16:colId xmlns:a16="http://schemas.microsoft.com/office/drawing/2014/main" val="2807085731"/>
+                    </a:ext>
+                  </a:extLst>
+                </a:gridCol>
+              </a:tblGrid>
+              <a:tr h="370840">
+                <a:tc>
+                  <a:txBody>
+                    <a:bodyPr/>
+                    <a:lstStyle/>
+                    <a:p>
+                      <a:r>
+                        <a:rPr lang="en-BR" dirty="0"/>
+                        <a:t>1</a:t>
+                      </a:r>
+                    </a:p>
+                  </a:txBody>
+                  <a:tcPr/>
+                </a:tc>
+                <a:tc>
+                  <a:txBody>
+                    <a:bodyPr/>
+                    <a:lstStyle/>
+                    <a:p>
+                      <a:r>
+                        <a:rPr lang="en-BR" dirty="0"/>
+                        <a:t>2</a:t>
+                      </a:r>
+                    </a:p>
+                  </a:txBody>
+                  <a:tcPr/>
+                </a:tc>
+                <a:tc>
+                  <a:txBody>
+                    <a:bodyPr/>
+                    <a:lstStyle/>
+                    <a:p>
+                      <a:r>
+                        <a:rPr lang="en-BR" dirty="0"/>
+                        <a:t>3</a:t>
+                      </a:r>
+                    </a:p>
+                  </a:txBody>
+                  <a:tcPr/>
+                </a:tc>
+                <a:extLst>
+                  <a:ext uri="{0D108BD9-81ED-4DB2-BD59-A6C34878D82A}">
+                    <a16:rowId xmlns:a16="http://schemas.microsoft.com/office/drawing/2014/main" val="4294419625"/>
+                  </a:ext>
+                </a:extLst>
+              </a:tr>
+              <a:tr h="370840">
+                <a:tc>
+                  <a:txBody>
+                    <a:bodyPr/>
+                    <a:lstStyle/>
+                    <a:p>
+                      <a:r>
+                        <a:rPr lang="en-BR" dirty="0"/>
+                        <a:t>4</a:t>
+                      </a:r>
+                    </a:p>
+                  </a:txBody>
+                  <a:tcPr/>
+                </a:tc>
+                <a:tc>
+                  <a:txBody>
+                    <a:bodyPr/>
+                    <a:lstStyle/>
+                    <a:p>
+                      <a:r>
+                        <a:rPr lang="en-BR" dirty="0"/>
+                        <a:t>5</a:t>
+                      </a:r>
+                    </a:p>
+                  </a:txBody>
+                  <a:tcPr/>
+                </a:tc>
+                <a:tc>
+                  <a:txBody>
+                    <a:bodyPr/>
+                    <a:lstStyle/>
+                    <a:p>
+                      <a:r>
+                        <a:rPr lang="en-BR" dirty="0"/>
+                        <a:t>6</a:t>
+                      </a:r>
+                    </a:p>
+                  </a:txBody>
+                  <a:tcPr/>
+                </a:tc>
+                <a:extLst>
+                  <a:ext uri="{0D108BD9-81ED-4DB2-BD59-A6C34878D82A}">
+                    <a16:rowId xmlns:a16="http://schemas.microsoft.com/office/drawing/2014/main" val="2238476561"/>
+                  </a:ext>
+                </a:extLst>
+              </a:tr>
+              <a:tr h="370840">
+                <a:tc>
+                  <a:txBody>
+                    <a:bodyPr/>
+                    <a:lstStyle/>
+                    <a:p>
+                      <a:r>
+                        <a:rPr lang="en-BR" dirty="0"/>
+                        <a:t>0</a:t>
+                      </a:r>
+                    </a:p>
+                  </a:txBody>
+                  <a:tcPr/>
+                </a:tc>
+                <a:tc>
+                  <a:txBody>
+                    <a:bodyPr/>
+                    <a:lstStyle/>
+                    <a:p>
+                      <a:r>
+                        <a:rPr lang="en-BR" dirty="0"/>
+                        <a:t>7</a:t>
+                      </a:r>
+                    </a:p>
+                  </a:txBody>
+                  <a:tcPr/>
+                </a:tc>
+                <a:tc>
+                  <a:txBody>
+                    <a:bodyPr/>
+                    <a:lstStyle/>
+                    <a:p>
+                      <a:r>
+                        <a:rPr lang="en-BR" dirty="0"/>
+                        <a:t>8</a:t>
+                      </a:r>
+                    </a:p>
+                  </a:txBody>
+                  <a:tcPr/>
+                </a:tc>
+                <a:extLst>
+                  <a:ext uri="{0D108BD9-81ED-4DB2-BD59-A6C34878D82A}">
+                    <a16:rowId xmlns:a16="http://schemas.microsoft.com/office/drawing/2014/main" val="1514955567"/>
+                  </a:ext>
+                </a:extLst>
+              </a:tr>
+            </a:tbl>
+          </a:graphicData>
+        </a:graphic>
+      </p:graphicFrame>
+      <p:graphicFrame>
+        <p:nvGraphicFramePr>
+          <p:cNvPr id="5" name="Table 4">
+            <a:extLst>
+              <a:ext uri="{FF2B5EF4-FFF2-40B4-BE49-F238E27FC236}">
+                <a16:creationId xmlns:a16="http://schemas.microsoft.com/office/drawing/2014/main" id="{8324846E-636D-F54B-BB58-7840F4C4AF10}"/>
+              </a:ext>
+            </a:extLst>
+          </p:cNvPr>
+          <p:cNvGraphicFramePr>
+            <a:graphicFrameLocks noGrp="1"/>
+          </p:cNvGraphicFramePr>
+          <p:nvPr/>
+        </p:nvGraphicFramePr>
+        <p:xfrm>
+          <a:off x="4612289" y="4750383"/>
+          <a:ext cx="2340303" cy="1112520"/>
+        </p:xfrm>
+        <a:graphic>
+          <a:graphicData uri="http://schemas.openxmlformats.org/drawingml/2006/table">
+            <a:tbl>
+              <a:tblPr firstRow="1" bandRow="1">
+                <a:tableStyleId>{2D5ABB26-0587-4C30-8999-92F81FD0307C}</a:tableStyleId>
+              </a:tblPr>
+              <a:tblGrid>
+                <a:gridCol w="780101">
+                  <a:extLst>
+                    <a:ext uri="{9D8B030D-6E8A-4147-A177-3AD203B41FA5}">
+                      <a16:colId xmlns:a16="http://schemas.microsoft.com/office/drawing/2014/main" val="1900006839"/>
+                    </a:ext>
+                  </a:extLst>
+                </a:gridCol>
+                <a:gridCol w="780101">
+                  <a:extLst>
+                    <a:ext uri="{9D8B030D-6E8A-4147-A177-3AD203B41FA5}">
+                      <a16:colId xmlns:a16="http://schemas.microsoft.com/office/drawing/2014/main" val="1064533548"/>
+                    </a:ext>
+                  </a:extLst>
+                </a:gridCol>
+                <a:gridCol w="780101">
+                  <a:extLst>
+                    <a:ext uri="{9D8B030D-6E8A-4147-A177-3AD203B41FA5}">
+                      <a16:colId xmlns:a16="http://schemas.microsoft.com/office/drawing/2014/main" val="2807085731"/>
+                    </a:ext>
+                  </a:extLst>
+                </a:gridCol>
+              </a:tblGrid>
+              <a:tr h="370840">
+                <a:tc>
+                  <a:txBody>
+                    <a:bodyPr/>
+                    <a:lstStyle/>
+                    <a:p>
+                      <a:r>
+                        <a:rPr lang="en-BR" dirty="0"/>
+                        <a:t>1</a:t>
+                      </a:r>
+                    </a:p>
+                  </a:txBody>
+                  <a:tcPr/>
+                </a:tc>
+                <a:tc>
+                  <a:txBody>
+                    <a:bodyPr/>
+                    <a:lstStyle/>
+                    <a:p>
+                      <a:r>
+                        <a:rPr lang="en-BR" dirty="0"/>
+                        <a:t>2</a:t>
+                      </a:r>
+                    </a:p>
+                  </a:txBody>
+                  <a:tcPr/>
+                </a:tc>
+                <a:tc>
+                  <a:txBody>
+                    <a:bodyPr/>
+                    <a:lstStyle/>
+                    <a:p>
+                      <a:r>
+                        <a:rPr lang="en-BR" dirty="0"/>
+                        <a:t>3</a:t>
+                      </a:r>
+                    </a:p>
+                  </a:txBody>
+                  <a:tcPr/>
+                </a:tc>
+                <a:extLst>
+                  <a:ext uri="{0D108BD9-81ED-4DB2-BD59-A6C34878D82A}">
+                    <a16:rowId xmlns:a16="http://schemas.microsoft.com/office/drawing/2014/main" val="4294419625"/>
+                  </a:ext>
+                </a:extLst>
+              </a:tr>
+              <a:tr h="370840">
+                <a:tc>
+                  <a:txBody>
+                    <a:bodyPr/>
+                    <a:lstStyle/>
+                    <a:p>
+                      <a:r>
+                        <a:rPr lang="en-BR" dirty="0"/>
+                        <a:t>4</a:t>
+                      </a:r>
+                    </a:p>
+                  </a:txBody>
+                  <a:tcPr/>
+                </a:tc>
+                <a:tc>
+                  <a:txBody>
+                    <a:bodyPr/>
+                    <a:lstStyle/>
+                    <a:p>
+                      <a:r>
+                        <a:rPr lang="en-BR" dirty="0"/>
+                        <a:t>5</a:t>
+                      </a:r>
+                    </a:p>
+                  </a:txBody>
+                  <a:tcPr/>
+                </a:tc>
+                <a:tc>
+                  <a:txBody>
+                    <a:bodyPr/>
+                    <a:lstStyle/>
+                    <a:p>
+                      <a:r>
+                        <a:rPr lang="en-BR" dirty="0"/>
+                        <a:t>6</a:t>
+                      </a:r>
+                    </a:p>
+                  </a:txBody>
+                  <a:tcPr/>
+                </a:tc>
+                <a:extLst>
+                  <a:ext uri="{0D108BD9-81ED-4DB2-BD59-A6C34878D82A}">
+                    <a16:rowId xmlns:a16="http://schemas.microsoft.com/office/drawing/2014/main" val="2238476561"/>
+                  </a:ext>
+                </a:extLst>
+              </a:tr>
+              <a:tr h="370840">
+                <a:tc>
+                  <a:txBody>
+                    <a:bodyPr/>
+                    <a:lstStyle/>
+                    <a:p>
+                      <a:r>
+                        <a:rPr lang="en-BR" dirty="0"/>
+                        <a:t>7</a:t>
+                      </a:r>
+                    </a:p>
+                  </a:txBody>
+                  <a:tcPr/>
+                </a:tc>
+                <a:tc>
+                  <a:txBody>
+                    <a:bodyPr/>
+                    <a:lstStyle/>
+                    <a:p>
+                      <a:r>
+                        <a:rPr lang="en-BR" dirty="0"/>
+                        <a:t>8</a:t>
+                      </a:r>
+                    </a:p>
+                  </a:txBody>
+                  <a:tcPr/>
+                </a:tc>
+                <a:tc>
+                  <a:txBody>
+                    <a:bodyPr/>
+                    <a:lstStyle/>
+                    <a:p>
+                      <a:r>
+                        <a:rPr lang="en-BR" dirty="0"/>
+                        <a:t>0</a:t>
+                      </a:r>
+                    </a:p>
+                  </a:txBody>
+                  <a:tcPr/>
+                </a:tc>
+                <a:extLst>
+                  <a:ext uri="{0D108BD9-81ED-4DB2-BD59-A6C34878D82A}">
+                    <a16:rowId xmlns:a16="http://schemas.microsoft.com/office/drawing/2014/main" val="1514955567"/>
+                  </a:ext>
+                </a:extLst>
+              </a:tr>
+            </a:tbl>
+          </a:graphicData>
+        </a:graphic>
+      </p:graphicFrame>
+      <p:graphicFrame>
+        <p:nvGraphicFramePr>
+          <p:cNvPr id="6" name="Table 5">
+            <a:extLst>
+              <a:ext uri="{FF2B5EF4-FFF2-40B4-BE49-F238E27FC236}">
+                <a16:creationId xmlns:a16="http://schemas.microsoft.com/office/drawing/2014/main" id="{3C42BFDD-6E2D-CE49-942A-8BB20A4D17A8}"/>
+              </a:ext>
+            </a:extLst>
+          </p:cNvPr>
+          <p:cNvGraphicFramePr>
+            <a:graphicFrameLocks noGrp="1"/>
+          </p:cNvGraphicFramePr>
+          <p:nvPr/>
+        </p:nvGraphicFramePr>
+        <p:xfrm>
+          <a:off x="3931744" y="667114"/>
+          <a:ext cx="2340303" cy="1112520"/>
+        </p:xfrm>
+        <a:graphic>
+          <a:graphicData uri="http://schemas.openxmlformats.org/drawingml/2006/table">
+            <a:tbl>
+              <a:tblPr firstRow="1" bandRow="1">
+                <a:tableStyleId>{2D5ABB26-0587-4C30-8999-92F81FD0307C}</a:tableStyleId>
+              </a:tblPr>
+              <a:tblGrid>
+                <a:gridCol w="780101">
+                  <a:extLst>
+                    <a:ext uri="{9D8B030D-6E8A-4147-A177-3AD203B41FA5}">
+                      <a16:colId xmlns:a16="http://schemas.microsoft.com/office/drawing/2014/main" val="1900006839"/>
+                    </a:ext>
+                  </a:extLst>
+                </a:gridCol>
+                <a:gridCol w="780101">
+                  <a:extLst>
+                    <a:ext uri="{9D8B030D-6E8A-4147-A177-3AD203B41FA5}">
+                      <a16:colId xmlns:a16="http://schemas.microsoft.com/office/drawing/2014/main" val="1064533548"/>
+                    </a:ext>
+                  </a:extLst>
+                </a:gridCol>
+                <a:gridCol w="780101">
+                  <a:extLst>
+                    <a:ext uri="{9D8B030D-6E8A-4147-A177-3AD203B41FA5}">
+                      <a16:colId xmlns:a16="http://schemas.microsoft.com/office/drawing/2014/main" val="2807085731"/>
+                    </a:ext>
+                  </a:extLst>
+                </a:gridCol>
+              </a:tblGrid>
+              <a:tr h="370840">
+                <a:tc>
+                  <a:txBody>
+                    <a:bodyPr/>
+                    <a:lstStyle/>
+                    <a:p>
+                      <a:r>
+                        <a:rPr lang="en-BR" dirty="0"/>
+                        <a:t>2</a:t>
+                      </a:r>
+                    </a:p>
+                  </a:txBody>
+                  <a:tcPr/>
+                </a:tc>
+                <a:tc>
+                  <a:txBody>
+                    <a:bodyPr/>
+                    <a:lstStyle/>
+                    <a:p>
+                      <a:r>
+                        <a:rPr lang="en-BR" dirty="0"/>
+                        <a:t>5</a:t>
+                      </a:r>
+                    </a:p>
+                  </a:txBody>
+                  <a:tcPr/>
+                </a:tc>
+                <a:tc>
+                  <a:txBody>
+                    <a:bodyPr/>
+                    <a:lstStyle/>
+                    <a:p>
+                      <a:r>
+                        <a:rPr lang="en-BR" dirty="0"/>
+                        <a:t>4</a:t>
+                      </a:r>
+                    </a:p>
+                  </a:txBody>
+                  <a:tcPr/>
+                </a:tc>
+                <a:extLst>
+                  <a:ext uri="{0D108BD9-81ED-4DB2-BD59-A6C34878D82A}">
+                    <a16:rowId xmlns:a16="http://schemas.microsoft.com/office/drawing/2014/main" val="4294419625"/>
+                  </a:ext>
+                </a:extLst>
+              </a:tr>
+              <a:tr h="370840">
+                <a:tc>
+                  <a:txBody>
+                    <a:bodyPr/>
+                    <a:lstStyle/>
+                    <a:p>
+                      <a:r>
+                        <a:rPr lang="en-BR" dirty="0"/>
+                        <a:t>3</a:t>
+                      </a:r>
+                    </a:p>
+                  </a:txBody>
+                  <a:tcPr/>
+                </a:tc>
+                <a:tc>
+                  <a:txBody>
+                    <a:bodyPr/>
+                    <a:lstStyle/>
+                    <a:p>
+                      <a:r>
+                        <a:rPr lang="en-BR" dirty="0"/>
+                        <a:t>1</a:t>
+                      </a:r>
+                    </a:p>
+                  </a:txBody>
+                  <a:tcPr/>
+                </a:tc>
+                <a:tc>
+                  <a:txBody>
+                    <a:bodyPr/>
+                    <a:lstStyle/>
+                    <a:p>
+                      <a:r>
+                        <a:rPr lang="en-BR" dirty="0"/>
+                        <a:t>6</a:t>
+                      </a:r>
+                    </a:p>
+                  </a:txBody>
+                  <a:tcPr/>
+                </a:tc>
+                <a:extLst>
+                  <a:ext uri="{0D108BD9-81ED-4DB2-BD59-A6C34878D82A}">
+                    <a16:rowId xmlns:a16="http://schemas.microsoft.com/office/drawing/2014/main" val="2238476561"/>
+                  </a:ext>
+                </a:extLst>
+              </a:tr>
+              <a:tr h="370840">
+                <a:tc>
+                  <a:txBody>
+                    <a:bodyPr/>
+                    <a:lstStyle/>
+                    <a:p>
+                      <a:r>
+                        <a:rPr lang="en-BR" dirty="0"/>
+                        <a:t>7</a:t>
+                      </a:r>
+                    </a:p>
+                  </a:txBody>
+                  <a:tcPr/>
+                </a:tc>
+                <a:tc>
+                  <a:txBody>
+                    <a:bodyPr/>
+                    <a:lstStyle/>
+                    <a:p>
+                      <a:r>
+                        <a:rPr lang="en-BR" dirty="0"/>
+                        <a:t>8</a:t>
+                      </a:r>
+                    </a:p>
+                  </a:txBody>
+                  <a:tcPr/>
+                </a:tc>
+                <a:tc>
+                  <a:txBody>
+                    <a:bodyPr/>
+                    <a:lstStyle/>
+                    <a:p>
+                      <a:r>
+                        <a:rPr lang="en-BR" dirty="0"/>
+                        <a:t>0</a:t>
+                      </a:r>
+                    </a:p>
+                  </a:txBody>
+                  <a:tcPr/>
+                </a:tc>
+                <a:extLst>
+                  <a:ext uri="{0D108BD9-81ED-4DB2-BD59-A6C34878D82A}">
+                    <a16:rowId xmlns:a16="http://schemas.microsoft.com/office/drawing/2014/main" val="1514955567"/>
+                  </a:ext>
+                </a:extLst>
+              </a:tr>
+            </a:tbl>
+          </a:graphicData>
+        </a:graphic>
+      </p:graphicFrame>
+      <p:graphicFrame>
+        <p:nvGraphicFramePr>
+          <p:cNvPr id="7" name="Table 6">
+            <a:extLst>
+              <a:ext uri="{FF2B5EF4-FFF2-40B4-BE49-F238E27FC236}">
+                <a16:creationId xmlns:a16="http://schemas.microsoft.com/office/drawing/2014/main" id="{D5274D7E-5928-9749-90BD-01CE0ADC2ACC}"/>
+              </a:ext>
+            </a:extLst>
+          </p:cNvPr>
+          <p:cNvGraphicFramePr>
+            <a:graphicFrameLocks noGrp="1"/>
+          </p:cNvGraphicFramePr>
+          <p:nvPr/>
+        </p:nvGraphicFramePr>
+        <p:xfrm>
+          <a:off x="6952592" y="667114"/>
+          <a:ext cx="2340303" cy="1112520"/>
+        </p:xfrm>
+        <a:graphic>
+          <a:graphicData uri="http://schemas.openxmlformats.org/drawingml/2006/table">
+            <a:tbl>
+              <a:tblPr firstRow="1" bandRow="1">
+                <a:tableStyleId>{2D5ABB26-0587-4C30-8999-92F81FD0307C}</a:tableStyleId>
+              </a:tblPr>
+              <a:tblGrid>
+                <a:gridCol w="780101">
+                  <a:extLst>
+                    <a:ext uri="{9D8B030D-6E8A-4147-A177-3AD203B41FA5}">
+                      <a16:colId xmlns:a16="http://schemas.microsoft.com/office/drawing/2014/main" val="1900006839"/>
+                    </a:ext>
+                  </a:extLst>
+                </a:gridCol>
+                <a:gridCol w="780101">
+                  <a:extLst>
+                    <a:ext uri="{9D8B030D-6E8A-4147-A177-3AD203B41FA5}">
+                      <a16:colId xmlns:a16="http://schemas.microsoft.com/office/drawing/2014/main" val="1064533548"/>
+                    </a:ext>
+                  </a:extLst>
+                </a:gridCol>
+                <a:gridCol w="780101">
+                  <a:extLst>
+                    <a:ext uri="{9D8B030D-6E8A-4147-A177-3AD203B41FA5}">
+                      <a16:colId xmlns:a16="http://schemas.microsoft.com/office/drawing/2014/main" val="2807085731"/>
+                    </a:ext>
+                  </a:extLst>
+                </a:gridCol>
+              </a:tblGrid>
+              <a:tr h="370840">
+                <a:tc>
+                  <a:txBody>
+                    <a:bodyPr/>
+                    <a:lstStyle/>
+                    <a:p>
+                      <a:r>
+                        <a:rPr lang="en-BR" dirty="0"/>
+                        <a:t>8</a:t>
+                      </a:r>
+                    </a:p>
+                  </a:txBody>
+                  <a:tcPr/>
+                </a:tc>
+                <a:tc>
+                  <a:txBody>
+                    <a:bodyPr/>
+                    <a:lstStyle/>
+                    <a:p>
+                      <a:r>
+                        <a:rPr lang="en-BR" dirty="0"/>
+                        <a:t>5</a:t>
+                      </a:r>
+                    </a:p>
+                  </a:txBody>
+                  <a:tcPr/>
+                </a:tc>
+                <a:tc>
+                  <a:txBody>
+                    <a:bodyPr/>
+                    <a:lstStyle/>
+                    <a:p>
+                      <a:r>
+                        <a:rPr lang="en-BR" dirty="0"/>
+                        <a:t>4</a:t>
+                      </a:r>
+                    </a:p>
+                  </a:txBody>
+                  <a:tcPr/>
+                </a:tc>
+                <a:extLst>
+                  <a:ext uri="{0D108BD9-81ED-4DB2-BD59-A6C34878D82A}">
+                    <a16:rowId xmlns:a16="http://schemas.microsoft.com/office/drawing/2014/main" val="4294419625"/>
+                  </a:ext>
+                </a:extLst>
+              </a:tr>
+              <a:tr h="370840">
+                <a:tc>
+                  <a:txBody>
+                    <a:bodyPr/>
+                    <a:lstStyle/>
+                    <a:p>
+                      <a:r>
+                        <a:rPr lang="en-BR" dirty="0"/>
+                        <a:t>3</a:t>
+                      </a:r>
+                    </a:p>
+                  </a:txBody>
+                  <a:tcPr/>
+                </a:tc>
+                <a:tc>
+                  <a:txBody>
+                    <a:bodyPr/>
+                    <a:lstStyle/>
+                    <a:p>
+                      <a:r>
+                        <a:rPr lang="en-BR" dirty="0"/>
+                        <a:t>7</a:t>
+                      </a:r>
+                    </a:p>
+                  </a:txBody>
+                  <a:tcPr/>
+                </a:tc>
+                <a:tc>
+                  <a:txBody>
+                    <a:bodyPr/>
+                    <a:lstStyle/>
+                    <a:p>
+                      <a:r>
+                        <a:rPr lang="en-BR" dirty="0"/>
+                        <a:t>6</a:t>
+                      </a:r>
+                    </a:p>
+                  </a:txBody>
+                  <a:tcPr/>
+                </a:tc>
+                <a:extLst>
+                  <a:ext uri="{0D108BD9-81ED-4DB2-BD59-A6C34878D82A}">
+                    <a16:rowId xmlns:a16="http://schemas.microsoft.com/office/drawing/2014/main" val="2238476561"/>
+                  </a:ext>
+                </a:extLst>
+              </a:tr>
+              <a:tr h="370840">
+                <a:tc>
+                  <a:txBody>
+                    <a:bodyPr/>
+                    <a:lstStyle/>
+                    <a:p>
+                      <a:r>
+                        <a:rPr lang="en-BR" dirty="0"/>
+                        <a:t>0</a:t>
+                      </a:r>
+                    </a:p>
+                  </a:txBody>
+                  <a:tcPr/>
+                </a:tc>
+                <a:tc>
+                  <a:txBody>
+                    <a:bodyPr/>
+                    <a:lstStyle/>
+                    <a:p>
+                      <a:r>
+                        <a:rPr lang="en-BR" dirty="0"/>
+                        <a:t>2</a:t>
+                      </a:r>
+                    </a:p>
+                  </a:txBody>
+                  <a:tcPr/>
+                </a:tc>
+                <a:tc>
+                  <a:txBody>
+                    <a:bodyPr/>
+                    <a:lstStyle/>
+                    <a:p>
+                      <a:r>
+                        <a:rPr lang="en-BR" dirty="0"/>
+                        <a:t>1</a:t>
+                      </a:r>
+                    </a:p>
+                  </a:txBody>
+                  <a:tcPr/>
+                </a:tc>
+                <a:extLst>
+                  <a:ext uri="{0D108BD9-81ED-4DB2-BD59-A6C34878D82A}">
+                    <a16:rowId xmlns:a16="http://schemas.microsoft.com/office/drawing/2014/main" val="1514955567"/>
+                  </a:ext>
+                </a:extLst>
+              </a:tr>
+            </a:tbl>
+          </a:graphicData>
+        </a:graphic>
+      </p:graphicFrame>
+      <p:sp>
+        <p:nvSpPr>
+          <p:cNvPr id="8" name="TextBox 7">
+            <a:extLst>
+              <a:ext uri="{FF2B5EF4-FFF2-40B4-BE49-F238E27FC236}">
+                <a16:creationId xmlns:a16="http://schemas.microsoft.com/office/drawing/2014/main" id="{809AF1B4-8140-B047-8960-5A0E725435C7}"/>
+              </a:ext>
+            </a:extLst>
+          </p:cNvPr>
+          <p:cNvSpPr txBox="1"/>
+          <p:nvPr/>
+        </p:nvSpPr>
+        <p:spPr>
+          <a:xfrm>
+            <a:off x="1313793" y="2259724"/>
+            <a:ext cx="907621" cy="369332"/>
+          </a:xfrm>
+          <a:prstGeom prst="rect">
+            <a:avLst/>
+          </a:prstGeom>
+          <a:noFill/>
+        </p:spPr>
+        <p:txBody>
+          <a:bodyPr wrap="none" rtlCol="0">
+            <a:spAutoFit/>
+          </a:bodyPr>
+          <a:lstStyle/>
+          <a:p>
+            <a:r>
+              <a:rPr lang="en-BR" dirty="0">
+                <a:solidFill>
+                  <a:srgbClr val="FF0000"/>
+                </a:solidFill>
+              </a:rPr>
+              <a:t>h(n) = 5</a:t>
+            </a:r>
+          </a:p>
+        </p:txBody>
+      </p:sp>
+      <p:sp>
+        <p:nvSpPr>
+          <p:cNvPr id="9" name="TextBox 8">
+            <a:extLst>
+              <a:ext uri="{FF2B5EF4-FFF2-40B4-BE49-F238E27FC236}">
+                <a16:creationId xmlns:a16="http://schemas.microsoft.com/office/drawing/2014/main" id="{62CD56B6-FFC7-024F-B7A9-34BD3F1883A7}"/>
+              </a:ext>
+            </a:extLst>
+          </p:cNvPr>
+          <p:cNvSpPr txBox="1"/>
+          <p:nvPr/>
+        </p:nvSpPr>
+        <p:spPr>
+          <a:xfrm>
+            <a:off x="4051738" y="2259724"/>
+            <a:ext cx="907621" cy="369332"/>
+          </a:xfrm>
+          <a:prstGeom prst="rect">
+            <a:avLst/>
+          </a:prstGeom>
+          <a:noFill/>
+        </p:spPr>
+        <p:txBody>
+          <a:bodyPr wrap="none" rtlCol="0">
+            <a:spAutoFit/>
+          </a:bodyPr>
+          <a:lstStyle/>
+          <a:p>
+            <a:r>
+              <a:rPr lang="en-BR" dirty="0"/>
+              <a:t>h(n) = 5</a:t>
+            </a:r>
+          </a:p>
+        </p:txBody>
+      </p:sp>
+      <p:sp>
+        <p:nvSpPr>
+          <p:cNvPr id="10" name="TextBox 9">
+            <a:extLst>
+              <a:ext uri="{FF2B5EF4-FFF2-40B4-BE49-F238E27FC236}">
+                <a16:creationId xmlns:a16="http://schemas.microsoft.com/office/drawing/2014/main" id="{9EE6BD58-D169-1A46-B019-3C50ECC3641C}"/>
+              </a:ext>
+            </a:extLst>
+          </p:cNvPr>
+          <p:cNvSpPr txBox="1"/>
+          <p:nvPr/>
+        </p:nvSpPr>
+        <p:spPr>
+          <a:xfrm>
+            <a:off x="6954362" y="2259724"/>
+            <a:ext cx="907621" cy="369332"/>
+          </a:xfrm>
+          <a:prstGeom prst="rect">
+            <a:avLst/>
+          </a:prstGeom>
+          <a:noFill/>
+        </p:spPr>
+        <p:txBody>
+          <a:bodyPr wrap="none" rtlCol="0">
+            <a:spAutoFit/>
+          </a:bodyPr>
+          <a:lstStyle/>
+          <a:p>
+            <a:r>
+              <a:rPr lang="en-BR" dirty="0"/>
+              <a:t>h(n) = 7</a:t>
+            </a:r>
+          </a:p>
+        </p:txBody>
+      </p:sp>
+      <p:sp>
+        <p:nvSpPr>
+          <p:cNvPr id="11" name="TextBox 10">
+            <a:extLst>
+              <a:ext uri="{FF2B5EF4-FFF2-40B4-BE49-F238E27FC236}">
+                <a16:creationId xmlns:a16="http://schemas.microsoft.com/office/drawing/2014/main" id="{20375E09-7B32-404D-B0AB-B7DF0332303D}"/>
+              </a:ext>
+            </a:extLst>
+          </p:cNvPr>
+          <p:cNvSpPr txBox="1"/>
+          <p:nvPr/>
+        </p:nvSpPr>
+        <p:spPr>
+          <a:xfrm>
+            <a:off x="498505" y="3694386"/>
+            <a:ext cx="7259360" cy="646331"/>
+          </a:xfrm>
+          <a:prstGeom prst="rect">
+            <a:avLst/>
+          </a:prstGeom>
+          <a:noFill/>
+        </p:spPr>
+        <p:txBody>
+          <a:bodyPr wrap="none" rtlCol="0">
+            <a:spAutoFit/>
+          </a:bodyPr>
+          <a:lstStyle/>
+          <a:p>
+            <a:r>
+              <a:rPr lang="en-BR" dirty="0"/>
+              <a:t>h1(n) = quantidade de peças fora do lugar sem contar o zero &lt;= esforço real</a:t>
+            </a:r>
+          </a:p>
+          <a:p>
+            <a:r>
+              <a:rPr lang="en-BR" dirty="0"/>
+              <a:t>h2(n) = </a:t>
+            </a:r>
+          </a:p>
+        </p:txBody>
+      </p:sp>
+    </p:spTree>
+    <p:extLst>
+      <p:ext uri="{BB962C8B-B14F-4D97-AF65-F5344CB8AC3E}">
+        <p14:creationId xmlns:p14="http://schemas.microsoft.com/office/powerpoint/2010/main" val="3004116650"/>
+      </p:ext>
+    </p:extLst>
+  </p:cSld>
+  <p:clrMapOvr>
+    <a:masterClrMapping/>
+  </p:clrMapOvr>
+</p:sld>
+</file>
+
 <file path=ppt/theme/theme1.xml><?xml version="1.0" encoding="utf-8"?>
 <a:theme xmlns:a="http://schemas.openxmlformats.org/drawingml/2006/main" name="Office Theme">
   <a:themeElements>

--- a/docs/rascunho_aula_distancia.pptx
+++ b/docs/rascunho_aula_distancia.pptx
@@ -5,13 +5,14 @@
     <p:sldMasterId id="2147483648" r:id="rId1"/>
   </p:sldMasterIdLst>
   <p:sldIdLst>
-    <p:sldId id="256" r:id="rId2"/>
-    <p:sldId id="257" r:id="rId3"/>
-    <p:sldId id="258" r:id="rId4"/>
-    <p:sldId id="259" r:id="rId5"/>
-    <p:sldId id="262" r:id="rId6"/>
-    <p:sldId id="260" r:id="rId7"/>
-    <p:sldId id="261" r:id="rId8"/>
+    <p:sldId id="263" r:id="rId2"/>
+    <p:sldId id="256" r:id="rId3"/>
+    <p:sldId id="257" r:id="rId4"/>
+    <p:sldId id="258" r:id="rId5"/>
+    <p:sldId id="259" r:id="rId6"/>
+    <p:sldId id="262" r:id="rId7"/>
+    <p:sldId id="260" r:id="rId8"/>
+    <p:sldId id="261" r:id="rId9"/>
   </p:sldIdLst>
   <p:sldSz cx="12192000" cy="6858000"/>
   <p:notesSz cx="6858000" cy="9144000"/>
@@ -267,7 +268,7 @@
           <a:p>
             <a:fld id="{881F5C84-7F6C-8D42-A9BB-148FCD039667}" type="datetimeFigureOut">
               <a:rPr lang="en-BR" smtClean="0"/>
-              <a:t>01/04/20</a:t>
+              <a:t>03/03/21</a:t>
             </a:fld>
             <a:endParaRPr lang="en-BR"/>
           </a:p>
@@ -467,7 +468,7 @@
           <a:p>
             <a:fld id="{881F5C84-7F6C-8D42-A9BB-148FCD039667}" type="datetimeFigureOut">
               <a:rPr lang="en-BR" smtClean="0"/>
-              <a:t>01/04/20</a:t>
+              <a:t>03/03/21</a:t>
             </a:fld>
             <a:endParaRPr lang="en-BR"/>
           </a:p>
@@ -677,7 +678,7 @@
           <a:p>
             <a:fld id="{881F5C84-7F6C-8D42-A9BB-148FCD039667}" type="datetimeFigureOut">
               <a:rPr lang="en-BR" smtClean="0"/>
-              <a:t>01/04/20</a:t>
+              <a:t>03/03/21</a:t>
             </a:fld>
             <a:endParaRPr lang="en-BR"/>
           </a:p>
@@ -877,7 +878,7 @@
           <a:p>
             <a:fld id="{881F5C84-7F6C-8D42-A9BB-148FCD039667}" type="datetimeFigureOut">
               <a:rPr lang="en-BR" smtClean="0"/>
-              <a:t>01/04/20</a:t>
+              <a:t>03/03/21</a:t>
             </a:fld>
             <a:endParaRPr lang="en-BR"/>
           </a:p>
@@ -1153,7 +1154,7 @@
           <a:p>
             <a:fld id="{881F5C84-7F6C-8D42-A9BB-148FCD039667}" type="datetimeFigureOut">
               <a:rPr lang="en-BR" smtClean="0"/>
-              <a:t>01/04/20</a:t>
+              <a:t>03/03/21</a:t>
             </a:fld>
             <a:endParaRPr lang="en-BR"/>
           </a:p>
@@ -1421,7 +1422,7 @@
           <a:p>
             <a:fld id="{881F5C84-7F6C-8D42-A9BB-148FCD039667}" type="datetimeFigureOut">
               <a:rPr lang="en-BR" smtClean="0"/>
-              <a:t>01/04/20</a:t>
+              <a:t>03/03/21</a:t>
             </a:fld>
             <a:endParaRPr lang="en-BR"/>
           </a:p>
@@ -1836,7 +1837,7 @@
           <a:p>
             <a:fld id="{881F5C84-7F6C-8D42-A9BB-148FCD039667}" type="datetimeFigureOut">
               <a:rPr lang="en-BR" smtClean="0"/>
-              <a:t>01/04/20</a:t>
+              <a:t>03/03/21</a:t>
             </a:fld>
             <a:endParaRPr lang="en-BR"/>
           </a:p>
@@ -1978,7 +1979,7 @@
           <a:p>
             <a:fld id="{881F5C84-7F6C-8D42-A9BB-148FCD039667}" type="datetimeFigureOut">
               <a:rPr lang="en-BR" smtClean="0"/>
-              <a:t>01/04/20</a:t>
+              <a:t>03/03/21</a:t>
             </a:fld>
             <a:endParaRPr lang="en-BR"/>
           </a:p>
@@ -2091,7 +2092,7 @@
           <a:p>
             <a:fld id="{881F5C84-7F6C-8D42-A9BB-148FCD039667}" type="datetimeFigureOut">
               <a:rPr lang="en-BR" smtClean="0"/>
-              <a:t>01/04/20</a:t>
+              <a:t>03/03/21</a:t>
             </a:fld>
             <a:endParaRPr lang="en-BR"/>
           </a:p>
@@ -2404,7 +2405,7 @@
           <a:p>
             <a:fld id="{881F5C84-7F6C-8D42-A9BB-148FCD039667}" type="datetimeFigureOut">
               <a:rPr lang="en-BR" smtClean="0"/>
-              <a:t>01/04/20</a:t>
+              <a:t>03/03/21</a:t>
             </a:fld>
             <a:endParaRPr lang="en-BR"/>
           </a:p>
@@ -2693,7 +2694,7 @@
           <a:p>
             <a:fld id="{881F5C84-7F6C-8D42-A9BB-148FCD039667}" type="datetimeFigureOut">
               <a:rPr lang="en-BR" smtClean="0"/>
-              <a:t>01/04/20</a:t>
+              <a:t>03/03/21</a:t>
             </a:fld>
             <a:endParaRPr lang="en-BR"/>
           </a:p>
@@ -2936,7 +2937,7 @@
           <a:p>
             <a:fld id="{881F5C84-7F6C-8D42-A9BB-148FCD039667}" type="datetimeFigureOut">
               <a:rPr lang="en-BR" smtClean="0"/>
-              <a:t>01/04/20</a:t>
+              <a:t>03/03/21</a:t>
             </a:fld>
             <a:endParaRPr lang="en-BR"/>
           </a:p>
@@ -3353,6 +3354,282 @@
           <a:chExt cx="0" cy="0"/>
         </a:xfrm>
       </p:grpSpPr>
+      <p:pic>
+        <p:nvPicPr>
+          <p:cNvPr id="2" name="Picture 1">
+            <a:extLst>
+              <a:ext uri="{FF2B5EF4-FFF2-40B4-BE49-F238E27FC236}">
+                <a16:creationId xmlns:a16="http://schemas.microsoft.com/office/drawing/2014/main" id="{19E8E128-CFB5-5449-95E3-7C4964D7B9C1}"/>
+              </a:ext>
+            </a:extLst>
+          </p:cNvPr>
+          <p:cNvPicPr>
+            <a:picLocks noChangeAspect="1"/>
+          </p:cNvPicPr>
+          <p:nvPr/>
+        </p:nvPicPr>
+        <p:blipFill>
+          <a:blip r:embed="rId2"/>
+          <a:stretch>
+            <a:fillRect/>
+          </a:stretch>
+        </p:blipFill>
+        <p:spPr>
+          <a:xfrm>
+            <a:off x="5108028" y="195097"/>
+            <a:ext cx="1471448" cy="793361"/>
+          </a:xfrm>
+          <a:prstGeom prst="rect">
+            <a:avLst/>
+          </a:prstGeom>
+        </p:spPr>
+      </p:pic>
+      <p:pic>
+        <p:nvPicPr>
+          <p:cNvPr id="3" name="Picture 2">
+            <a:extLst>
+              <a:ext uri="{FF2B5EF4-FFF2-40B4-BE49-F238E27FC236}">
+                <a16:creationId xmlns:a16="http://schemas.microsoft.com/office/drawing/2014/main" id="{90F14A56-8E14-3D4B-A253-81BDA57583C4}"/>
+              </a:ext>
+            </a:extLst>
+          </p:cNvPr>
+          <p:cNvPicPr>
+            <a:picLocks noChangeAspect="1"/>
+          </p:cNvPicPr>
+          <p:nvPr/>
+        </p:nvPicPr>
+        <p:blipFill>
+          <a:blip r:embed="rId3"/>
+          <a:stretch>
+            <a:fillRect/>
+          </a:stretch>
+        </p:blipFill>
+        <p:spPr>
+          <a:xfrm>
+            <a:off x="3267622" y="1298684"/>
+            <a:ext cx="1471448" cy="793361"/>
+          </a:xfrm>
+          <a:prstGeom prst="rect">
+            <a:avLst/>
+          </a:prstGeom>
+        </p:spPr>
+      </p:pic>
+      <p:pic>
+        <p:nvPicPr>
+          <p:cNvPr id="4" name="Picture 3">
+            <a:extLst>
+              <a:ext uri="{FF2B5EF4-FFF2-40B4-BE49-F238E27FC236}">
+                <a16:creationId xmlns:a16="http://schemas.microsoft.com/office/drawing/2014/main" id="{7F2E06A4-AA25-434B-8347-14D23E8ABC26}"/>
+              </a:ext>
+            </a:extLst>
+          </p:cNvPr>
+          <p:cNvPicPr>
+            <a:picLocks noChangeAspect="1"/>
+          </p:cNvPicPr>
+          <p:nvPr/>
+        </p:nvPicPr>
+        <p:blipFill>
+          <a:blip r:embed="rId4"/>
+          <a:stretch>
+            <a:fillRect/>
+          </a:stretch>
+        </p:blipFill>
+        <p:spPr>
+          <a:xfrm>
+            <a:off x="5108028" y="1261553"/>
+            <a:ext cx="1471448" cy="793361"/>
+          </a:xfrm>
+          <a:prstGeom prst="rect">
+            <a:avLst/>
+          </a:prstGeom>
+        </p:spPr>
+      </p:pic>
+      <p:pic>
+        <p:nvPicPr>
+          <p:cNvPr id="5" name="Picture 4">
+            <a:extLst>
+              <a:ext uri="{FF2B5EF4-FFF2-40B4-BE49-F238E27FC236}">
+                <a16:creationId xmlns:a16="http://schemas.microsoft.com/office/drawing/2014/main" id="{DD91DDB2-2C1F-0F40-9FB0-56E66B3729EF}"/>
+              </a:ext>
+            </a:extLst>
+          </p:cNvPr>
+          <p:cNvPicPr>
+            <a:picLocks noChangeAspect="1"/>
+          </p:cNvPicPr>
+          <p:nvPr/>
+        </p:nvPicPr>
+        <p:blipFill>
+          <a:blip r:embed="rId2"/>
+          <a:stretch>
+            <a:fillRect/>
+          </a:stretch>
+        </p:blipFill>
+        <p:spPr>
+          <a:xfrm>
+            <a:off x="7162801" y="1261552"/>
+            <a:ext cx="1471448" cy="793361"/>
+          </a:xfrm>
+          <a:prstGeom prst="rect">
+            <a:avLst/>
+          </a:prstGeom>
+        </p:spPr>
+      </p:pic>
+      <p:cxnSp>
+        <p:nvCxnSpPr>
+          <p:cNvPr id="7" name="Straight Arrow Connector 6">
+            <a:extLst>
+              <a:ext uri="{FF2B5EF4-FFF2-40B4-BE49-F238E27FC236}">
+                <a16:creationId xmlns:a16="http://schemas.microsoft.com/office/drawing/2014/main" id="{9B4C0CBA-7697-984E-9731-36FF359D4E2D}"/>
+              </a:ext>
+            </a:extLst>
+          </p:cNvPr>
+          <p:cNvCxnSpPr>
+            <a:stCxn id="2" idx="1"/>
+            <a:endCxn id="3" idx="0"/>
+          </p:cNvCxnSpPr>
+          <p:nvPr/>
+        </p:nvCxnSpPr>
+        <p:spPr>
+          <a:xfrm flipH="1">
+            <a:off x="4003346" y="591778"/>
+            <a:ext cx="1104682" cy="706906"/>
+          </a:xfrm>
+          <a:prstGeom prst="straightConnector1">
+            <a:avLst/>
+          </a:prstGeom>
+          <a:ln>
+            <a:tailEnd type="triangle"/>
+          </a:ln>
+        </p:spPr>
+        <p:style>
+          <a:lnRef idx="1">
+            <a:schemeClr val="accent1"/>
+          </a:lnRef>
+          <a:fillRef idx="0">
+            <a:schemeClr val="accent1"/>
+          </a:fillRef>
+          <a:effectRef idx="0">
+            <a:schemeClr val="accent1"/>
+          </a:effectRef>
+          <a:fontRef idx="minor">
+            <a:schemeClr val="tx1"/>
+          </a:fontRef>
+        </p:style>
+      </p:cxnSp>
+      <p:cxnSp>
+        <p:nvCxnSpPr>
+          <p:cNvPr id="9" name="Straight Arrow Connector 8">
+            <a:extLst>
+              <a:ext uri="{FF2B5EF4-FFF2-40B4-BE49-F238E27FC236}">
+                <a16:creationId xmlns:a16="http://schemas.microsoft.com/office/drawing/2014/main" id="{682BB056-8433-3644-B5E5-47791AC8967B}"/>
+              </a:ext>
+            </a:extLst>
+          </p:cNvPr>
+          <p:cNvCxnSpPr>
+            <a:stCxn id="2" idx="2"/>
+            <a:endCxn id="4" idx="0"/>
+          </p:cNvCxnSpPr>
+          <p:nvPr/>
+        </p:nvCxnSpPr>
+        <p:spPr>
+          <a:xfrm>
+            <a:off x="5843752" y="988458"/>
+            <a:ext cx="0" cy="273095"/>
+          </a:xfrm>
+          <a:prstGeom prst="straightConnector1">
+            <a:avLst/>
+          </a:prstGeom>
+          <a:ln>
+            <a:tailEnd type="triangle"/>
+          </a:ln>
+        </p:spPr>
+        <p:style>
+          <a:lnRef idx="1">
+            <a:schemeClr val="accent1"/>
+          </a:lnRef>
+          <a:fillRef idx="0">
+            <a:schemeClr val="accent1"/>
+          </a:fillRef>
+          <a:effectRef idx="0">
+            <a:schemeClr val="accent1"/>
+          </a:effectRef>
+          <a:fontRef idx="minor">
+            <a:schemeClr val="tx1"/>
+          </a:fontRef>
+        </p:style>
+      </p:cxnSp>
+      <p:cxnSp>
+        <p:nvCxnSpPr>
+          <p:cNvPr id="11" name="Straight Arrow Connector 10">
+            <a:extLst>
+              <a:ext uri="{FF2B5EF4-FFF2-40B4-BE49-F238E27FC236}">
+                <a16:creationId xmlns:a16="http://schemas.microsoft.com/office/drawing/2014/main" id="{5B892EF2-C3E7-7D4C-BF9A-407687C463B5}"/>
+              </a:ext>
+            </a:extLst>
+          </p:cNvPr>
+          <p:cNvCxnSpPr>
+            <a:stCxn id="2" idx="3"/>
+            <a:endCxn id="5" idx="0"/>
+          </p:cNvCxnSpPr>
+          <p:nvPr/>
+        </p:nvCxnSpPr>
+        <p:spPr>
+          <a:xfrm>
+            <a:off x="6579476" y="591778"/>
+            <a:ext cx="1319049" cy="669774"/>
+          </a:xfrm>
+          <a:prstGeom prst="straightConnector1">
+            <a:avLst/>
+          </a:prstGeom>
+          <a:ln>
+            <a:tailEnd type="triangle"/>
+          </a:ln>
+        </p:spPr>
+        <p:style>
+          <a:lnRef idx="1">
+            <a:schemeClr val="accent1"/>
+          </a:lnRef>
+          <a:fillRef idx="0">
+            <a:schemeClr val="accent1"/>
+          </a:fillRef>
+          <a:effectRef idx="0">
+            <a:schemeClr val="accent1"/>
+          </a:effectRef>
+          <a:fontRef idx="minor">
+            <a:schemeClr val="tx1"/>
+          </a:fontRef>
+        </p:style>
+      </p:cxnSp>
+    </p:spTree>
+    <p:extLst>
+      <p:ext uri="{BB962C8B-B14F-4D97-AF65-F5344CB8AC3E}">
+        <p14:creationId xmlns:p14="http://schemas.microsoft.com/office/powerpoint/2010/main" val="2236554800"/>
+      </p:ext>
+    </p:extLst>
+  </p:cSld>
+  <p:clrMapOvr>
+    <a:masterClrMapping/>
+  </p:clrMapOvr>
+</p:sld>
+</file>
+
+<file path=ppt/slides/slide2.xml><?xml version="1.0" encoding="utf-8"?>
+<p:sld xmlns:a="http://schemas.openxmlformats.org/drawingml/2006/main" xmlns:r="http://schemas.openxmlformats.org/officeDocument/2006/relationships" xmlns:p="http://schemas.openxmlformats.org/presentationml/2006/main">
+  <p:cSld>
+    <p:spTree>
+      <p:nvGrpSpPr>
+        <p:cNvPr id="1" name=""/>
+        <p:cNvGrpSpPr/>
+        <p:nvPr/>
+      </p:nvGrpSpPr>
+      <p:grpSpPr>
+        <a:xfrm>
+          <a:off x="0" y="0"/>
+          <a:ext cx="0" cy="0"/>
+          <a:chOff x="0" y="0"/>
+          <a:chExt cx="0" cy="0"/>
+        </a:xfrm>
+      </p:grpSpPr>
       <p:sp>
         <p:nvSpPr>
           <p:cNvPr id="4" name="Oval 3">
@@ -5334,7 +5611,7 @@
 </p:sld>
 </file>
 
-<file path=ppt/slides/slide2.xml><?xml version="1.0" encoding="utf-8"?>
+<file path=ppt/slides/slide3.xml><?xml version="1.0" encoding="utf-8"?>
 <p:sld xmlns:a="http://schemas.openxmlformats.org/drawingml/2006/main" xmlns:r="http://schemas.openxmlformats.org/officeDocument/2006/relationships" xmlns:p="http://schemas.openxmlformats.org/presentationml/2006/main">
   <p:cSld>
     <p:spTree>
@@ -8597,7 +8874,7 @@
 </p:sld>
 </file>
 
-<file path=ppt/slides/slide3.xml><?xml version="1.0" encoding="utf-8"?>
+<file path=ppt/slides/slide4.xml><?xml version="1.0" encoding="utf-8"?>
 <p:sld xmlns:a="http://schemas.openxmlformats.org/drawingml/2006/main" xmlns:r="http://schemas.openxmlformats.org/officeDocument/2006/relationships" xmlns:p="http://schemas.openxmlformats.org/presentationml/2006/main">
   <p:cSld>
     <p:spTree>
@@ -11760,7 +12037,7 @@
 </p:sld>
 </file>
 
-<file path=ppt/slides/slide4.xml><?xml version="1.0" encoding="utf-8"?>
+<file path=ppt/slides/slide5.xml><?xml version="1.0" encoding="utf-8"?>
 <p:sld xmlns:a="http://schemas.openxmlformats.org/drawingml/2006/main" xmlns:r="http://schemas.openxmlformats.org/officeDocument/2006/relationships" xmlns:p="http://schemas.openxmlformats.org/presentationml/2006/main">
   <p:cSld>
     <p:spTree>
@@ -13925,7 +14202,7 @@
 </p:sld>
 </file>
 
-<file path=ppt/slides/slide5.xml><?xml version="1.0" encoding="utf-8"?>
+<file path=ppt/slides/slide6.xml><?xml version="1.0" encoding="utf-8"?>
 <p:sld xmlns:a="http://schemas.openxmlformats.org/drawingml/2006/main" xmlns:r="http://schemas.openxmlformats.org/officeDocument/2006/relationships" xmlns:p="http://schemas.openxmlformats.org/presentationml/2006/main">
   <p:cSld>
     <p:spTree>
@@ -15755,7 +16032,7 @@
 </p:sld>
 </file>
 
-<file path=ppt/slides/slide6.xml><?xml version="1.0" encoding="utf-8"?>
+<file path=ppt/slides/slide7.xml><?xml version="1.0" encoding="utf-8"?>
 <p:sld xmlns:a="http://schemas.openxmlformats.org/drawingml/2006/main" xmlns:r="http://schemas.openxmlformats.org/officeDocument/2006/relationships" xmlns:p="http://schemas.openxmlformats.org/presentationml/2006/main">
   <p:cSld>
     <p:spTree>
@@ -16715,7 +16992,7 @@
 </p:sld>
 </file>
 
-<file path=ppt/slides/slide7.xml><?xml version="1.0" encoding="utf-8"?>
+<file path=ppt/slides/slide8.xml><?xml version="1.0" encoding="utf-8"?>
 <p:sld xmlns:a="http://schemas.openxmlformats.org/drawingml/2006/main" xmlns:r="http://schemas.openxmlformats.org/officeDocument/2006/relationships" xmlns:p="http://schemas.openxmlformats.org/presentationml/2006/main">
   <p:cSld>
     <p:spTree>

--- a/docs/rascunho_aula_distancia.pptx
+++ b/docs/rascunho_aula_distancia.pptx
@@ -268,7 +268,7 @@
           <a:p>
             <a:fld id="{881F5C84-7F6C-8D42-A9BB-148FCD039667}" type="datetimeFigureOut">
               <a:rPr lang="en-BR" smtClean="0"/>
-              <a:t>03/03/21</a:t>
+              <a:t>17/03/21</a:t>
             </a:fld>
             <a:endParaRPr lang="en-BR"/>
           </a:p>
@@ -468,7 +468,7 @@
           <a:p>
             <a:fld id="{881F5C84-7F6C-8D42-A9BB-148FCD039667}" type="datetimeFigureOut">
               <a:rPr lang="en-BR" smtClean="0"/>
-              <a:t>03/03/21</a:t>
+              <a:t>17/03/21</a:t>
             </a:fld>
             <a:endParaRPr lang="en-BR"/>
           </a:p>
@@ -678,7 +678,7 @@
           <a:p>
             <a:fld id="{881F5C84-7F6C-8D42-A9BB-148FCD039667}" type="datetimeFigureOut">
               <a:rPr lang="en-BR" smtClean="0"/>
-              <a:t>03/03/21</a:t>
+              <a:t>17/03/21</a:t>
             </a:fld>
             <a:endParaRPr lang="en-BR"/>
           </a:p>
@@ -878,7 +878,7 @@
           <a:p>
             <a:fld id="{881F5C84-7F6C-8D42-A9BB-148FCD039667}" type="datetimeFigureOut">
               <a:rPr lang="en-BR" smtClean="0"/>
-              <a:t>03/03/21</a:t>
+              <a:t>17/03/21</a:t>
             </a:fld>
             <a:endParaRPr lang="en-BR"/>
           </a:p>
@@ -1154,7 +1154,7 @@
           <a:p>
             <a:fld id="{881F5C84-7F6C-8D42-A9BB-148FCD039667}" type="datetimeFigureOut">
               <a:rPr lang="en-BR" smtClean="0"/>
-              <a:t>03/03/21</a:t>
+              <a:t>17/03/21</a:t>
             </a:fld>
             <a:endParaRPr lang="en-BR"/>
           </a:p>
@@ -1422,7 +1422,7 @@
           <a:p>
             <a:fld id="{881F5C84-7F6C-8D42-A9BB-148FCD039667}" type="datetimeFigureOut">
               <a:rPr lang="en-BR" smtClean="0"/>
-              <a:t>03/03/21</a:t>
+              <a:t>17/03/21</a:t>
             </a:fld>
             <a:endParaRPr lang="en-BR"/>
           </a:p>
@@ -1837,7 +1837,7 @@
           <a:p>
             <a:fld id="{881F5C84-7F6C-8D42-A9BB-148FCD039667}" type="datetimeFigureOut">
               <a:rPr lang="en-BR" smtClean="0"/>
-              <a:t>03/03/21</a:t>
+              <a:t>17/03/21</a:t>
             </a:fld>
             <a:endParaRPr lang="en-BR"/>
           </a:p>
@@ -1979,7 +1979,7 @@
           <a:p>
             <a:fld id="{881F5C84-7F6C-8D42-A9BB-148FCD039667}" type="datetimeFigureOut">
               <a:rPr lang="en-BR" smtClean="0"/>
-              <a:t>03/03/21</a:t>
+              <a:t>17/03/21</a:t>
             </a:fld>
             <a:endParaRPr lang="en-BR"/>
           </a:p>
@@ -2092,7 +2092,7 @@
           <a:p>
             <a:fld id="{881F5C84-7F6C-8D42-A9BB-148FCD039667}" type="datetimeFigureOut">
               <a:rPr lang="en-BR" smtClean="0"/>
-              <a:t>03/03/21</a:t>
+              <a:t>17/03/21</a:t>
             </a:fld>
             <a:endParaRPr lang="en-BR"/>
           </a:p>
@@ -2405,7 +2405,7 @@
           <a:p>
             <a:fld id="{881F5C84-7F6C-8D42-A9BB-148FCD039667}" type="datetimeFigureOut">
               <a:rPr lang="en-BR" smtClean="0"/>
-              <a:t>03/03/21</a:t>
+              <a:t>17/03/21</a:t>
             </a:fld>
             <a:endParaRPr lang="en-BR"/>
           </a:p>
@@ -2694,7 +2694,7 @@
           <a:p>
             <a:fld id="{881F5C84-7F6C-8D42-A9BB-148FCD039667}" type="datetimeFigureOut">
               <a:rPr lang="en-BR" smtClean="0"/>
-              <a:t>03/03/21</a:t>
+              <a:t>17/03/21</a:t>
             </a:fld>
             <a:endParaRPr lang="en-BR"/>
           </a:p>
@@ -2937,7 +2937,7 @@
           <a:p>
             <a:fld id="{881F5C84-7F6C-8D42-A9BB-148FCD039667}" type="datetimeFigureOut">
               <a:rPr lang="en-BR" smtClean="0"/>
-              <a:t>03/03/21</a:t>
+              <a:t>17/03/21</a:t>
             </a:fld>
             <a:endParaRPr lang="en-BR"/>
           </a:p>
@@ -4181,14 +4181,14 @@
           <p:nvPr>
             <p:extLst>
               <p:ext uri="{D42A27DB-BD31-4B8C-83A1-F6EECF244321}">
-                <p14:modId xmlns:p14="http://schemas.microsoft.com/office/powerpoint/2010/main" val="2006266492"/>
+                <p14:modId xmlns:p14="http://schemas.microsoft.com/office/powerpoint/2010/main" val="1868530833"/>
               </p:ext>
             </p:extLst>
           </p:nvPr>
         </p:nvGraphicFramePr>
         <p:xfrm>
           <a:off x="9092350" y="153440"/>
-          <a:ext cx="2524686" cy="6304280"/>
+          <a:ext cx="2359717" cy="6304280"/>
         </p:xfrm>
         <a:graphic>
           <a:graphicData uri="http://schemas.openxmlformats.org/drawingml/2006/table">
@@ -4204,7 +4204,7 @@
                     </a:ext>
                   </a:extLst>
                 </a:gridCol>
-                <a:gridCol w="841562">
+                <a:gridCol w="676593">
                   <a:extLst>
                     <a:ext uri="{9D8B030D-6E8A-4147-A177-3AD203B41FA5}">
                       <a16:colId xmlns:a16="http://schemas.microsoft.com/office/drawing/2014/main" val="306294187"/>
